--- a/doc/TigerDAQ_GUI.pptx
+++ b/doc/TigerDAQ_GUI.pptx
@@ -6,6 +6,7 @@
   </p:sldMasterIdLst>
   <p:sldIdLst>
     <p:sldId id="258" r:id="rId2"/>
+    <p:sldId id="259" r:id="rId3"/>
   </p:sldIdLst>
   <p:sldSz cx="9144000" cy="6858000" type="screen4x3"/>
   <p:notesSz cx="6858000" cy="9144000"/>
@@ -289,7 +290,7 @@
             <a:fld id="{1D8BD707-D9CF-40AE-B4C6-C98DA3205C09}" type="datetimeFigureOut">
               <a:rPr lang="en-US" smtClean="0"/>
               <a:pPr/>
-              <a:t>6/15/2021</a:t>
+              <a:t>7/12/2021</a:t>
             </a:fld>
             <a:endParaRPr lang="en-US"/>
           </a:p>
@@ -456,7 +457,7 @@
             <a:fld id="{1D8BD707-D9CF-40AE-B4C6-C98DA3205C09}" type="datetimeFigureOut">
               <a:rPr lang="en-US" smtClean="0"/>
               <a:pPr/>
-              <a:t>6/15/2021</a:t>
+              <a:t>7/12/2021</a:t>
             </a:fld>
             <a:endParaRPr lang="en-US"/>
           </a:p>
@@ -633,7 +634,7 @@
             <a:fld id="{1D8BD707-D9CF-40AE-B4C6-C98DA3205C09}" type="datetimeFigureOut">
               <a:rPr lang="en-US" smtClean="0"/>
               <a:pPr/>
-              <a:t>6/15/2021</a:t>
+              <a:t>7/12/2021</a:t>
             </a:fld>
             <a:endParaRPr lang="en-US"/>
           </a:p>
@@ -800,7 +801,7 @@
             <a:fld id="{1D8BD707-D9CF-40AE-B4C6-C98DA3205C09}" type="datetimeFigureOut">
               <a:rPr lang="en-US" smtClean="0"/>
               <a:pPr/>
-              <a:t>6/15/2021</a:t>
+              <a:t>7/12/2021</a:t>
             </a:fld>
             <a:endParaRPr lang="en-US"/>
           </a:p>
@@ -1043,7 +1044,7 @@
             <a:fld id="{1D8BD707-D9CF-40AE-B4C6-C98DA3205C09}" type="datetimeFigureOut">
               <a:rPr lang="en-US" smtClean="0"/>
               <a:pPr/>
-              <a:t>6/15/2021</a:t>
+              <a:t>7/12/2021</a:t>
             </a:fld>
             <a:endParaRPr lang="en-US"/>
           </a:p>
@@ -1328,7 +1329,7 @@
             <a:fld id="{1D8BD707-D9CF-40AE-B4C6-C98DA3205C09}" type="datetimeFigureOut">
               <a:rPr lang="en-US" smtClean="0"/>
               <a:pPr/>
-              <a:t>6/15/2021</a:t>
+              <a:t>7/12/2021</a:t>
             </a:fld>
             <a:endParaRPr lang="en-US"/>
           </a:p>
@@ -1747,7 +1748,7 @@
             <a:fld id="{1D8BD707-D9CF-40AE-B4C6-C98DA3205C09}" type="datetimeFigureOut">
               <a:rPr lang="en-US" smtClean="0"/>
               <a:pPr/>
-              <a:t>6/15/2021</a:t>
+              <a:t>7/12/2021</a:t>
             </a:fld>
             <a:endParaRPr lang="en-US"/>
           </a:p>
@@ -1862,7 +1863,7 @@
             <a:fld id="{1D8BD707-D9CF-40AE-B4C6-C98DA3205C09}" type="datetimeFigureOut">
               <a:rPr lang="en-US" smtClean="0"/>
               <a:pPr/>
-              <a:t>6/15/2021</a:t>
+              <a:t>7/12/2021</a:t>
             </a:fld>
             <a:endParaRPr lang="en-US"/>
           </a:p>
@@ -1954,7 +1955,7 @@
             <a:fld id="{1D8BD707-D9CF-40AE-B4C6-C98DA3205C09}" type="datetimeFigureOut">
               <a:rPr lang="en-US" smtClean="0"/>
               <a:pPr/>
-              <a:t>6/15/2021</a:t>
+              <a:t>7/12/2021</a:t>
             </a:fld>
             <a:endParaRPr lang="en-US"/>
           </a:p>
@@ -2228,7 +2229,7 @@
             <a:fld id="{1D8BD707-D9CF-40AE-B4C6-C98DA3205C09}" type="datetimeFigureOut">
               <a:rPr lang="en-US" smtClean="0"/>
               <a:pPr/>
-              <a:t>6/15/2021</a:t>
+              <a:t>7/12/2021</a:t>
             </a:fld>
             <a:endParaRPr lang="en-US"/>
           </a:p>
@@ -2478,7 +2479,7 @@
             <a:fld id="{1D8BD707-D9CF-40AE-B4C6-C98DA3205C09}" type="datetimeFigureOut">
               <a:rPr lang="en-US" smtClean="0"/>
               <a:pPr/>
-              <a:t>6/15/2021</a:t>
+              <a:t>7/12/2021</a:t>
             </a:fld>
             <a:endParaRPr lang="en-US"/>
           </a:p>
@@ -2688,7 +2689,7 @@
             <a:fld id="{1D8BD707-D9CF-40AE-B4C6-C98DA3205C09}" type="datetimeFigureOut">
               <a:rPr lang="en-US" smtClean="0"/>
               <a:pPr/>
-              <a:t>6/15/2021</a:t>
+              <a:t>7/12/2021</a:t>
             </a:fld>
             <a:endParaRPr lang="en-US"/>
           </a:p>
@@ -3068,7 +3069,7 @@
         <p:spPr>
           <a:xfrm>
             <a:off x="457200" y="1219200"/>
-            <a:ext cx="8305800" cy="5181600"/>
+            <a:ext cx="8305800" cy="5410200"/>
           </a:xfrm>
           <a:prstGeom prst="rect">
             <a:avLst/>
@@ -3544,12 +3545,18 @@
         </p:nvSpPr>
         <p:spPr>
           <a:xfrm>
-            <a:off x="4343400" y="1295400"/>
-            <a:ext cx="4343400" cy="4724400"/>
+            <a:off x="2743200" y="1295400"/>
+            <a:ext cx="5943600" cy="4953000"/>
           </a:xfrm>
           <a:prstGeom prst="rect">
             <a:avLst/>
           </a:prstGeom>
+          <a:solidFill>
+            <a:schemeClr val="tx1">
+              <a:lumMod val="50000"/>
+              <a:lumOff val="50000"/>
+            </a:schemeClr>
+          </a:solidFill>
         </p:spPr>
         <p:style>
           <a:lnRef idx="2">
@@ -3591,7 +3598,7 @@
         <p:spPr>
           <a:xfrm>
             <a:off x="533400" y="1295400"/>
-            <a:ext cx="3733800" cy="4724400"/>
+            <a:ext cx="2133600" cy="4953000"/>
           </a:xfrm>
           <a:prstGeom prst="rect">
             <a:avLst/>
@@ -3615,16 +3622,15 @@
           <a:bodyPr rtlCol="0" anchor="t"/>
           <a:lstStyle/>
           <a:p>
-            <a:pPr algn="ctr"/>
-            <a:r>
-              <a:rPr lang="en-US" sz="1400" dirty="0" smtClean="0"/>
+            <a:r>
+              <a:rPr lang="en-US" sz="1100" dirty="0" smtClean="0"/>
               <a:t>“Control” </a:t>
             </a:r>
             <a:r>
-              <a:rPr lang="en-US" sz="1400" dirty="0" err="1" smtClean="0"/>
+              <a:rPr lang="en-US" sz="1100" dirty="0" err="1" smtClean="0"/>
               <a:t>QDockWidget</a:t>
             </a:r>
-            <a:endParaRPr lang="en-US" sz="1400" dirty="0" smtClean="0"/>
+            <a:endParaRPr lang="en-US" sz="1100" dirty="0" smtClean="0"/>
           </a:p>
         </p:txBody>
       </p:sp>
@@ -3637,7 +3643,7 @@
         <p:spPr>
           <a:xfrm>
             <a:off x="609600" y="1676400"/>
-            <a:ext cx="3581400" cy="2667000"/>
+            <a:ext cx="1981200" cy="2667000"/>
           </a:xfrm>
           <a:prstGeom prst="rect">
             <a:avLst/>
@@ -3682,7 +3688,7 @@
         <p:spPr>
           <a:xfrm>
             <a:off x="609600" y="4419600"/>
-            <a:ext cx="3581400" cy="1524000"/>
+            <a:ext cx="1981200" cy="1752600"/>
           </a:xfrm>
           <a:prstGeom prst="rect">
             <a:avLst/>
@@ -3726,7 +3732,7 @@
         </p:nvSpPr>
         <p:spPr>
           <a:xfrm>
-            <a:off x="3657600" y="1371600"/>
+            <a:off x="2057400" y="1371600"/>
             <a:ext cx="228600" cy="228600"/>
           </a:xfrm>
           <a:prstGeom prst="rect">
@@ -3765,7 +3771,7 @@
         </p:nvSpPr>
         <p:spPr>
           <a:xfrm>
-            <a:off x="3733800" y="1447800"/>
+            <a:off x="2133600" y="1447800"/>
             <a:ext cx="76200" cy="76200"/>
           </a:xfrm>
           <a:prstGeom prst="rect">
@@ -3808,7 +3814,7 @@
         </p:nvSpPr>
         <p:spPr>
           <a:xfrm>
-            <a:off x="3962400" y="1371600"/>
+            <a:off x="2362200" y="1371600"/>
             <a:ext cx="228600" cy="228600"/>
           </a:xfrm>
           <a:prstGeom prst="rect">
@@ -3847,7 +3853,7 @@
         </p:nvCxnSpPr>
         <p:spPr>
           <a:xfrm rot="16200000" flipH="1">
-            <a:off x="4038600" y="1447800"/>
+            <a:off x="2438400" y="1447800"/>
             <a:ext cx="76200" cy="76200"/>
           </a:xfrm>
           <a:prstGeom prst="line">
@@ -3882,7 +3888,7 @@
         </p:nvCxnSpPr>
         <p:spPr>
           <a:xfrm rot="5400000">
-            <a:off x="4038600" y="1447800"/>
+            <a:off x="2438400" y="1447800"/>
             <a:ext cx="76200" cy="76200"/>
           </a:xfrm>
           <a:prstGeom prst="line">
@@ -4108,7 +4114,7 @@
         </p:nvSpPr>
         <p:spPr>
           <a:xfrm>
-            <a:off x="457200" y="6096000"/>
+            <a:off x="457200" y="6324600"/>
             <a:ext cx="8305800" cy="304800"/>
           </a:xfrm>
           <a:prstGeom prst="rect">
@@ -4150,7 +4156,7 @@
         </p:nvSpPr>
         <p:spPr>
           <a:xfrm>
-            <a:off x="533400" y="6172200"/>
+            <a:off x="533400" y="6400800"/>
             <a:ext cx="3657600" cy="152400"/>
           </a:xfrm>
           <a:prstGeom prst="rect">
@@ -4350,8 +4356,8 @@
         </p:nvSpPr>
         <p:spPr>
           <a:xfrm>
-            <a:off x="4419600" y="1676400"/>
-            <a:ext cx="4191000" cy="4267200"/>
+            <a:off x="2819400" y="1676400"/>
+            <a:ext cx="5791200" cy="4495800"/>
           </a:xfrm>
           <a:prstGeom prst="rect">
             <a:avLst/>
@@ -4398,8 +4404,8 @@
         </p:nvSpPr>
         <p:spPr>
           <a:xfrm>
-            <a:off x="4495800" y="1981200"/>
-            <a:ext cx="4038600" cy="1905000"/>
+            <a:off x="2895600" y="1981200"/>
+            <a:ext cx="5638800" cy="1905000"/>
           </a:xfrm>
           <a:prstGeom prst="rect">
             <a:avLst/>
@@ -4439,8 +4445,8 @@
         </p:nvSpPr>
         <p:spPr>
           <a:xfrm rot="10800000" flipV="1">
-            <a:off x="4419600" y="1676400"/>
-            <a:ext cx="838200" cy="228600"/>
+            <a:off x="2819400" y="1676400"/>
+            <a:ext cx="914400" cy="228600"/>
           </a:xfrm>
           <a:prstGeom prst="rect">
             <a:avLst/>
@@ -4470,10 +4476,9 @@
           <a:bodyPr rtlCol="0" anchor="t"/>
           <a:lstStyle/>
           <a:p>
-            <a:pPr algn="ctr"/>
             <a:r>
               <a:rPr lang="en-US" sz="1400" dirty="0" smtClean="0"/>
-              <a:t>Page 1</a:t>
+              <a:t>All in one</a:t>
             </a:r>
             <a:endParaRPr lang="en-US" sz="1400" dirty="0"/>
           </a:p>
@@ -4487,8 +4492,8 @@
         </p:nvSpPr>
         <p:spPr>
           <a:xfrm rot="10800000" flipV="1">
-            <a:off x="5257800" y="1676400"/>
-            <a:ext cx="838200" cy="228600"/>
+            <a:off x="3733800" y="1676400"/>
+            <a:ext cx="990600" cy="228600"/>
           </a:xfrm>
           <a:prstGeom prst="rect">
             <a:avLst/>
@@ -4515,10 +4520,9 @@
           <a:bodyPr rtlCol="0" anchor="t"/>
           <a:lstStyle/>
           <a:p>
-            <a:pPr algn="ctr"/>
             <a:r>
               <a:rPr lang="en-US" sz="1400" dirty="0" smtClean="0"/>
-              <a:t>Page 2</a:t>
+              <a:t>Additional</a:t>
             </a:r>
             <a:endParaRPr lang="en-US" sz="1400" dirty="0"/>
           </a:p>
@@ -4532,8 +4536,8 @@
         </p:nvCxnSpPr>
         <p:spPr>
           <a:xfrm rot="10800000">
-            <a:off x="4724400" y="3657600"/>
-            <a:ext cx="3657600" cy="1588"/>
+            <a:off x="3200400" y="3657600"/>
+            <a:ext cx="5181600" cy="1588"/>
           </a:xfrm>
           <a:prstGeom prst="line">
             <a:avLst/>
@@ -4567,7 +4571,7 @@
         </p:nvCxnSpPr>
         <p:spPr>
           <a:xfrm rot="5400000">
-            <a:off x="3886994" y="2894806"/>
+            <a:off x="2362994" y="2894806"/>
             <a:ext cx="1676400" cy="1588"/>
           </a:xfrm>
           <a:prstGeom prst="line">
@@ -4602,7 +4606,7 @@
         </p:nvSpPr>
         <p:spPr>
           <a:xfrm rot="16200000">
-            <a:off x="4367228" y="2764796"/>
+            <a:off x="2797805" y="2764796"/>
             <a:ext cx="457200" cy="261610"/>
           </a:xfrm>
           <a:prstGeom prst="rect">
@@ -4633,7 +4637,7 @@
         </p:nvSpPr>
         <p:spPr>
           <a:xfrm>
-            <a:off x="6096000" y="3657600"/>
+            <a:off x="5181600" y="3657600"/>
             <a:ext cx="762000" cy="261610"/>
           </a:xfrm>
           <a:prstGeom prst="rect">
@@ -5026,8 +5030,8 @@
         </p:nvCxnSpPr>
         <p:spPr>
           <a:xfrm rot="10800000">
-            <a:off x="4724400" y="3352800"/>
-            <a:ext cx="3581400" cy="1588"/>
+            <a:off x="3200400" y="3352800"/>
+            <a:ext cx="5105400" cy="1588"/>
           </a:xfrm>
           <a:prstGeom prst="line">
             <a:avLst/>
@@ -5059,8 +5063,8 @@
         </p:nvCxnSpPr>
         <p:spPr>
           <a:xfrm rot="10800000">
-            <a:off x="4724400" y="3048000"/>
-            <a:ext cx="3581400" cy="1588"/>
+            <a:off x="3200400" y="3048000"/>
+            <a:ext cx="5105400" cy="1588"/>
           </a:xfrm>
           <a:prstGeom prst="line">
             <a:avLst/>
@@ -5092,8 +5096,8 @@
         </p:nvCxnSpPr>
         <p:spPr>
           <a:xfrm rot="10800000">
-            <a:off x="4724400" y="2743200"/>
-            <a:ext cx="3581400" cy="1588"/>
+            <a:off x="3200400" y="2743200"/>
+            <a:ext cx="5105400" cy="1588"/>
           </a:xfrm>
           <a:prstGeom prst="line">
             <a:avLst/>
@@ -5125,8 +5129,8 @@
         </p:nvCxnSpPr>
         <p:spPr>
           <a:xfrm rot="10800000">
-            <a:off x="4724400" y="2438400"/>
-            <a:ext cx="3581400" cy="1588"/>
+            <a:off x="3200400" y="2438400"/>
+            <a:ext cx="5105400" cy="1588"/>
           </a:xfrm>
           <a:prstGeom prst="line">
             <a:avLst/>
@@ -5158,8 +5162,8 @@
         </p:nvCxnSpPr>
         <p:spPr>
           <a:xfrm rot="10800000">
-            <a:off x="4724400" y="2133600"/>
-            <a:ext cx="3581400" cy="1588"/>
+            <a:off x="3200400" y="2133600"/>
+            <a:ext cx="5105400" cy="1588"/>
           </a:xfrm>
           <a:prstGeom prst="line">
             <a:avLst/>
@@ -5191,8 +5195,8 @@
         </p:nvSpPr>
         <p:spPr>
           <a:xfrm>
-            <a:off x="4495800" y="3962400"/>
-            <a:ext cx="4038600" cy="1905000"/>
+            <a:off x="2895600" y="3962400"/>
+            <a:ext cx="5638800" cy="2133600"/>
           </a:xfrm>
           <a:prstGeom prst="rect">
             <a:avLst/>
@@ -5232,8 +5236,8 @@
         </p:nvCxnSpPr>
         <p:spPr>
           <a:xfrm rot="10800000">
-            <a:off x="4724400" y="5638800"/>
-            <a:ext cx="3657600" cy="1588"/>
+            <a:off x="3200400" y="5638800"/>
+            <a:ext cx="5181600" cy="1588"/>
           </a:xfrm>
           <a:prstGeom prst="line">
             <a:avLst/>
@@ -5267,7 +5271,7 @@
         </p:nvCxnSpPr>
         <p:spPr>
           <a:xfrm rot="5400000">
-            <a:off x="3886994" y="4876006"/>
+            <a:off x="2362994" y="4876006"/>
             <a:ext cx="1676400" cy="1588"/>
           </a:xfrm>
           <a:prstGeom prst="line">
@@ -5302,8 +5306,8 @@
         </p:nvSpPr>
         <p:spPr>
           <a:xfrm rot="16200000">
-            <a:off x="4367228" y="4745996"/>
-            <a:ext cx="457200" cy="261610"/>
+            <a:off x="2683504" y="4631696"/>
+            <a:ext cx="685802" cy="261610"/>
           </a:xfrm>
           <a:prstGeom prst="rect">
             <a:avLst/>
@@ -5319,7 +5323,7 @@
             <a:pPr algn="r"/>
             <a:r>
               <a:rPr lang="en-US" sz="1100" b="1" dirty="0" smtClean="0"/>
-              <a:t>Hits</a:t>
+              <a:t>Count</a:t>
             </a:r>
             <a:endParaRPr lang="en-US" sz="1100" b="1" dirty="0"/>
           </a:p>
@@ -5333,8 +5337,8 @@
         </p:nvSpPr>
         <p:spPr>
           <a:xfrm>
-            <a:off x="6096000" y="5638800"/>
-            <a:ext cx="762000" cy="261610"/>
+            <a:off x="5334000" y="5638800"/>
+            <a:ext cx="457200" cy="261610"/>
           </a:xfrm>
           <a:prstGeom prst="rect">
             <a:avLst/>
@@ -5348,8 +5352,8 @@
           <a:lstStyle/>
           <a:p>
             <a:r>
-              <a:rPr lang="en-US" sz="1100" b="1" dirty="0" smtClean="0"/>
-              <a:t>Channels</a:t>
+              <a:rPr lang="en-US" sz="1100" b="1" dirty="0" err="1" smtClean="0"/>
+              <a:t>ToT</a:t>
             </a:r>
             <a:endParaRPr lang="en-US" sz="1100" b="1" dirty="0"/>
           </a:p>
@@ -5726,8 +5730,8 @@
         </p:nvCxnSpPr>
         <p:spPr>
           <a:xfrm rot="10800000">
-            <a:off x="4724400" y="5334000"/>
-            <a:ext cx="3581400" cy="1588"/>
+            <a:off x="3200400" y="5334000"/>
+            <a:ext cx="5105400" cy="1588"/>
           </a:xfrm>
           <a:prstGeom prst="line">
             <a:avLst/>
@@ -5759,8 +5763,8 @@
         </p:nvCxnSpPr>
         <p:spPr>
           <a:xfrm rot="10800000">
-            <a:off x="4724400" y="5029200"/>
-            <a:ext cx="3581400" cy="1588"/>
+            <a:off x="3200400" y="5029200"/>
+            <a:ext cx="5105400" cy="1588"/>
           </a:xfrm>
           <a:prstGeom prst="line">
             <a:avLst/>
@@ -5792,8 +5796,8 @@
         </p:nvCxnSpPr>
         <p:spPr>
           <a:xfrm rot="10800000">
-            <a:off x="4724400" y="4724400"/>
-            <a:ext cx="3581400" cy="1588"/>
+            <a:off x="3200400" y="4724400"/>
+            <a:ext cx="5105400" cy="1588"/>
           </a:xfrm>
           <a:prstGeom prst="line">
             <a:avLst/>
@@ -5825,8 +5829,8 @@
         </p:nvCxnSpPr>
         <p:spPr>
           <a:xfrm rot="10800000">
-            <a:off x="4724400" y="4419600"/>
-            <a:ext cx="3581400" cy="1588"/>
+            <a:off x="3200400" y="4419600"/>
+            <a:ext cx="5105400" cy="1588"/>
           </a:xfrm>
           <a:prstGeom prst="line">
             <a:avLst/>
@@ -5858,8 +5862,8 @@
         </p:nvCxnSpPr>
         <p:spPr>
           <a:xfrm rot="10800000">
-            <a:off x="4724400" y="4114800"/>
-            <a:ext cx="3581400" cy="1588"/>
+            <a:off x="3200400" y="4114800"/>
+            <a:ext cx="5105400" cy="1588"/>
           </a:xfrm>
           <a:prstGeom prst="line">
             <a:avLst/>
@@ -6200,6 +6204,6387 @@
           </a:p>
         </p:txBody>
       </p:sp>
+      <p:cxnSp>
+        <p:nvCxnSpPr>
+          <p:cNvPr id="138" name="Straight Connector 137"/>
+          <p:cNvCxnSpPr/>
+          <p:nvPr/>
+        </p:nvCxnSpPr>
+        <p:spPr>
+          <a:xfrm rot="5400000">
+            <a:off x="3924300" y="4838700"/>
+            <a:ext cx="1600994" cy="794"/>
+          </a:xfrm>
+          <a:prstGeom prst="line">
+            <a:avLst/>
+          </a:prstGeom>
+          <a:ln>
+            <a:prstDash val="dash"/>
+          </a:ln>
+        </p:spPr>
+        <p:style>
+          <a:lnRef idx="1">
+            <a:schemeClr val="accent1"/>
+          </a:lnRef>
+          <a:fillRef idx="0">
+            <a:schemeClr val="accent1"/>
+          </a:fillRef>
+          <a:effectRef idx="0">
+            <a:schemeClr val="accent1"/>
+          </a:effectRef>
+          <a:fontRef idx="minor">
+            <a:schemeClr val="tx1"/>
+          </a:fontRef>
+        </p:style>
+      </p:cxnSp>
+      <p:cxnSp>
+        <p:nvCxnSpPr>
+          <p:cNvPr id="139" name="Straight Connector 138"/>
+          <p:cNvCxnSpPr/>
+          <p:nvPr/>
+        </p:nvCxnSpPr>
+        <p:spPr>
+          <a:xfrm rot="5400000">
+            <a:off x="3619500" y="4838700"/>
+            <a:ext cx="1600994" cy="794"/>
+          </a:xfrm>
+          <a:prstGeom prst="line">
+            <a:avLst/>
+          </a:prstGeom>
+          <a:ln>
+            <a:prstDash val="dash"/>
+          </a:ln>
+        </p:spPr>
+        <p:style>
+          <a:lnRef idx="1">
+            <a:schemeClr val="accent1"/>
+          </a:lnRef>
+          <a:fillRef idx="0">
+            <a:schemeClr val="accent1"/>
+          </a:fillRef>
+          <a:effectRef idx="0">
+            <a:schemeClr val="accent1"/>
+          </a:effectRef>
+          <a:fontRef idx="minor">
+            <a:schemeClr val="tx1"/>
+          </a:fontRef>
+        </p:style>
+      </p:cxnSp>
+      <p:cxnSp>
+        <p:nvCxnSpPr>
+          <p:cNvPr id="140" name="Straight Connector 139"/>
+          <p:cNvCxnSpPr/>
+          <p:nvPr/>
+        </p:nvCxnSpPr>
+        <p:spPr>
+          <a:xfrm rot="5400000">
+            <a:off x="3314700" y="4838700"/>
+            <a:ext cx="1600994" cy="794"/>
+          </a:xfrm>
+          <a:prstGeom prst="line">
+            <a:avLst/>
+          </a:prstGeom>
+          <a:ln>
+            <a:prstDash val="dash"/>
+          </a:ln>
+        </p:spPr>
+        <p:style>
+          <a:lnRef idx="1">
+            <a:schemeClr val="accent1"/>
+          </a:lnRef>
+          <a:fillRef idx="0">
+            <a:schemeClr val="accent1"/>
+          </a:fillRef>
+          <a:effectRef idx="0">
+            <a:schemeClr val="accent1"/>
+          </a:effectRef>
+          <a:fontRef idx="minor">
+            <a:schemeClr val="tx1"/>
+          </a:fontRef>
+        </p:style>
+      </p:cxnSp>
+      <p:cxnSp>
+        <p:nvCxnSpPr>
+          <p:cNvPr id="141" name="Straight Connector 140"/>
+          <p:cNvCxnSpPr/>
+          <p:nvPr/>
+        </p:nvCxnSpPr>
+        <p:spPr>
+          <a:xfrm rot="5400000">
+            <a:off x="3009900" y="4838700"/>
+            <a:ext cx="1600994" cy="794"/>
+          </a:xfrm>
+          <a:prstGeom prst="line">
+            <a:avLst/>
+          </a:prstGeom>
+          <a:ln>
+            <a:prstDash val="dash"/>
+          </a:ln>
+        </p:spPr>
+        <p:style>
+          <a:lnRef idx="1">
+            <a:schemeClr val="accent1"/>
+          </a:lnRef>
+          <a:fillRef idx="0">
+            <a:schemeClr val="accent1"/>
+          </a:fillRef>
+          <a:effectRef idx="0">
+            <a:schemeClr val="accent1"/>
+          </a:effectRef>
+          <a:fontRef idx="minor">
+            <a:schemeClr val="tx1"/>
+          </a:fontRef>
+        </p:style>
+      </p:cxnSp>
+      <p:cxnSp>
+        <p:nvCxnSpPr>
+          <p:cNvPr id="142" name="Straight Connector 141"/>
+          <p:cNvCxnSpPr/>
+          <p:nvPr/>
+        </p:nvCxnSpPr>
+        <p:spPr>
+          <a:xfrm rot="5400000">
+            <a:off x="2705100" y="4838700"/>
+            <a:ext cx="1600994" cy="794"/>
+          </a:xfrm>
+          <a:prstGeom prst="line">
+            <a:avLst/>
+          </a:prstGeom>
+          <a:ln>
+            <a:prstDash val="dash"/>
+          </a:ln>
+        </p:spPr>
+        <p:style>
+          <a:lnRef idx="1">
+            <a:schemeClr val="accent1"/>
+          </a:lnRef>
+          <a:fillRef idx="0">
+            <a:schemeClr val="accent1"/>
+          </a:fillRef>
+          <a:effectRef idx="0">
+            <a:schemeClr val="accent1"/>
+          </a:effectRef>
+          <a:fontRef idx="minor">
+            <a:schemeClr val="tx1"/>
+          </a:fontRef>
+        </p:style>
+      </p:cxnSp>
+      <p:cxnSp>
+        <p:nvCxnSpPr>
+          <p:cNvPr id="157" name="Straight Connector 156"/>
+          <p:cNvCxnSpPr/>
+          <p:nvPr/>
+        </p:nvCxnSpPr>
+        <p:spPr>
+          <a:xfrm rot="5400000">
+            <a:off x="3924300" y="2857500"/>
+            <a:ext cx="1600994" cy="794"/>
+          </a:xfrm>
+          <a:prstGeom prst="line">
+            <a:avLst/>
+          </a:prstGeom>
+          <a:ln>
+            <a:prstDash val="dash"/>
+          </a:ln>
+        </p:spPr>
+        <p:style>
+          <a:lnRef idx="1">
+            <a:schemeClr val="accent1"/>
+          </a:lnRef>
+          <a:fillRef idx="0">
+            <a:schemeClr val="accent1"/>
+          </a:fillRef>
+          <a:effectRef idx="0">
+            <a:schemeClr val="accent1"/>
+          </a:effectRef>
+          <a:fontRef idx="minor">
+            <a:schemeClr val="tx1"/>
+          </a:fontRef>
+        </p:style>
+      </p:cxnSp>
+      <p:cxnSp>
+        <p:nvCxnSpPr>
+          <p:cNvPr id="158" name="Straight Connector 157"/>
+          <p:cNvCxnSpPr/>
+          <p:nvPr/>
+        </p:nvCxnSpPr>
+        <p:spPr>
+          <a:xfrm rot="5400000">
+            <a:off x="3619500" y="2857500"/>
+            <a:ext cx="1600994" cy="794"/>
+          </a:xfrm>
+          <a:prstGeom prst="line">
+            <a:avLst/>
+          </a:prstGeom>
+          <a:ln>
+            <a:prstDash val="dash"/>
+          </a:ln>
+        </p:spPr>
+        <p:style>
+          <a:lnRef idx="1">
+            <a:schemeClr val="accent1"/>
+          </a:lnRef>
+          <a:fillRef idx="0">
+            <a:schemeClr val="accent1"/>
+          </a:fillRef>
+          <a:effectRef idx="0">
+            <a:schemeClr val="accent1"/>
+          </a:effectRef>
+          <a:fontRef idx="minor">
+            <a:schemeClr val="tx1"/>
+          </a:fontRef>
+        </p:style>
+      </p:cxnSp>
+      <p:cxnSp>
+        <p:nvCxnSpPr>
+          <p:cNvPr id="159" name="Straight Connector 158"/>
+          <p:cNvCxnSpPr/>
+          <p:nvPr/>
+        </p:nvCxnSpPr>
+        <p:spPr>
+          <a:xfrm rot="5400000">
+            <a:off x="3314700" y="2857500"/>
+            <a:ext cx="1600994" cy="794"/>
+          </a:xfrm>
+          <a:prstGeom prst="line">
+            <a:avLst/>
+          </a:prstGeom>
+          <a:ln>
+            <a:prstDash val="dash"/>
+          </a:ln>
+        </p:spPr>
+        <p:style>
+          <a:lnRef idx="1">
+            <a:schemeClr val="accent1"/>
+          </a:lnRef>
+          <a:fillRef idx="0">
+            <a:schemeClr val="accent1"/>
+          </a:fillRef>
+          <a:effectRef idx="0">
+            <a:schemeClr val="accent1"/>
+          </a:effectRef>
+          <a:fontRef idx="minor">
+            <a:schemeClr val="tx1"/>
+          </a:fontRef>
+        </p:style>
+      </p:cxnSp>
+      <p:cxnSp>
+        <p:nvCxnSpPr>
+          <p:cNvPr id="160" name="Straight Connector 159"/>
+          <p:cNvCxnSpPr/>
+          <p:nvPr/>
+        </p:nvCxnSpPr>
+        <p:spPr>
+          <a:xfrm rot="5400000">
+            <a:off x="3009900" y="2857500"/>
+            <a:ext cx="1600994" cy="794"/>
+          </a:xfrm>
+          <a:prstGeom prst="line">
+            <a:avLst/>
+          </a:prstGeom>
+          <a:ln>
+            <a:prstDash val="dash"/>
+          </a:ln>
+        </p:spPr>
+        <p:style>
+          <a:lnRef idx="1">
+            <a:schemeClr val="accent1"/>
+          </a:lnRef>
+          <a:fillRef idx="0">
+            <a:schemeClr val="accent1"/>
+          </a:fillRef>
+          <a:effectRef idx="0">
+            <a:schemeClr val="accent1"/>
+          </a:effectRef>
+          <a:fontRef idx="minor">
+            <a:schemeClr val="tx1"/>
+          </a:fontRef>
+        </p:style>
+      </p:cxnSp>
+      <p:cxnSp>
+        <p:nvCxnSpPr>
+          <p:cNvPr id="161" name="Straight Connector 160"/>
+          <p:cNvCxnSpPr/>
+          <p:nvPr/>
+        </p:nvCxnSpPr>
+        <p:spPr>
+          <a:xfrm rot="5400000">
+            <a:off x="2705100" y="2857500"/>
+            <a:ext cx="1600994" cy="794"/>
+          </a:xfrm>
+          <a:prstGeom prst="line">
+            <a:avLst/>
+          </a:prstGeom>
+          <a:ln>
+            <a:prstDash val="dash"/>
+          </a:ln>
+        </p:spPr>
+        <p:style>
+          <a:lnRef idx="1">
+            <a:schemeClr val="accent1"/>
+          </a:lnRef>
+          <a:fillRef idx="0">
+            <a:schemeClr val="accent1"/>
+          </a:fillRef>
+          <a:effectRef idx="0">
+            <a:schemeClr val="accent1"/>
+          </a:effectRef>
+          <a:fontRef idx="minor">
+            <a:schemeClr val="tx1"/>
+          </a:fontRef>
+        </p:style>
+      </p:cxnSp>
+      <p:sp>
+        <p:nvSpPr>
+          <p:cNvPr id="162" name="Rectangle 161"/>
+          <p:cNvSpPr/>
+          <p:nvPr/>
+        </p:nvSpPr>
+        <p:spPr>
+          <a:xfrm>
+            <a:off x="685800" y="2133600"/>
+            <a:ext cx="609600" cy="228600"/>
+          </a:xfrm>
+          <a:prstGeom prst="rect">
+            <a:avLst/>
+          </a:prstGeom>
+        </p:spPr>
+        <p:style>
+          <a:lnRef idx="2">
+            <a:schemeClr val="dk1"/>
+          </a:lnRef>
+          <a:fillRef idx="1">
+            <a:schemeClr val="lt1"/>
+          </a:fillRef>
+          <a:effectRef idx="0">
+            <a:schemeClr val="dk1"/>
+          </a:effectRef>
+          <a:fontRef idx="minor">
+            <a:schemeClr val="dk1"/>
+          </a:fontRef>
+        </p:style>
+        <p:txBody>
+          <a:bodyPr rtlCol="0" anchor="ctr"/>
+          <a:lstStyle/>
+          <a:p>
+            <a:pPr algn="ctr"/>
+            <a:r>
+              <a:rPr lang="en-US" sz="1000" dirty="0" smtClean="0"/>
+              <a:t>5</a:t>
+            </a:r>
+            <a:endParaRPr lang="en-US" sz="1000" dirty="0"/>
+          </a:p>
+        </p:txBody>
+      </p:sp>
+      <p:sp>
+        <p:nvSpPr>
+          <p:cNvPr id="163" name="Rectangle 162"/>
+          <p:cNvSpPr/>
+          <p:nvPr/>
+        </p:nvSpPr>
+        <p:spPr>
+          <a:xfrm>
+            <a:off x="685800" y="2743200"/>
+            <a:ext cx="609600" cy="381000"/>
+          </a:xfrm>
+          <a:prstGeom prst="rect">
+            <a:avLst/>
+          </a:prstGeom>
+        </p:spPr>
+        <p:style>
+          <a:lnRef idx="2">
+            <a:schemeClr val="dk1"/>
+          </a:lnRef>
+          <a:fillRef idx="1">
+            <a:schemeClr val="lt1"/>
+          </a:fillRef>
+          <a:effectRef idx="0">
+            <a:schemeClr val="dk1"/>
+          </a:effectRef>
+          <a:fontRef idx="minor">
+            <a:schemeClr val="dk1"/>
+          </a:fontRef>
+        </p:style>
+        <p:txBody>
+          <a:bodyPr rtlCol="0" anchor="ctr"/>
+          <a:lstStyle/>
+          <a:p>
+            <a:pPr algn="ctr"/>
+            <a:r>
+              <a:rPr lang="en-US" sz="1000" dirty="0" err="1" smtClean="0"/>
+              <a:t>Tcoarse</a:t>
+            </a:r>
+            <a:endParaRPr lang="en-US" sz="1000" dirty="0"/>
+          </a:p>
+        </p:txBody>
+      </p:sp>
+      <p:cxnSp>
+        <p:nvCxnSpPr>
+          <p:cNvPr id="164" name="Straight Connector 163"/>
+          <p:cNvCxnSpPr/>
+          <p:nvPr/>
+        </p:nvCxnSpPr>
+        <p:spPr>
+          <a:xfrm rot="5400000">
+            <a:off x="1143000" y="2819400"/>
+            <a:ext cx="76200" cy="76200"/>
+          </a:xfrm>
+          <a:prstGeom prst="line">
+            <a:avLst/>
+          </a:prstGeom>
+          <a:ln w="19050">
+            <a:solidFill>
+              <a:schemeClr val="tx1"/>
+            </a:solidFill>
+          </a:ln>
+        </p:spPr>
+        <p:style>
+          <a:lnRef idx="1">
+            <a:schemeClr val="accent1"/>
+          </a:lnRef>
+          <a:fillRef idx="0">
+            <a:schemeClr val="accent1"/>
+          </a:fillRef>
+          <a:effectRef idx="0">
+            <a:schemeClr val="accent1"/>
+          </a:effectRef>
+          <a:fontRef idx="minor">
+            <a:schemeClr val="tx1"/>
+          </a:fontRef>
+        </p:style>
+      </p:cxnSp>
+      <p:cxnSp>
+        <p:nvCxnSpPr>
+          <p:cNvPr id="165" name="Straight Connector 164"/>
+          <p:cNvCxnSpPr/>
+          <p:nvPr/>
+        </p:nvCxnSpPr>
+        <p:spPr>
+          <a:xfrm rot="16200000" flipH="1">
+            <a:off x="1066800" y="2819400"/>
+            <a:ext cx="76200" cy="76200"/>
+          </a:xfrm>
+          <a:prstGeom prst="line">
+            <a:avLst/>
+          </a:prstGeom>
+          <a:ln w="19050">
+            <a:solidFill>
+              <a:schemeClr val="tx1"/>
+            </a:solidFill>
+          </a:ln>
+        </p:spPr>
+        <p:style>
+          <a:lnRef idx="1">
+            <a:schemeClr val="accent1"/>
+          </a:lnRef>
+          <a:fillRef idx="0">
+            <a:schemeClr val="accent1"/>
+          </a:fillRef>
+          <a:effectRef idx="0">
+            <a:schemeClr val="accent1"/>
+          </a:effectRef>
+          <a:fontRef idx="minor">
+            <a:schemeClr val="tx1"/>
+          </a:fontRef>
+        </p:style>
+      </p:cxnSp>
+      <p:sp>
+        <p:nvSpPr>
+          <p:cNvPr id="166" name="TextBox 165"/>
+          <p:cNvSpPr txBox="1"/>
+          <p:nvPr/>
+        </p:nvSpPr>
+        <p:spPr>
+          <a:xfrm>
+            <a:off x="1295400" y="2100590"/>
+            <a:ext cx="838200" cy="261610"/>
+          </a:xfrm>
+          <a:prstGeom prst="rect">
+            <a:avLst/>
+          </a:prstGeom>
+          <a:noFill/>
+        </p:spPr>
+        <p:txBody>
+          <a:bodyPr wrap="square" rtlCol="0">
+            <a:spAutoFit/>
+          </a:bodyPr>
+          <a:lstStyle/>
+          <a:p>
+            <a:r>
+              <a:rPr lang="en-US" sz="1100" dirty="0" smtClean="0"/>
+              <a:t>Delay [s]</a:t>
+            </a:r>
+            <a:endParaRPr lang="en-US" sz="1100" dirty="0"/>
+          </a:p>
+        </p:txBody>
+      </p:sp>
+      <p:sp>
+        <p:nvSpPr>
+          <p:cNvPr id="167" name="TextBox 166"/>
+          <p:cNvSpPr txBox="1"/>
+          <p:nvPr/>
+        </p:nvSpPr>
+        <p:spPr>
+          <a:xfrm>
+            <a:off x="1295400" y="2819400"/>
+            <a:ext cx="1295400" cy="261610"/>
+          </a:xfrm>
+          <a:prstGeom prst="rect">
+            <a:avLst/>
+          </a:prstGeom>
+          <a:noFill/>
+        </p:spPr>
+        <p:txBody>
+          <a:bodyPr wrap="square" rtlCol="0">
+            <a:spAutoFit/>
+          </a:bodyPr>
+          <a:lstStyle/>
+          <a:p>
+            <a:r>
+              <a:rPr lang="en-US" sz="1100" dirty="0" smtClean="0"/>
+              <a:t>Parameter selector</a:t>
+            </a:r>
+            <a:endParaRPr lang="en-US" sz="1100" dirty="0"/>
+          </a:p>
+        </p:txBody>
+      </p:sp>
+      <p:sp>
+        <p:nvSpPr>
+          <p:cNvPr id="168" name="Rectangle 167"/>
+          <p:cNvSpPr/>
+          <p:nvPr/>
+        </p:nvSpPr>
+        <p:spPr>
+          <a:xfrm>
+            <a:off x="2895600" y="5867400"/>
+            <a:ext cx="5638800" cy="228600"/>
+          </a:xfrm>
+          <a:prstGeom prst="rect">
+            <a:avLst/>
+          </a:prstGeom>
+          <a:solidFill>
+            <a:schemeClr val="tx1">
+              <a:lumMod val="75000"/>
+              <a:lumOff val="25000"/>
+            </a:schemeClr>
+          </a:solidFill>
+          <a:ln>
+            <a:solidFill>
+              <a:schemeClr val="tx1"/>
+            </a:solidFill>
+          </a:ln>
+        </p:spPr>
+        <p:style>
+          <a:lnRef idx="2">
+            <a:schemeClr val="accent1">
+              <a:shade val="50000"/>
+            </a:schemeClr>
+          </a:lnRef>
+          <a:fillRef idx="1">
+            <a:schemeClr val="accent1"/>
+          </a:fillRef>
+          <a:effectRef idx="0">
+            <a:schemeClr val="accent1"/>
+          </a:effectRef>
+          <a:fontRef idx="minor">
+            <a:schemeClr val="lt1"/>
+          </a:fontRef>
+        </p:style>
+        <p:txBody>
+          <a:bodyPr rtlCol="0" anchor="ctr"/>
+          <a:lstStyle/>
+          <a:p>
+            <a:pPr algn="ctr"/>
+            <a:endParaRPr lang="en-US"/>
+          </a:p>
+        </p:txBody>
+      </p:sp>
+      <p:pic>
+        <p:nvPicPr>
+          <p:cNvPr id="169" name="Picture 2" descr="C:\Users\zazac\Desktop\Capture.PNG"/>
+          <p:cNvPicPr>
+            <a:picLocks noChangeAspect="1" noChangeArrowheads="1"/>
+          </p:cNvPicPr>
+          <p:nvPr/>
+        </p:nvPicPr>
+        <p:blipFill>
+          <a:blip r:embed="rId2"/>
+          <a:srcRect/>
+          <a:stretch>
+            <a:fillRect/>
+          </a:stretch>
+        </p:blipFill>
+        <p:spPr bwMode="auto">
+          <a:xfrm>
+            <a:off x="2895600" y="5867400"/>
+            <a:ext cx="1568450" cy="226543"/>
+          </a:xfrm>
+          <a:prstGeom prst="rect">
+            <a:avLst/>
+          </a:prstGeom>
+          <a:noFill/>
+          <a:ln>
+            <a:solidFill>
+              <a:schemeClr val="tx1"/>
+            </a:solidFill>
+          </a:ln>
+        </p:spPr>
+      </p:pic>
+    </p:spTree>
+  </p:cSld>
+  <p:clrMapOvr>
+    <a:masterClrMapping/>
+  </p:clrMapOvr>
+</p:sld>
+</file>
+
+<file path=ppt/slides/slide2.xml><?xml version="1.0" encoding="utf-8"?>
+<p:sld xmlns:a="http://schemas.openxmlformats.org/drawingml/2006/main" xmlns:r="http://schemas.openxmlformats.org/officeDocument/2006/relationships" xmlns:p="http://schemas.openxmlformats.org/presentationml/2006/main">
+  <p:cSld>
+    <p:spTree>
+      <p:nvGrpSpPr>
+        <p:cNvPr id="1" name=""/>
+        <p:cNvGrpSpPr/>
+        <p:nvPr/>
+      </p:nvGrpSpPr>
+      <p:grpSpPr>
+        <a:xfrm>
+          <a:off x="0" y="0"/>
+          <a:ext cx="0" cy="0"/>
+          <a:chOff x="0" y="0"/>
+          <a:chExt cx="0" cy="0"/>
+        </a:xfrm>
+      </p:grpSpPr>
+      <p:sp>
+        <p:nvSpPr>
+          <p:cNvPr id="4" name="Rectangle 3"/>
+          <p:cNvSpPr/>
+          <p:nvPr/>
+        </p:nvSpPr>
+        <p:spPr>
+          <a:xfrm>
+            <a:off x="457200" y="1219200"/>
+            <a:ext cx="8305800" cy="5410200"/>
+          </a:xfrm>
+          <a:prstGeom prst="rect">
+            <a:avLst/>
+          </a:prstGeom>
+          <a:solidFill>
+            <a:schemeClr val="tx1">
+              <a:lumMod val="50000"/>
+              <a:lumOff val="50000"/>
+            </a:schemeClr>
+          </a:solidFill>
+        </p:spPr>
+        <p:style>
+          <a:lnRef idx="2">
+            <a:schemeClr val="dk1"/>
+          </a:lnRef>
+          <a:fillRef idx="1">
+            <a:schemeClr val="lt1"/>
+          </a:fillRef>
+          <a:effectRef idx="0">
+            <a:schemeClr val="dk1"/>
+          </a:effectRef>
+          <a:fontRef idx="minor">
+            <a:schemeClr val="dk1"/>
+          </a:fontRef>
+        </p:style>
+        <p:txBody>
+          <a:bodyPr rtlCol="0" anchor="ctr"/>
+          <a:lstStyle/>
+          <a:p>
+            <a:pPr algn="ctr"/>
+            <a:endParaRPr lang="en-US"/>
+          </a:p>
+        </p:txBody>
+      </p:sp>
+      <p:sp>
+        <p:nvSpPr>
+          <p:cNvPr id="5" name="Rectangle 4"/>
+          <p:cNvSpPr/>
+          <p:nvPr/>
+        </p:nvSpPr>
+        <p:spPr>
+          <a:xfrm>
+            <a:off x="838200" y="304800"/>
+            <a:ext cx="7924800" cy="228600"/>
+          </a:xfrm>
+          <a:prstGeom prst="rect">
+            <a:avLst/>
+          </a:prstGeom>
+        </p:spPr>
+        <p:style>
+          <a:lnRef idx="2">
+            <a:schemeClr val="dk1"/>
+          </a:lnRef>
+          <a:fillRef idx="1">
+            <a:schemeClr val="lt1"/>
+          </a:fillRef>
+          <a:effectRef idx="0">
+            <a:schemeClr val="dk1"/>
+          </a:effectRef>
+          <a:fontRef idx="minor">
+            <a:schemeClr val="dk1"/>
+          </a:fontRef>
+        </p:style>
+        <p:txBody>
+          <a:bodyPr rtlCol="0" anchor="ctr"/>
+          <a:lstStyle/>
+          <a:p>
+            <a:r>
+              <a:rPr lang="en-US" sz="1000" dirty="0" smtClean="0"/>
+              <a:t>DAQ</a:t>
+            </a:r>
+            <a:endParaRPr lang="en-US" sz="1000" dirty="0"/>
+          </a:p>
+        </p:txBody>
+      </p:sp>
+      <p:sp>
+        <p:nvSpPr>
+          <p:cNvPr id="6" name="Rectangle 5"/>
+          <p:cNvSpPr/>
+          <p:nvPr/>
+        </p:nvSpPr>
+        <p:spPr>
+          <a:xfrm>
+            <a:off x="457200" y="304800"/>
+            <a:ext cx="381000" cy="228600"/>
+          </a:xfrm>
+          <a:prstGeom prst="rect">
+            <a:avLst/>
+          </a:prstGeom>
+        </p:spPr>
+        <p:style>
+          <a:lnRef idx="2">
+            <a:schemeClr val="dk1"/>
+          </a:lnRef>
+          <a:fillRef idx="1">
+            <a:schemeClr val="lt1"/>
+          </a:fillRef>
+          <a:effectRef idx="0">
+            <a:schemeClr val="dk1"/>
+          </a:effectRef>
+          <a:fontRef idx="minor">
+            <a:schemeClr val="dk1"/>
+          </a:fontRef>
+        </p:style>
+        <p:txBody>
+          <a:bodyPr rtlCol="0" anchor="ctr"/>
+          <a:lstStyle/>
+          <a:p>
+            <a:pPr algn="ctr"/>
+            <a:r>
+              <a:rPr lang="en-US" sz="800" dirty="0" smtClean="0"/>
+              <a:t>Icon</a:t>
+            </a:r>
+            <a:endParaRPr lang="en-US" sz="800" dirty="0"/>
+          </a:p>
+        </p:txBody>
+      </p:sp>
+      <p:sp>
+        <p:nvSpPr>
+          <p:cNvPr id="7" name="Rectangle 6"/>
+          <p:cNvSpPr/>
+          <p:nvPr/>
+        </p:nvSpPr>
+        <p:spPr>
+          <a:xfrm>
+            <a:off x="7848600" y="304800"/>
+            <a:ext cx="304800" cy="228600"/>
+          </a:xfrm>
+          <a:prstGeom prst="rect">
+            <a:avLst/>
+          </a:prstGeom>
+        </p:spPr>
+        <p:style>
+          <a:lnRef idx="2">
+            <a:schemeClr val="dk1"/>
+          </a:lnRef>
+          <a:fillRef idx="1">
+            <a:schemeClr val="lt1"/>
+          </a:fillRef>
+          <a:effectRef idx="0">
+            <a:schemeClr val="dk1"/>
+          </a:effectRef>
+          <a:fontRef idx="minor">
+            <a:schemeClr val="dk1"/>
+          </a:fontRef>
+        </p:style>
+        <p:txBody>
+          <a:bodyPr rtlCol="0" anchor="ctr"/>
+          <a:lstStyle/>
+          <a:p>
+            <a:pPr algn="ctr"/>
+            <a:endParaRPr lang="en-US"/>
+          </a:p>
+        </p:txBody>
+      </p:sp>
+      <p:sp>
+        <p:nvSpPr>
+          <p:cNvPr id="8" name="Rectangle 7"/>
+          <p:cNvSpPr/>
+          <p:nvPr/>
+        </p:nvSpPr>
+        <p:spPr>
+          <a:xfrm>
+            <a:off x="8153400" y="304800"/>
+            <a:ext cx="304800" cy="228600"/>
+          </a:xfrm>
+          <a:prstGeom prst="rect">
+            <a:avLst/>
+          </a:prstGeom>
+        </p:spPr>
+        <p:style>
+          <a:lnRef idx="2">
+            <a:schemeClr val="dk1"/>
+          </a:lnRef>
+          <a:fillRef idx="1">
+            <a:schemeClr val="lt1"/>
+          </a:fillRef>
+          <a:effectRef idx="0">
+            <a:schemeClr val="dk1"/>
+          </a:effectRef>
+          <a:fontRef idx="minor">
+            <a:schemeClr val="dk1"/>
+          </a:fontRef>
+        </p:style>
+        <p:txBody>
+          <a:bodyPr rtlCol="0" anchor="ctr"/>
+          <a:lstStyle/>
+          <a:p>
+            <a:pPr algn="ctr"/>
+            <a:endParaRPr lang="en-US"/>
+          </a:p>
+        </p:txBody>
+      </p:sp>
+      <p:sp>
+        <p:nvSpPr>
+          <p:cNvPr id="9" name="Rectangle 8"/>
+          <p:cNvSpPr/>
+          <p:nvPr/>
+        </p:nvSpPr>
+        <p:spPr>
+          <a:xfrm>
+            <a:off x="457200" y="762000"/>
+            <a:ext cx="8305800" cy="457200"/>
+          </a:xfrm>
+          <a:prstGeom prst="rect">
+            <a:avLst/>
+          </a:prstGeom>
+          <a:ln w="28575"/>
+        </p:spPr>
+        <p:style>
+          <a:lnRef idx="1">
+            <a:schemeClr val="dk1"/>
+          </a:lnRef>
+          <a:fillRef idx="2">
+            <a:schemeClr val="dk1"/>
+          </a:fillRef>
+          <a:effectRef idx="1">
+            <a:schemeClr val="dk1"/>
+          </a:effectRef>
+          <a:fontRef idx="minor">
+            <a:schemeClr val="dk1"/>
+          </a:fontRef>
+        </p:style>
+        <p:txBody>
+          <a:bodyPr rtlCol="0" anchor="ctr"/>
+          <a:lstStyle/>
+          <a:p>
+            <a:pPr algn="ctr"/>
+            <a:r>
+              <a:rPr lang="en-US" dirty="0" smtClean="0"/>
+              <a:t>                                                                                                                                               				</a:t>
+            </a:r>
+            <a:r>
+              <a:rPr lang="en-US" sz="1600" dirty="0" smtClean="0"/>
+              <a:t>Toolbar</a:t>
+            </a:r>
+            <a:endParaRPr lang="en-US" dirty="0"/>
+          </a:p>
+        </p:txBody>
+      </p:sp>
+      <p:sp>
+        <p:nvSpPr>
+          <p:cNvPr id="10" name="Rectangle 9"/>
+          <p:cNvSpPr/>
+          <p:nvPr/>
+        </p:nvSpPr>
+        <p:spPr>
+          <a:xfrm>
+            <a:off x="1905000" y="838200"/>
+            <a:ext cx="533400" cy="304800"/>
+          </a:xfrm>
+          <a:prstGeom prst="rect">
+            <a:avLst/>
+          </a:prstGeom>
+        </p:spPr>
+        <p:style>
+          <a:lnRef idx="2">
+            <a:schemeClr val="dk1"/>
+          </a:lnRef>
+          <a:fillRef idx="1">
+            <a:schemeClr val="lt1"/>
+          </a:fillRef>
+          <a:effectRef idx="0">
+            <a:schemeClr val="dk1"/>
+          </a:effectRef>
+          <a:fontRef idx="minor">
+            <a:schemeClr val="dk1"/>
+          </a:fontRef>
+        </p:style>
+        <p:txBody>
+          <a:bodyPr rtlCol="0" anchor="ctr"/>
+          <a:lstStyle/>
+          <a:p>
+            <a:pPr algn="ctr"/>
+            <a:r>
+              <a:rPr lang="en-US" sz="1000" dirty="0" smtClean="0"/>
+              <a:t>Play</a:t>
+            </a:r>
+            <a:endParaRPr lang="en-US" sz="1000" dirty="0"/>
+          </a:p>
+        </p:txBody>
+      </p:sp>
+      <p:sp>
+        <p:nvSpPr>
+          <p:cNvPr id="11" name="Rectangle 10"/>
+          <p:cNvSpPr/>
+          <p:nvPr/>
+        </p:nvSpPr>
+        <p:spPr>
+          <a:xfrm>
+            <a:off x="2514600" y="838200"/>
+            <a:ext cx="533400" cy="304800"/>
+          </a:xfrm>
+          <a:prstGeom prst="rect">
+            <a:avLst/>
+          </a:prstGeom>
+        </p:spPr>
+        <p:style>
+          <a:lnRef idx="2">
+            <a:schemeClr val="dk1"/>
+          </a:lnRef>
+          <a:fillRef idx="1">
+            <a:schemeClr val="lt1"/>
+          </a:fillRef>
+          <a:effectRef idx="0">
+            <a:schemeClr val="dk1"/>
+          </a:effectRef>
+          <a:fontRef idx="minor">
+            <a:schemeClr val="dk1"/>
+          </a:fontRef>
+        </p:style>
+        <p:txBody>
+          <a:bodyPr rtlCol="0" anchor="ctr"/>
+          <a:lstStyle/>
+          <a:p>
+            <a:pPr algn="ctr"/>
+            <a:r>
+              <a:rPr lang="en-US" sz="1000" dirty="0" smtClean="0"/>
+              <a:t>Stop</a:t>
+            </a:r>
+            <a:endParaRPr lang="en-US" sz="1000" dirty="0"/>
+          </a:p>
+        </p:txBody>
+      </p:sp>
+      <p:cxnSp>
+        <p:nvCxnSpPr>
+          <p:cNvPr id="12" name="Straight Connector 11"/>
+          <p:cNvCxnSpPr/>
+          <p:nvPr/>
+        </p:nvCxnSpPr>
+        <p:spPr>
+          <a:xfrm>
+            <a:off x="7924800" y="457200"/>
+            <a:ext cx="152400" cy="1588"/>
+          </a:xfrm>
+          <a:prstGeom prst="line">
+            <a:avLst/>
+          </a:prstGeom>
+          <a:ln w="19050">
+            <a:solidFill>
+              <a:schemeClr val="tx1"/>
+            </a:solidFill>
+          </a:ln>
+        </p:spPr>
+        <p:style>
+          <a:lnRef idx="1">
+            <a:schemeClr val="accent1"/>
+          </a:lnRef>
+          <a:fillRef idx="0">
+            <a:schemeClr val="accent1"/>
+          </a:fillRef>
+          <a:effectRef idx="0">
+            <a:schemeClr val="accent1"/>
+          </a:effectRef>
+          <a:fontRef idx="minor">
+            <a:schemeClr val="tx1"/>
+          </a:fontRef>
+        </p:style>
+      </p:cxnSp>
+      <p:sp>
+        <p:nvSpPr>
+          <p:cNvPr id="13" name="Rectangle 12"/>
+          <p:cNvSpPr/>
+          <p:nvPr/>
+        </p:nvSpPr>
+        <p:spPr>
+          <a:xfrm>
+            <a:off x="8229600" y="381000"/>
+            <a:ext cx="152400" cy="76200"/>
+          </a:xfrm>
+          <a:prstGeom prst="rect">
+            <a:avLst/>
+          </a:prstGeom>
+        </p:spPr>
+        <p:style>
+          <a:lnRef idx="2">
+            <a:schemeClr val="dk1"/>
+          </a:lnRef>
+          <a:fillRef idx="1">
+            <a:schemeClr val="lt1"/>
+          </a:fillRef>
+          <a:effectRef idx="0">
+            <a:schemeClr val="dk1"/>
+          </a:effectRef>
+          <a:fontRef idx="minor">
+            <a:schemeClr val="dk1"/>
+          </a:fontRef>
+        </p:style>
+        <p:txBody>
+          <a:bodyPr rtlCol="0" anchor="ctr"/>
+          <a:lstStyle/>
+          <a:p>
+            <a:pPr algn="ctr"/>
+            <a:endParaRPr lang="en-US"/>
+          </a:p>
+        </p:txBody>
+      </p:sp>
+      <p:cxnSp>
+        <p:nvCxnSpPr>
+          <p:cNvPr id="14" name="Straight Connector 13"/>
+          <p:cNvCxnSpPr/>
+          <p:nvPr/>
+        </p:nvCxnSpPr>
+        <p:spPr>
+          <a:xfrm rot="16200000" flipH="1">
+            <a:off x="8610600" y="381000"/>
+            <a:ext cx="76200" cy="76200"/>
+          </a:xfrm>
+          <a:prstGeom prst="line">
+            <a:avLst/>
+          </a:prstGeom>
+          <a:ln w="19050">
+            <a:solidFill>
+              <a:schemeClr val="tx1"/>
+            </a:solidFill>
+          </a:ln>
+        </p:spPr>
+        <p:style>
+          <a:lnRef idx="1">
+            <a:schemeClr val="accent1"/>
+          </a:lnRef>
+          <a:fillRef idx="0">
+            <a:schemeClr val="accent1"/>
+          </a:fillRef>
+          <a:effectRef idx="0">
+            <a:schemeClr val="accent1"/>
+          </a:effectRef>
+          <a:fontRef idx="minor">
+            <a:schemeClr val="tx1"/>
+          </a:fontRef>
+        </p:style>
+      </p:cxnSp>
+      <p:cxnSp>
+        <p:nvCxnSpPr>
+          <p:cNvPr id="15" name="Straight Connector 14"/>
+          <p:cNvCxnSpPr/>
+          <p:nvPr/>
+        </p:nvCxnSpPr>
+        <p:spPr>
+          <a:xfrm rot="5400000">
+            <a:off x="8610600" y="381000"/>
+            <a:ext cx="76200" cy="76200"/>
+          </a:xfrm>
+          <a:prstGeom prst="line">
+            <a:avLst/>
+          </a:prstGeom>
+          <a:ln w="19050">
+            <a:solidFill>
+              <a:schemeClr val="tx1"/>
+            </a:solidFill>
+          </a:ln>
+        </p:spPr>
+        <p:style>
+          <a:lnRef idx="1">
+            <a:schemeClr val="accent1"/>
+          </a:lnRef>
+          <a:fillRef idx="0">
+            <a:schemeClr val="accent1"/>
+          </a:fillRef>
+          <a:effectRef idx="0">
+            <a:schemeClr val="accent1"/>
+          </a:effectRef>
+          <a:fontRef idx="minor">
+            <a:schemeClr val="tx1"/>
+          </a:fontRef>
+        </p:style>
+      </p:cxnSp>
+      <p:sp>
+        <p:nvSpPr>
+          <p:cNvPr id="16" name="Rectangle 15"/>
+          <p:cNvSpPr/>
+          <p:nvPr/>
+        </p:nvSpPr>
+        <p:spPr>
+          <a:xfrm>
+            <a:off x="2743200" y="1295400"/>
+            <a:ext cx="5943600" cy="4953000"/>
+          </a:xfrm>
+          <a:prstGeom prst="rect">
+            <a:avLst/>
+          </a:prstGeom>
+          <a:solidFill>
+            <a:schemeClr val="tx1">
+              <a:lumMod val="50000"/>
+              <a:lumOff val="50000"/>
+            </a:schemeClr>
+          </a:solidFill>
+        </p:spPr>
+        <p:style>
+          <a:lnRef idx="2">
+            <a:schemeClr val="dk1"/>
+          </a:lnRef>
+          <a:fillRef idx="1">
+            <a:schemeClr val="lt1"/>
+          </a:fillRef>
+          <a:effectRef idx="0">
+            <a:schemeClr val="dk1"/>
+          </a:effectRef>
+          <a:fontRef idx="minor">
+            <a:schemeClr val="dk1"/>
+          </a:fontRef>
+        </p:style>
+        <p:txBody>
+          <a:bodyPr rtlCol="0" anchor="t"/>
+          <a:lstStyle/>
+          <a:p>
+            <a:pPr algn="ctr"/>
+            <a:r>
+              <a:rPr lang="en-US" sz="1400" dirty="0" smtClean="0"/>
+              <a:t>“Monitoring” </a:t>
+            </a:r>
+            <a:r>
+              <a:rPr lang="en-US" sz="1400" dirty="0" err="1" smtClean="0"/>
+              <a:t>QDockWidget</a:t>
+            </a:r>
+            <a:endParaRPr lang="en-US" sz="1400" dirty="0" smtClean="0"/>
+          </a:p>
+        </p:txBody>
+      </p:sp>
+      <p:sp>
+        <p:nvSpPr>
+          <p:cNvPr id="17" name="Rectangle 16"/>
+          <p:cNvSpPr/>
+          <p:nvPr/>
+        </p:nvSpPr>
+        <p:spPr>
+          <a:xfrm>
+            <a:off x="533400" y="1295400"/>
+            <a:ext cx="2133600" cy="4953000"/>
+          </a:xfrm>
+          <a:prstGeom prst="rect">
+            <a:avLst/>
+          </a:prstGeom>
+        </p:spPr>
+        <p:style>
+          <a:lnRef idx="2">
+            <a:schemeClr val="dk1"/>
+          </a:lnRef>
+          <a:fillRef idx="1">
+            <a:schemeClr val="lt1"/>
+          </a:fillRef>
+          <a:effectRef idx="0">
+            <a:schemeClr val="dk1"/>
+          </a:effectRef>
+          <a:fontRef idx="minor">
+            <a:schemeClr val="dk1"/>
+          </a:fontRef>
+        </p:style>
+        <p:txBody>
+          <a:bodyPr rtlCol="0" anchor="t"/>
+          <a:lstStyle/>
+          <a:p>
+            <a:r>
+              <a:rPr lang="en-US" sz="1100" dirty="0" smtClean="0"/>
+              <a:t>“Control” </a:t>
+            </a:r>
+            <a:r>
+              <a:rPr lang="en-US" sz="1100" dirty="0" err="1" smtClean="0"/>
+              <a:t>QDockWidget</a:t>
+            </a:r>
+            <a:endParaRPr lang="en-US" sz="1100" dirty="0" smtClean="0"/>
+          </a:p>
+        </p:txBody>
+      </p:sp>
+      <p:sp>
+        <p:nvSpPr>
+          <p:cNvPr id="18" name="Rectangle 17"/>
+          <p:cNvSpPr/>
+          <p:nvPr/>
+        </p:nvSpPr>
+        <p:spPr>
+          <a:xfrm>
+            <a:off x="609600" y="1676400"/>
+            <a:ext cx="1981200" cy="2667000"/>
+          </a:xfrm>
+          <a:prstGeom prst="rect">
+            <a:avLst/>
+          </a:prstGeom>
+          <a:ln>
+            <a:prstDash val="sysDot"/>
+          </a:ln>
+        </p:spPr>
+        <p:style>
+          <a:lnRef idx="2">
+            <a:schemeClr val="dk1"/>
+          </a:lnRef>
+          <a:fillRef idx="1">
+            <a:schemeClr val="lt1"/>
+          </a:fillRef>
+          <a:effectRef idx="0">
+            <a:schemeClr val="dk1"/>
+          </a:effectRef>
+          <a:fontRef idx="minor">
+            <a:schemeClr val="dk1"/>
+          </a:fontRef>
+        </p:style>
+        <p:txBody>
+          <a:bodyPr rtlCol="0" anchor="t"/>
+          <a:lstStyle/>
+          <a:p>
+            <a:pPr algn="ctr"/>
+            <a:r>
+              <a:rPr lang="en-US" sz="1400" dirty="0" smtClean="0"/>
+              <a:t>Control buttons</a:t>
+            </a:r>
+            <a:endParaRPr lang="en-US" sz="1400" dirty="0"/>
+          </a:p>
+        </p:txBody>
+      </p:sp>
+      <p:sp>
+        <p:nvSpPr>
+          <p:cNvPr id="19" name="Rectangle 18"/>
+          <p:cNvSpPr/>
+          <p:nvPr/>
+        </p:nvSpPr>
+        <p:spPr>
+          <a:xfrm>
+            <a:off x="609600" y="4419600"/>
+            <a:ext cx="1981200" cy="1752600"/>
+          </a:xfrm>
+          <a:prstGeom prst="rect">
+            <a:avLst/>
+          </a:prstGeom>
+          <a:ln>
+            <a:prstDash val="sysDot"/>
+          </a:ln>
+        </p:spPr>
+        <p:style>
+          <a:lnRef idx="2">
+            <a:schemeClr val="dk1"/>
+          </a:lnRef>
+          <a:fillRef idx="1">
+            <a:schemeClr val="lt1"/>
+          </a:fillRef>
+          <a:effectRef idx="0">
+            <a:schemeClr val="dk1"/>
+          </a:effectRef>
+          <a:fontRef idx="minor">
+            <a:schemeClr val="dk1"/>
+          </a:fontRef>
+        </p:style>
+        <p:txBody>
+          <a:bodyPr rtlCol="0" anchor="t"/>
+          <a:lstStyle/>
+          <a:p>
+            <a:pPr algn="ctr"/>
+            <a:r>
+              <a:rPr lang="en-US" sz="1400" dirty="0" smtClean="0"/>
+              <a:t>Trigger setup</a:t>
+            </a:r>
+            <a:endParaRPr lang="en-US" sz="1400" dirty="0"/>
+          </a:p>
+        </p:txBody>
+      </p:sp>
+      <p:sp>
+        <p:nvSpPr>
+          <p:cNvPr id="20" name="Rectangle 19"/>
+          <p:cNvSpPr/>
+          <p:nvPr/>
+        </p:nvSpPr>
+        <p:spPr>
+          <a:xfrm>
+            <a:off x="2057400" y="1371600"/>
+            <a:ext cx="228600" cy="228600"/>
+          </a:xfrm>
+          <a:prstGeom prst="rect">
+            <a:avLst/>
+          </a:prstGeom>
+          <a:ln w="19050"/>
+        </p:spPr>
+        <p:style>
+          <a:lnRef idx="2">
+            <a:schemeClr val="dk1"/>
+          </a:lnRef>
+          <a:fillRef idx="1">
+            <a:schemeClr val="lt1"/>
+          </a:fillRef>
+          <a:effectRef idx="0">
+            <a:schemeClr val="dk1"/>
+          </a:effectRef>
+          <a:fontRef idx="minor">
+            <a:schemeClr val="dk1"/>
+          </a:fontRef>
+        </p:style>
+        <p:txBody>
+          <a:bodyPr rtlCol="0" anchor="ctr"/>
+          <a:lstStyle/>
+          <a:p>
+            <a:pPr algn="ctr"/>
+            <a:endParaRPr lang="en-US"/>
+          </a:p>
+        </p:txBody>
+      </p:sp>
+      <p:sp>
+        <p:nvSpPr>
+          <p:cNvPr id="21" name="Rectangle 20"/>
+          <p:cNvSpPr/>
+          <p:nvPr/>
+        </p:nvSpPr>
+        <p:spPr>
+          <a:xfrm>
+            <a:off x="2133600" y="1447800"/>
+            <a:ext cx="76200" cy="76200"/>
+          </a:xfrm>
+          <a:prstGeom prst="rect">
+            <a:avLst/>
+          </a:prstGeom>
+          <a:ln w="12700">
+            <a:solidFill>
+              <a:schemeClr val="tx1"/>
+            </a:solidFill>
+          </a:ln>
+        </p:spPr>
+        <p:style>
+          <a:lnRef idx="2">
+            <a:schemeClr val="dk1"/>
+          </a:lnRef>
+          <a:fillRef idx="1">
+            <a:schemeClr val="lt1"/>
+          </a:fillRef>
+          <a:effectRef idx="0">
+            <a:schemeClr val="dk1"/>
+          </a:effectRef>
+          <a:fontRef idx="minor">
+            <a:schemeClr val="dk1"/>
+          </a:fontRef>
+        </p:style>
+        <p:txBody>
+          <a:bodyPr rtlCol="0" anchor="ctr"/>
+          <a:lstStyle/>
+          <a:p>
+            <a:pPr algn="ctr"/>
+            <a:endParaRPr lang="en-US"/>
+          </a:p>
+        </p:txBody>
+      </p:sp>
+      <p:sp>
+        <p:nvSpPr>
+          <p:cNvPr id="22" name="Rectangle 21"/>
+          <p:cNvSpPr/>
+          <p:nvPr/>
+        </p:nvSpPr>
+        <p:spPr>
+          <a:xfrm>
+            <a:off x="2362200" y="1371600"/>
+            <a:ext cx="228600" cy="228600"/>
+          </a:xfrm>
+          <a:prstGeom prst="rect">
+            <a:avLst/>
+          </a:prstGeom>
+          <a:ln w="19050"/>
+        </p:spPr>
+        <p:style>
+          <a:lnRef idx="2">
+            <a:schemeClr val="dk1"/>
+          </a:lnRef>
+          <a:fillRef idx="1">
+            <a:schemeClr val="lt1"/>
+          </a:fillRef>
+          <a:effectRef idx="0">
+            <a:schemeClr val="dk1"/>
+          </a:effectRef>
+          <a:fontRef idx="minor">
+            <a:schemeClr val="dk1"/>
+          </a:fontRef>
+        </p:style>
+        <p:txBody>
+          <a:bodyPr rtlCol="0" anchor="ctr"/>
+          <a:lstStyle/>
+          <a:p>
+            <a:pPr algn="ctr"/>
+            <a:endParaRPr lang="en-US"/>
+          </a:p>
+        </p:txBody>
+      </p:sp>
+      <p:cxnSp>
+        <p:nvCxnSpPr>
+          <p:cNvPr id="23" name="Straight Connector 22"/>
+          <p:cNvCxnSpPr/>
+          <p:nvPr/>
+        </p:nvCxnSpPr>
+        <p:spPr>
+          <a:xfrm rot="16200000" flipH="1">
+            <a:off x="2438400" y="1447800"/>
+            <a:ext cx="76200" cy="76200"/>
+          </a:xfrm>
+          <a:prstGeom prst="line">
+            <a:avLst/>
+          </a:prstGeom>
+          <a:ln w="19050">
+            <a:solidFill>
+              <a:schemeClr val="tx1"/>
+            </a:solidFill>
+          </a:ln>
+        </p:spPr>
+        <p:style>
+          <a:lnRef idx="1">
+            <a:schemeClr val="accent1"/>
+          </a:lnRef>
+          <a:fillRef idx="0">
+            <a:schemeClr val="accent1"/>
+          </a:fillRef>
+          <a:effectRef idx="0">
+            <a:schemeClr val="accent1"/>
+          </a:effectRef>
+          <a:fontRef idx="minor">
+            <a:schemeClr val="tx1"/>
+          </a:fontRef>
+        </p:style>
+      </p:cxnSp>
+      <p:cxnSp>
+        <p:nvCxnSpPr>
+          <p:cNvPr id="24" name="Straight Connector 23"/>
+          <p:cNvCxnSpPr/>
+          <p:nvPr/>
+        </p:nvCxnSpPr>
+        <p:spPr>
+          <a:xfrm rot="5400000">
+            <a:off x="2438400" y="1447800"/>
+            <a:ext cx="76200" cy="76200"/>
+          </a:xfrm>
+          <a:prstGeom prst="line">
+            <a:avLst/>
+          </a:prstGeom>
+          <a:ln w="19050">
+            <a:solidFill>
+              <a:schemeClr val="tx1"/>
+            </a:solidFill>
+          </a:ln>
+        </p:spPr>
+        <p:style>
+          <a:lnRef idx="1">
+            <a:schemeClr val="accent1"/>
+          </a:lnRef>
+          <a:fillRef idx="0">
+            <a:schemeClr val="accent1"/>
+          </a:fillRef>
+          <a:effectRef idx="0">
+            <a:schemeClr val="accent1"/>
+          </a:effectRef>
+          <a:fontRef idx="minor">
+            <a:schemeClr val="tx1"/>
+          </a:fontRef>
+        </p:style>
+      </p:cxnSp>
+      <p:sp>
+        <p:nvSpPr>
+          <p:cNvPr id="25" name="Rectangle 24"/>
+          <p:cNvSpPr/>
+          <p:nvPr/>
+        </p:nvSpPr>
+        <p:spPr>
+          <a:xfrm>
+            <a:off x="8077200" y="1371600"/>
+            <a:ext cx="228600" cy="228600"/>
+          </a:xfrm>
+          <a:prstGeom prst="rect">
+            <a:avLst/>
+          </a:prstGeom>
+          <a:ln w="19050"/>
+        </p:spPr>
+        <p:style>
+          <a:lnRef idx="2">
+            <a:schemeClr val="dk1"/>
+          </a:lnRef>
+          <a:fillRef idx="1">
+            <a:schemeClr val="lt1"/>
+          </a:fillRef>
+          <a:effectRef idx="0">
+            <a:schemeClr val="dk1"/>
+          </a:effectRef>
+          <a:fontRef idx="minor">
+            <a:schemeClr val="dk1"/>
+          </a:fontRef>
+        </p:style>
+        <p:txBody>
+          <a:bodyPr rtlCol="0" anchor="ctr"/>
+          <a:lstStyle/>
+          <a:p>
+            <a:pPr algn="ctr"/>
+            <a:endParaRPr lang="en-US"/>
+          </a:p>
+        </p:txBody>
+      </p:sp>
+      <p:sp>
+        <p:nvSpPr>
+          <p:cNvPr id="26" name="Rectangle 25"/>
+          <p:cNvSpPr/>
+          <p:nvPr/>
+        </p:nvSpPr>
+        <p:spPr>
+          <a:xfrm>
+            <a:off x="8382000" y="1371600"/>
+            <a:ext cx="228600" cy="228600"/>
+          </a:xfrm>
+          <a:prstGeom prst="rect">
+            <a:avLst/>
+          </a:prstGeom>
+          <a:ln w="19050"/>
+        </p:spPr>
+        <p:style>
+          <a:lnRef idx="2">
+            <a:schemeClr val="dk1"/>
+          </a:lnRef>
+          <a:fillRef idx="1">
+            <a:schemeClr val="lt1"/>
+          </a:fillRef>
+          <a:effectRef idx="0">
+            <a:schemeClr val="dk1"/>
+          </a:effectRef>
+          <a:fontRef idx="minor">
+            <a:schemeClr val="dk1"/>
+          </a:fontRef>
+        </p:style>
+        <p:txBody>
+          <a:bodyPr rtlCol="0" anchor="ctr"/>
+          <a:lstStyle/>
+          <a:p>
+            <a:pPr algn="ctr"/>
+            <a:endParaRPr lang="en-US"/>
+          </a:p>
+        </p:txBody>
+      </p:sp>
+      <p:sp>
+        <p:nvSpPr>
+          <p:cNvPr id="27" name="Rectangle 26"/>
+          <p:cNvSpPr/>
+          <p:nvPr/>
+        </p:nvSpPr>
+        <p:spPr>
+          <a:xfrm>
+            <a:off x="8153400" y="1447800"/>
+            <a:ext cx="76200" cy="76200"/>
+          </a:xfrm>
+          <a:prstGeom prst="rect">
+            <a:avLst/>
+          </a:prstGeom>
+          <a:ln w="12700">
+            <a:solidFill>
+              <a:schemeClr val="tx1"/>
+            </a:solidFill>
+          </a:ln>
+        </p:spPr>
+        <p:style>
+          <a:lnRef idx="2">
+            <a:schemeClr val="dk1"/>
+          </a:lnRef>
+          <a:fillRef idx="1">
+            <a:schemeClr val="lt1"/>
+          </a:fillRef>
+          <a:effectRef idx="0">
+            <a:schemeClr val="dk1"/>
+          </a:effectRef>
+          <a:fontRef idx="minor">
+            <a:schemeClr val="dk1"/>
+          </a:fontRef>
+        </p:style>
+        <p:txBody>
+          <a:bodyPr rtlCol="0" anchor="ctr"/>
+          <a:lstStyle/>
+          <a:p>
+            <a:pPr algn="ctr"/>
+            <a:endParaRPr lang="en-US"/>
+          </a:p>
+        </p:txBody>
+      </p:sp>
+      <p:cxnSp>
+        <p:nvCxnSpPr>
+          <p:cNvPr id="28" name="Straight Connector 27"/>
+          <p:cNvCxnSpPr/>
+          <p:nvPr/>
+        </p:nvCxnSpPr>
+        <p:spPr>
+          <a:xfrm rot="5400000">
+            <a:off x="8458200" y="1447800"/>
+            <a:ext cx="76200" cy="76200"/>
+          </a:xfrm>
+          <a:prstGeom prst="line">
+            <a:avLst/>
+          </a:prstGeom>
+          <a:ln w="19050">
+            <a:solidFill>
+              <a:schemeClr val="tx1"/>
+            </a:solidFill>
+          </a:ln>
+        </p:spPr>
+        <p:style>
+          <a:lnRef idx="1">
+            <a:schemeClr val="accent1"/>
+          </a:lnRef>
+          <a:fillRef idx="0">
+            <a:schemeClr val="accent1"/>
+          </a:fillRef>
+          <a:effectRef idx="0">
+            <a:schemeClr val="accent1"/>
+          </a:effectRef>
+          <a:fontRef idx="minor">
+            <a:schemeClr val="tx1"/>
+          </a:fontRef>
+        </p:style>
+      </p:cxnSp>
+      <p:cxnSp>
+        <p:nvCxnSpPr>
+          <p:cNvPr id="29" name="Straight Connector 28"/>
+          <p:cNvCxnSpPr/>
+          <p:nvPr/>
+        </p:nvCxnSpPr>
+        <p:spPr>
+          <a:xfrm rot="16200000" flipH="1">
+            <a:off x="8458200" y="1447800"/>
+            <a:ext cx="76200" cy="76200"/>
+          </a:xfrm>
+          <a:prstGeom prst="line">
+            <a:avLst/>
+          </a:prstGeom>
+          <a:ln w="19050">
+            <a:solidFill>
+              <a:schemeClr val="tx1"/>
+            </a:solidFill>
+          </a:ln>
+        </p:spPr>
+        <p:style>
+          <a:lnRef idx="1">
+            <a:schemeClr val="accent1"/>
+          </a:lnRef>
+          <a:fillRef idx="0">
+            <a:schemeClr val="accent1"/>
+          </a:fillRef>
+          <a:effectRef idx="0">
+            <a:schemeClr val="accent1"/>
+          </a:effectRef>
+          <a:fontRef idx="minor">
+            <a:schemeClr val="tx1"/>
+          </a:fontRef>
+        </p:style>
+      </p:cxnSp>
+      <p:sp>
+        <p:nvSpPr>
+          <p:cNvPr id="30" name="Rectangle 29"/>
+          <p:cNvSpPr/>
+          <p:nvPr/>
+        </p:nvSpPr>
+        <p:spPr>
+          <a:xfrm>
+            <a:off x="457200" y="6324600"/>
+            <a:ext cx="8305800" cy="304800"/>
+          </a:xfrm>
+          <a:prstGeom prst="rect">
+            <a:avLst/>
+          </a:prstGeom>
+        </p:spPr>
+        <p:style>
+          <a:lnRef idx="2">
+            <a:schemeClr val="dk1"/>
+          </a:lnRef>
+          <a:fillRef idx="1">
+            <a:schemeClr val="lt1"/>
+          </a:fillRef>
+          <a:effectRef idx="0">
+            <a:schemeClr val="dk1"/>
+          </a:effectRef>
+          <a:fontRef idx="minor">
+            <a:schemeClr val="dk1"/>
+          </a:fontRef>
+        </p:style>
+        <p:txBody>
+          <a:bodyPr rtlCol="0" anchor="ctr"/>
+          <a:lstStyle/>
+          <a:p>
+            <a:pPr algn="r"/>
+            <a:r>
+              <a:rPr lang="en-US" sz="1000" dirty="0" err="1" smtClean="0"/>
+              <a:t>StatusBar</a:t>
+            </a:r>
+            <a:endParaRPr lang="en-US" sz="1000" dirty="0"/>
+          </a:p>
+        </p:txBody>
+      </p:sp>
+      <p:sp>
+        <p:nvSpPr>
+          <p:cNvPr id="31" name="Rectangle 30"/>
+          <p:cNvSpPr/>
+          <p:nvPr/>
+        </p:nvSpPr>
+        <p:spPr>
+          <a:xfrm>
+            <a:off x="533400" y="6400800"/>
+            <a:ext cx="3657600" cy="152400"/>
+          </a:xfrm>
+          <a:prstGeom prst="rect">
+            <a:avLst/>
+          </a:prstGeom>
+        </p:spPr>
+        <p:style>
+          <a:lnRef idx="2">
+            <a:schemeClr val="dk1"/>
+          </a:lnRef>
+          <a:fillRef idx="1">
+            <a:schemeClr val="lt1"/>
+          </a:fillRef>
+          <a:effectRef idx="0">
+            <a:schemeClr val="dk1"/>
+          </a:effectRef>
+          <a:fontRef idx="minor">
+            <a:schemeClr val="dk1"/>
+          </a:fontRef>
+        </p:style>
+        <p:txBody>
+          <a:bodyPr rtlCol="0" anchor="ctr"/>
+          <a:lstStyle/>
+          <a:p>
+            <a:pPr algn="ctr"/>
+            <a:r>
+              <a:rPr lang="en-US" sz="1200" dirty="0" err="1" smtClean="0"/>
+              <a:t>Statuse</a:t>
+            </a:r>
+            <a:r>
+              <a:rPr lang="en-US" sz="1200" dirty="0" smtClean="0"/>
+              <a:t> Messages</a:t>
+            </a:r>
+            <a:endParaRPr lang="en-US" sz="1200" dirty="0"/>
+          </a:p>
+        </p:txBody>
+      </p:sp>
+      <p:sp>
+        <p:nvSpPr>
+          <p:cNvPr id="32" name="Rectangle 31"/>
+          <p:cNvSpPr/>
+          <p:nvPr/>
+        </p:nvSpPr>
+        <p:spPr>
+          <a:xfrm>
+            <a:off x="533400" y="838200"/>
+            <a:ext cx="533400" cy="304800"/>
+          </a:xfrm>
+          <a:prstGeom prst="rect">
+            <a:avLst/>
+          </a:prstGeom>
+        </p:spPr>
+        <p:style>
+          <a:lnRef idx="2">
+            <a:schemeClr val="dk1"/>
+          </a:lnRef>
+          <a:fillRef idx="1">
+            <a:schemeClr val="lt1"/>
+          </a:fillRef>
+          <a:effectRef idx="0">
+            <a:schemeClr val="dk1"/>
+          </a:effectRef>
+          <a:fontRef idx="minor">
+            <a:schemeClr val="dk1"/>
+          </a:fontRef>
+        </p:style>
+        <p:txBody>
+          <a:bodyPr rtlCol="0" anchor="ctr"/>
+          <a:lstStyle/>
+          <a:p>
+            <a:pPr algn="ctr"/>
+            <a:r>
+              <a:rPr lang="en-US" sz="1000" dirty="0" smtClean="0"/>
+              <a:t>Exit</a:t>
+            </a:r>
+            <a:endParaRPr lang="en-US" sz="1000" dirty="0"/>
+          </a:p>
+        </p:txBody>
+      </p:sp>
+      <p:sp>
+        <p:nvSpPr>
+          <p:cNvPr id="33" name="Rectangle 32"/>
+          <p:cNvSpPr/>
+          <p:nvPr/>
+        </p:nvSpPr>
+        <p:spPr>
+          <a:xfrm>
+            <a:off x="3200400" y="838200"/>
+            <a:ext cx="533400" cy="304800"/>
+          </a:xfrm>
+          <a:prstGeom prst="rect">
+            <a:avLst/>
+          </a:prstGeom>
+        </p:spPr>
+        <p:style>
+          <a:lnRef idx="2">
+            <a:schemeClr val="dk1"/>
+          </a:lnRef>
+          <a:fillRef idx="1">
+            <a:schemeClr val="lt1"/>
+          </a:fillRef>
+          <a:effectRef idx="0">
+            <a:schemeClr val="dk1"/>
+          </a:effectRef>
+          <a:fontRef idx="minor">
+            <a:schemeClr val="dk1"/>
+          </a:fontRef>
+        </p:style>
+        <p:txBody>
+          <a:bodyPr rtlCol="0" anchor="ctr"/>
+          <a:lstStyle/>
+          <a:p>
+            <a:pPr algn="ctr"/>
+            <a:r>
+              <a:rPr lang="en-US" sz="1000" dirty="0" smtClean="0"/>
+              <a:t>About</a:t>
+            </a:r>
+            <a:endParaRPr lang="en-US" sz="1000" dirty="0"/>
+          </a:p>
+        </p:txBody>
+      </p:sp>
+      <p:cxnSp>
+        <p:nvCxnSpPr>
+          <p:cNvPr id="34" name="Straight Connector 33"/>
+          <p:cNvCxnSpPr/>
+          <p:nvPr/>
+        </p:nvCxnSpPr>
+        <p:spPr>
+          <a:xfrm rot="5400000">
+            <a:off x="915194" y="989806"/>
+            <a:ext cx="457200" cy="1588"/>
+          </a:xfrm>
+          <a:prstGeom prst="line">
+            <a:avLst/>
+          </a:prstGeom>
+          <a:ln w="19050">
+            <a:solidFill>
+              <a:schemeClr val="tx1"/>
+            </a:solidFill>
+          </a:ln>
+        </p:spPr>
+        <p:style>
+          <a:lnRef idx="1">
+            <a:schemeClr val="accent1"/>
+          </a:lnRef>
+          <a:fillRef idx="0">
+            <a:schemeClr val="accent1"/>
+          </a:fillRef>
+          <a:effectRef idx="0">
+            <a:schemeClr val="accent1"/>
+          </a:effectRef>
+          <a:fontRef idx="minor">
+            <a:schemeClr val="tx1"/>
+          </a:fontRef>
+        </p:style>
+      </p:cxnSp>
+      <p:cxnSp>
+        <p:nvCxnSpPr>
+          <p:cNvPr id="35" name="Straight Connector 34"/>
+          <p:cNvCxnSpPr/>
+          <p:nvPr/>
+        </p:nvCxnSpPr>
+        <p:spPr>
+          <a:xfrm rot="5400000">
+            <a:off x="2895600" y="990600"/>
+            <a:ext cx="457994" cy="794"/>
+          </a:xfrm>
+          <a:prstGeom prst="line">
+            <a:avLst/>
+          </a:prstGeom>
+          <a:ln w="19050">
+            <a:solidFill>
+              <a:schemeClr val="tx1"/>
+            </a:solidFill>
+          </a:ln>
+        </p:spPr>
+        <p:style>
+          <a:lnRef idx="1">
+            <a:schemeClr val="accent1"/>
+          </a:lnRef>
+          <a:fillRef idx="0">
+            <a:schemeClr val="accent1"/>
+          </a:fillRef>
+          <a:effectRef idx="0">
+            <a:schemeClr val="accent1"/>
+          </a:effectRef>
+          <a:fontRef idx="minor">
+            <a:schemeClr val="tx1"/>
+          </a:fontRef>
+        </p:style>
+      </p:cxnSp>
+      <p:sp>
+        <p:nvSpPr>
+          <p:cNvPr id="36" name="Rectangle 35"/>
+          <p:cNvSpPr/>
+          <p:nvPr/>
+        </p:nvSpPr>
+        <p:spPr>
+          <a:xfrm>
+            <a:off x="2819400" y="1676400"/>
+            <a:ext cx="5791200" cy="4495800"/>
+          </a:xfrm>
+          <a:prstGeom prst="rect">
+            <a:avLst/>
+          </a:prstGeom>
+          <a:ln>
+            <a:solidFill>
+              <a:srgbClr val="92D050"/>
+            </a:solidFill>
+            <a:prstDash val="sysDot"/>
+          </a:ln>
+        </p:spPr>
+        <p:style>
+          <a:lnRef idx="2">
+            <a:schemeClr val="dk1"/>
+          </a:lnRef>
+          <a:fillRef idx="1">
+            <a:schemeClr val="lt1"/>
+          </a:fillRef>
+          <a:effectRef idx="0">
+            <a:schemeClr val="dk1"/>
+          </a:effectRef>
+          <a:fontRef idx="minor">
+            <a:schemeClr val="dk1"/>
+          </a:fontRef>
+        </p:style>
+        <p:txBody>
+          <a:bodyPr rtlCol="0" anchor="t"/>
+          <a:lstStyle/>
+          <a:p>
+            <a:pPr algn="ctr"/>
+            <a:r>
+              <a:rPr lang="en-US" sz="1400" dirty="0" smtClean="0"/>
+              <a:t>               tabs</a:t>
+            </a:r>
+            <a:endParaRPr lang="en-US" sz="1400" dirty="0"/>
+          </a:p>
+        </p:txBody>
+      </p:sp>
+      <p:sp>
+        <p:nvSpPr>
+          <p:cNvPr id="37" name="Rectangle 36"/>
+          <p:cNvSpPr/>
+          <p:nvPr/>
+        </p:nvSpPr>
+        <p:spPr>
+          <a:xfrm>
+            <a:off x="5791200" y="1981200"/>
+            <a:ext cx="2590800" cy="1905000"/>
+          </a:xfrm>
+          <a:prstGeom prst="rect">
+            <a:avLst/>
+          </a:prstGeom>
+          <a:ln>
+            <a:prstDash val="dash"/>
+          </a:ln>
+        </p:spPr>
+        <p:style>
+          <a:lnRef idx="2">
+            <a:schemeClr val="dk1"/>
+          </a:lnRef>
+          <a:fillRef idx="1">
+            <a:schemeClr val="lt1"/>
+          </a:fillRef>
+          <a:effectRef idx="0">
+            <a:schemeClr val="dk1"/>
+          </a:effectRef>
+          <a:fontRef idx="minor">
+            <a:schemeClr val="dk1"/>
+          </a:fontRef>
+        </p:style>
+        <p:txBody>
+          <a:bodyPr rtlCol="0" anchor="ctr"/>
+          <a:lstStyle/>
+          <a:p>
+            <a:pPr algn="ctr"/>
+            <a:endParaRPr lang="en-US" sz="1400" dirty="0"/>
+          </a:p>
+        </p:txBody>
+      </p:sp>
+      <p:sp>
+        <p:nvSpPr>
+          <p:cNvPr id="38" name="Rectangle 37"/>
+          <p:cNvSpPr/>
+          <p:nvPr/>
+        </p:nvSpPr>
+        <p:spPr>
+          <a:xfrm rot="10800000" flipV="1">
+            <a:off x="2819400" y="1676400"/>
+            <a:ext cx="914400" cy="228600"/>
+          </a:xfrm>
+          <a:prstGeom prst="rect">
+            <a:avLst/>
+          </a:prstGeom>
+          <a:ln>
+            <a:solidFill>
+              <a:schemeClr val="tx1"/>
+            </a:solidFill>
+            <a:prstDash val="sysDot"/>
+          </a:ln>
+        </p:spPr>
+        <p:style>
+          <a:lnRef idx="2">
+            <a:schemeClr val="dk1"/>
+          </a:lnRef>
+          <a:fillRef idx="1">
+            <a:schemeClr val="lt1"/>
+          </a:fillRef>
+          <a:effectRef idx="0">
+            <a:schemeClr val="dk1"/>
+          </a:effectRef>
+          <a:fontRef idx="minor">
+            <a:schemeClr val="dk1"/>
+          </a:fontRef>
+        </p:style>
+        <p:txBody>
+          <a:bodyPr rtlCol="0" anchor="t"/>
+          <a:lstStyle/>
+          <a:p>
+            <a:r>
+              <a:rPr lang="en-US" sz="1400" dirty="0" smtClean="0"/>
+              <a:t>All in one</a:t>
+            </a:r>
+            <a:endParaRPr lang="en-US" sz="1400" dirty="0"/>
+          </a:p>
+        </p:txBody>
+      </p:sp>
+      <p:sp>
+        <p:nvSpPr>
+          <p:cNvPr id="39" name="Rectangle 38"/>
+          <p:cNvSpPr/>
+          <p:nvPr/>
+        </p:nvSpPr>
+        <p:spPr>
+          <a:xfrm rot="10800000" flipV="1">
+            <a:off x="3733800" y="1676400"/>
+            <a:ext cx="990600" cy="228600"/>
+          </a:xfrm>
+          <a:prstGeom prst="rect">
+            <a:avLst/>
+          </a:prstGeom>
+          <a:ln>
+            <a:solidFill>
+              <a:srgbClr val="92D050"/>
+            </a:solidFill>
+            <a:prstDash val="sysDot"/>
+          </a:ln>
+        </p:spPr>
+        <p:style>
+          <a:lnRef idx="2">
+            <a:schemeClr val="dk1"/>
+          </a:lnRef>
+          <a:fillRef idx="1">
+            <a:schemeClr val="lt1"/>
+          </a:fillRef>
+          <a:effectRef idx="0">
+            <a:schemeClr val="dk1"/>
+          </a:effectRef>
+          <a:fontRef idx="minor">
+            <a:schemeClr val="dk1"/>
+          </a:fontRef>
+        </p:style>
+        <p:txBody>
+          <a:bodyPr rtlCol="0" anchor="t"/>
+          <a:lstStyle/>
+          <a:p>
+            <a:pPr algn="ctr"/>
+            <a:r>
+              <a:rPr lang="en-US" sz="1400" dirty="0" smtClean="0"/>
+              <a:t>Additional</a:t>
+            </a:r>
+            <a:endParaRPr lang="en-US" sz="1400" dirty="0"/>
+          </a:p>
+        </p:txBody>
+      </p:sp>
+      <p:cxnSp>
+        <p:nvCxnSpPr>
+          <p:cNvPr id="40" name="Straight Connector 39"/>
+          <p:cNvCxnSpPr/>
+          <p:nvPr/>
+        </p:nvCxnSpPr>
+        <p:spPr>
+          <a:xfrm rot="10800000">
+            <a:off x="6096000" y="3656012"/>
+            <a:ext cx="2057400" cy="1588"/>
+          </a:xfrm>
+          <a:prstGeom prst="line">
+            <a:avLst/>
+          </a:prstGeom>
+          <a:ln w="12700">
+            <a:solidFill>
+              <a:schemeClr val="tx1"/>
+            </a:solidFill>
+          </a:ln>
+        </p:spPr>
+        <p:style>
+          <a:lnRef idx="1">
+            <a:schemeClr val="accent1"/>
+          </a:lnRef>
+          <a:fillRef idx="0">
+            <a:schemeClr val="accent1"/>
+          </a:fillRef>
+          <a:effectRef idx="0">
+            <a:schemeClr val="accent1"/>
+          </a:effectRef>
+          <a:fontRef idx="minor">
+            <a:schemeClr val="tx1"/>
+          </a:fontRef>
+        </p:style>
+      </p:cxnSp>
+      <p:cxnSp>
+        <p:nvCxnSpPr>
+          <p:cNvPr id="41" name="Straight Connector 40"/>
+          <p:cNvCxnSpPr/>
+          <p:nvPr/>
+        </p:nvCxnSpPr>
+        <p:spPr>
+          <a:xfrm rot="5400000">
+            <a:off x="5295900" y="2857500"/>
+            <a:ext cx="1600200" cy="1588"/>
+          </a:xfrm>
+          <a:prstGeom prst="line">
+            <a:avLst/>
+          </a:prstGeom>
+          <a:ln w="12700">
+            <a:solidFill>
+              <a:schemeClr val="tx1"/>
+            </a:solidFill>
+          </a:ln>
+        </p:spPr>
+        <p:style>
+          <a:lnRef idx="1">
+            <a:schemeClr val="accent1"/>
+          </a:lnRef>
+          <a:fillRef idx="0">
+            <a:schemeClr val="accent1"/>
+          </a:fillRef>
+          <a:effectRef idx="0">
+            <a:schemeClr val="accent1"/>
+          </a:effectRef>
+          <a:fontRef idx="minor">
+            <a:schemeClr val="tx1"/>
+          </a:fontRef>
+        </p:style>
+      </p:cxnSp>
+      <p:sp>
+        <p:nvSpPr>
+          <p:cNvPr id="42" name="TextBox 41"/>
+          <p:cNvSpPr txBox="1"/>
+          <p:nvPr/>
+        </p:nvSpPr>
+        <p:spPr>
+          <a:xfrm rot="16200000">
+            <a:off x="5579106" y="2802895"/>
+            <a:ext cx="685799" cy="261610"/>
+          </a:xfrm>
+          <a:prstGeom prst="rect">
+            <a:avLst/>
+          </a:prstGeom>
+          <a:noFill/>
+        </p:spPr>
+        <p:txBody>
+          <a:bodyPr vert="horz" wrap="square" rtlCol="0">
+            <a:spAutoFit/>
+          </a:bodyPr>
+          <a:lstStyle/>
+          <a:p>
+            <a:pPr algn="r"/>
+            <a:r>
+              <a:rPr lang="en-US" sz="1100" b="1" dirty="0" err="1" smtClean="0"/>
+              <a:t>Ecoarse</a:t>
+            </a:r>
+            <a:endParaRPr lang="en-US" sz="1100" b="1" dirty="0"/>
+          </a:p>
+        </p:txBody>
+      </p:sp>
+      <p:sp>
+        <p:nvSpPr>
+          <p:cNvPr id="43" name="TextBox 42"/>
+          <p:cNvSpPr txBox="1"/>
+          <p:nvPr/>
+        </p:nvSpPr>
+        <p:spPr>
+          <a:xfrm>
+            <a:off x="6781800" y="3657600"/>
+            <a:ext cx="762000" cy="261610"/>
+          </a:xfrm>
+          <a:prstGeom prst="rect">
+            <a:avLst/>
+          </a:prstGeom>
+          <a:noFill/>
+        </p:spPr>
+        <p:txBody>
+          <a:bodyPr vert="horz" wrap="square" rtlCol="0">
+            <a:spAutoFit/>
+          </a:bodyPr>
+          <a:lstStyle/>
+          <a:p>
+            <a:r>
+              <a:rPr lang="en-US" sz="1100" b="1" dirty="0" smtClean="0"/>
+              <a:t>Channels</a:t>
+            </a:r>
+            <a:endParaRPr lang="en-US" sz="1100" b="1" dirty="0"/>
+          </a:p>
+        </p:txBody>
+      </p:sp>
+      <p:cxnSp>
+        <p:nvCxnSpPr>
+          <p:cNvPr id="47" name="Straight Connector 46"/>
+          <p:cNvCxnSpPr/>
+          <p:nvPr/>
+        </p:nvCxnSpPr>
+        <p:spPr>
+          <a:xfrm rot="5400000">
+            <a:off x="4991100" y="2857500"/>
+            <a:ext cx="1600994" cy="794"/>
+          </a:xfrm>
+          <a:prstGeom prst="line">
+            <a:avLst/>
+          </a:prstGeom>
+          <a:ln>
+            <a:prstDash val="dash"/>
+          </a:ln>
+        </p:spPr>
+        <p:style>
+          <a:lnRef idx="1">
+            <a:schemeClr val="accent1"/>
+          </a:lnRef>
+          <a:fillRef idx="0">
+            <a:schemeClr val="accent1"/>
+          </a:fillRef>
+          <a:effectRef idx="0">
+            <a:schemeClr val="accent1"/>
+          </a:effectRef>
+          <a:fontRef idx="minor">
+            <a:schemeClr val="tx1"/>
+          </a:fontRef>
+        </p:style>
+      </p:cxnSp>
+      <p:cxnSp>
+        <p:nvCxnSpPr>
+          <p:cNvPr id="49" name="Straight Connector 48"/>
+          <p:cNvCxnSpPr/>
+          <p:nvPr/>
+        </p:nvCxnSpPr>
+        <p:spPr>
+          <a:xfrm rot="5400000">
+            <a:off x="5600700" y="2857500"/>
+            <a:ext cx="1600994" cy="794"/>
+          </a:xfrm>
+          <a:prstGeom prst="line">
+            <a:avLst/>
+          </a:prstGeom>
+          <a:ln>
+            <a:prstDash val="dash"/>
+          </a:ln>
+        </p:spPr>
+        <p:style>
+          <a:lnRef idx="1">
+            <a:schemeClr val="accent1"/>
+          </a:lnRef>
+          <a:fillRef idx="0">
+            <a:schemeClr val="accent1"/>
+          </a:fillRef>
+          <a:effectRef idx="0">
+            <a:schemeClr val="accent1"/>
+          </a:effectRef>
+          <a:fontRef idx="minor">
+            <a:schemeClr val="tx1"/>
+          </a:fontRef>
+        </p:style>
+      </p:cxnSp>
+      <p:cxnSp>
+        <p:nvCxnSpPr>
+          <p:cNvPr id="50" name="Straight Connector 49"/>
+          <p:cNvCxnSpPr/>
+          <p:nvPr/>
+        </p:nvCxnSpPr>
+        <p:spPr>
+          <a:xfrm rot="5400000">
+            <a:off x="5905500" y="2857500"/>
+            <a:ext cx="1600994" cy="794"/>
+          </a:xfrm>
+          <a:prstGeom prst="line">
+            <a:avLst/>
+          </a:prstGeom>
+          <a:ln>
+            <a:prstDash val="dash"/>
+          </a:ln>
+        </p:spPr>
+        <p:style>
+          <a:lnRef idx="1">
+            <a:schemeClr val="accent1"/>
+          </a:lnRef>
+          <a:fillRef idx="0">
+            <a:schemeClr val="accent1"/>
+          </a:fillRef>
+          <a:effectRef idx="0">
+            <a:schemeClr val="accent1"/>
+          </a:effectRef>
+          <a:fontRef idx="minor">
+            <a:schemeClr val="tx1"/>
+          </a:fontRef>
+        </p:style>
+      </p:cxnSp>
+      <p:cxnSp>
+        <p:nvCxnSpPr>
+          <p:cNvPr id="51" name="Straight Connector 50"/>
+          <p:cNvCxnSpPr/>
+          <p:nvPr/>
+        </p:nvCxnSpPr>
+        <p:spPr>
+          <a:xfrm rot="5400000">
+            <a:off x="6210300" y="2857500"/>
+            <a:ext cx="1600994" cy="794"/>
+          </a:xfrm>
+          <a:prstGeom prst="line">
+            <a:avLst/>
+          </a:prstGeom>
+          <a:ln>
+            <a:prstDash val="dash"/>
+          </a:ln>
+        </p:spPr>
+        <p:style>
+          <a:lnRef idx="1">
+            <a:schemeClr val="accent1"/>
+          </a:lnRef>
+          <a:fillRef idx="0">
+            <a:schemeClr val="accent1"/>
+          </a:fillRef>
+          <a:effectRef idx="0">
+            <a:schemeClr val="accent1"/>
+          </a:effectRef>
+          <a:fontRef idx="minor">
+            <a:schemeClr val="tx1"/>
+          </a:fontRef>
+        </p:style>
+      </p:cxnSp>
+      <p:cxnSp>
+        <p:nvCxnSpPr>
+          <p:cNvPr id="52" name="Straight Connector 51"/>
+          <p:cNvCxnSpPr/>
+          <p:nvPr/>
+        </p:nvCxnSpPr>
+        <p:spPr>
+          <a:xfrm rot="5400000">
+            <a:off x="6515100" y="2857500"/>
+            <a:ext cx="1600994" cy="794"/>
+          </a:xfrm>
+          <a:prstGeom prst="line">
+            <a:avLst/>
+          </a:prstGeom>
+          <a:ln>
+            <a:prstDash val="dash"/>
+          </a:ln>
+        </p:spPr>
+        <p:style>
+          <a:lnRef idx="1">
+            <a:schemeClr val="accent1"/>
+          </a:lnRef>
+          <a:fillRef idx="0">
+            <a:schemeClr val="accent1"/>
+          </a:fillRef>
+          <a:effectRef idx="0">
+            <a:schemeClr val="accent1"/>
+          </a:effectRef>
+          <a:fontRef idx="minor">
+            <a:schemeClr val="tx1"/>
+          </a:fontRef>
+        </p:style>
+      </p:cxnSp>
+      <p:cxnSp>
+        <p:nvCxnSpPr>
+          <p:cNvPr id="53" name="Straight Connector 52"/>
+          <p:cNvCxnSpPr/>
+          <p:nvPr/>
+        </p:nvCxnSpPr>
+        <p:spPr>
+          <a:xfrm rot="5400000">
+            <a:off x="6819900" y="2857500"/>
+            <a:ext cx="1600994" cy="794"/>
+          </a:xfrm>
+          <a:prstGeom prst="line">
+            <a:avLst/>
+          </a:prstGeom>
+          <a:ln>
+            <a:prstDash val="dash"/>
+          </a:ln>
+        </p:spPr>
+        <p:style>
+          <a:lnRef idx="1">
+            <a:schemeClr val="accent1"/>
+          </a:lnRef>
+          <a:fillRef idx="0">
+            <a:schemeClr val="accent1"/>
+          </a:fillRef>
+          <a:effectRef idx="0">
+            <a:schemeClr val="accent1"/>
+          </a:effectRef>
+          <a:fontRef idx="minor">
+            <a:schemeClr val="tx1"/>
+          </a:fontRef>
+        </p:style>
+      </p:cxnSp>
+      <p:cxnSp>
+        <p:nvCxnSpPr>
+          <p:cNvPr id="54" name="Straight Connector 53"/>
+          <p:cNvCxnSpPr/>
+          <p:nvPr/>
+        </p:nvCxnSpPr>
+        <p:spPr>
+          <a:xfrm rot="5400000">
+            <a:off x="7124700" y="2857500"/>
+            <a:ext cx="1600994" cy="794"/>
+          </a:xfrm>
+          <a:prstGeom prst="line">
+            <a:avLst/>
+          </a:prstGeom>
+          <a:ln>
+            <a:prstDash val="dash"/>
+          </a:ln>
+        </p:spPr>
+        <p:style>
+          <a:lnRef idx="1">
+            <a:schemeClr val="accent1"/>
+          </a:lnRef>
+          <a:fillRef idx="0">
+            <a:schemeClr val="accent1"/>
+          </a:fillRef>
+          <a:effectRef idx="0">
+            <a:schemeClr val="accent1"/>
+          </a:effectRef>
+          <a:fontRef idx="minor">
+            <a:schemeClr val="tx1"/>
+          </a:fontRef>
+        </p:style>
+      </p:cxnSp>
+      <p:cxnSp>
+        <p:nvCxnSpPr>
+          <p:cNvPr id="55" name="Straight Connector 54"/>
+          <p:cNvCxnSpPr/>
+          <p:nvPr/>
+        </p:nvCxnSpPr>
+        <p:spPr>
+          <a:xfrm rot="10800000">
+            <a:off x="6096000" y="3352800"/>
+            <a:ext cx="1905000" cy="1588"/>
+          </a:xfrm>
+          <a:prstGeom prst="line">
+            <a:avLst/>
+          </a:prstGeom>
+          <a:ln>
+            <a:prstDash val="dash"/>
+          </a:ln>
+        </p:spPr>
+        <p:style>
+          <a:lnRef idx="1">
+            <a:schemeClr val="accent1"/>
+          </a:lnRef>
+          <a:fillRef idx="0">
+            <a:schemeClr val="accent1"/>
+          </a:fillRef>
+          <a:effectRef idx="0">
+            <a:schemeClr val="accent1"/>
+          </a:effectRef>
+          <a:fontRef idx="minor">
+            <a:schemeClr val="tx1"/>
+          </a:fontRef>
+        </p:style>
+      </p:cxnSp>
+      <p:cxnSp>
+        <p:nvCxnSpPr>
+          <p:cNvPr id="56" name="Straight Connector 55"/>
+          <p:cNvCxnSpPr/>
+          <p:nvPr/>
+        </p:nvCxnSpPr>
+        <p:spPr>
+          <a:xfrm rot="10800000">
+            <a:off x="6096000" y="3048000"/>
+            <a:ext cx="1905000" cy="1588"/>
+          </a:xfrm>
+          <a:prstGeom prst="line">
+            <a:avLst/>
+          </a:prstGeom>
+          <a:ln>
+            <a:prstDash val="dash"/>
+          </a:ln>
+        </p:spPr>
+        <p:style>
+          <a:lnRef idx="1">
+            <a:schemeClr val="accent1"/>
+          </a:lnRef>
+          <a:fillRef idx="0">
+            <a:schemeClr val="accent1"/>
+          </a:fillRef>
+          <a:effectRef idx="0">
+            <a:schemeClr val="accent1"/>
+          </a:effectRef>
+          <a:fontRef idx="minor">
+            <a:schemeClr val="tx1"/>
+          </a:fontRef>
+        </p:style>
+      </p:cxnSp>
+      <p:cxnSp>
+        <p:nvCxnSpPr>
+          <p:cNvPr id="57" name="Straight Connector 56"/>
+          <p:cNvCxnSpPr/>
+          <p:nvPr/>
+        </p:nvCxnSpPr>
+        <p:spPr>
+          <a:xfrm rot="10800000">
+            <a:off x="6096000" y="2743200"/>
+            <a:ext cx="1905000" cy="1588"/>
+          </a:xfrm>
+          <a:prstGeom prst="line">
+            <a:avLst/>
+          </a:prstGeom>
+          <a:ln>
+            <a:prstDash val="dash"/>
+          </a:ln>
+        </p:spPr>
+        <p:style>
+          <a:lnRef idx="1">
+            <a:schemeClr val="accent1"/>
+          </a:lnRef>
+          <a:fillRef idx="0">
+            <a:schemeClr val="accent1"/>
+          </a:fillRef>
+          <a:effectRef idx="0">
+            <a:schemeClr val="accent1"/>
+          </a:effectRef>
+          <a:fontRef idx="minor">
+            <a:schemeClr val="tx1"/>
+          </a:fontRef>
+        </p:style>
+      </p:cxnSp>
+      <p:cxnSp>
+        <p:nvCxnSpPr>
+          <p:cNvPr id="58" name="Straight Connector 57"/>
+          <p:cNvCxnSpPr/>
+          <p:nvPr/>
+        </p:nvCxnSpPr>
+        <p:spPr>
+          <a:xfrm rot="10800000">
+            <a:off x="6096000" y="2438400"/>
+            <a:ext cx="1905000" cy="1588"/>
+          </a:xfrm>
+          <a:prstGeom prst="line">
+            <a:avLst/>
+          </a:prstGeom>
+          <a:ln>
+            <a:prstDash val="dash"/>
+          </a:ln>
+        </p:spPr>
+        <p:style>
+          <a:lnRef idx="1">
+            <a:schemeClr val="accent1"/>
+          </a:lnRef>
+          <a:fillRef idx="0">
+            <a:schemeClr val="accent1"/>
+          </a:fillRef>
+          <a:effectRef idx="0">
+            <a:schemeClr val="accent1"/>
+          </a:effectRef>
+          <a:fontRef idx="minor">
+            <a:schemeClr val="tx1"/>
+          </a:fontRef>
+        </p:style>
+      </p:cxnSp>
+      <p:cxnSp>
+        <p:nvCxnSpPr>
+          <p:cNvPr id="59" name="Straight Connector 58"/>
+          <p:cNvCxnSpPr/>
+          <p:nvPr/>
+        </p:nvCxnSpPr>
+        <p:spPr>
+          <a:xfrm rot="10800000">
+            <a:off x="6096000" y="2133600"/>
+            <a:ext cx="1905000" cy="1588"/>
+          </a:xfrm>
+          <a:prstGeom prst="line">
+            <a:avLst/>
+          </a:prstGeom>
+          <a:ln>
+            <a:prstDash val="dash"/>
+          </a:ln>
+        </p:spPr>
+        <p:style>
+          <a:lnRef idx="1">
+            <a:schemeClr val="accent1"/>
+          </a:lnRef>
+          <a:fillRef idx="0">
+            <a:schemeClr val="accent1"/>
+          </a:fillRef>
+          <a:effectRef idx="0">
+            <a:schemeClr val="accent1"/>
+          </a:effectRef>
+          <a:fontRef idx="minor">
+            <a:schemeClr val="tx1"/>
+          </a:fontRef>
+        </p:style>
+      </p:cxnSp>
+      <p:sp>
+        <p:nvSpPr>
+          <p:cNvPr id="81" name="Rectangle 80"/>
+          <p:cNvSpPr/>
+          <p:nvPr/>
+        </p:nvSpPr>
+        <p:spPr>
+          <a:xfrm>
+            <a:off x="1219200" y="838200"/>
+            <a:ext cx="533400" cy="304800"/>
+          </a:xfrm>
+          <a:prstGeom prst="rect">
+            <a:avLst/>
+          </a:prstGeom>
+        </p:spPr>
+        <p:style>
+          <a:lnRef idx="2">
+            <a:schemeClr val="dk1"/>
+          </a:lnRef>
+          <a:fillRef idx="1">
+            <a:schemeClr val="lt1"/>
+          </a:fillRef>
+          <a:effectRef idx="0">
+            <a:schemeClr val="dk1"/>
+          </a:effectRef>
+          <a:fontRef idx="minor">
+            <a:schemeClr val="dk1"/>
+          </a:fontRef>
+        </p:style>
+        <p:txBody>
+          <a:bodyPr rtlCol="0" anchor="ctr"/>
+          <a:lstStyle/>
+          <a:p>
+            <a:pPr algn="ctr"/>
+            <a:r>
+              <a:rPr lang="en-US" sz="1000" dirty="0" smtClean="0"/>
+              <a:t>Open</a:t>
+            </a:r>
+            <a:endParaRPr lang="en-US" sz="1000" dirty="0"/>
+          </a:p>
+        </p:txBody>
+      </p:sp>
+      <p:cxnSp>
+        <p:nvCxnSpPr>
+          <p:cNvPr id="82" name="Straight Connector 81"/>
+          <p:cNvCxnSpPr/>
+          <p:nvPr/>
+        </p:nvCxnSpPr>
+        <p:spPr>
+          <a:xfrm rot="5400000">
+            <a:off x="1600994" y="989806"/>
+            <a:ext cx="457200" cy="1588"/>
+          </a:xfrm>
+          <a:prstGeom prst="line">
+            <a:avLst/>
+          </a:prstGeom>
+          <a:ln w="19050">
+            <a:solidFill>
+              <a:schemeClr val="tx1"/>
+            </a:solidFill>
+          </a:ln>
+        </p:spPr>
+        <p:style>
+          <a:lnRef idx="1">
+            <a:schemeClr val="accent1"/>
+          </a:lnRef>
+          <a:fillRef idx="0">
+            <a:schemeClr val="accent1"/>
+          </a:fillRef>
+          <a:effectRef idx="0">
+            <a:schemeClr val="accent1"/>
+          </a:effectRef>
+          <a:fontRef idx="minor">
+            <a:schemeClr val="tx1"/>
+          </a:fontRef>
+        </p:style>
+      </p:cxnSp>
+      <p:sp>
+        <p:nvSpPr>
+          <p:cNvPr id="83" name="Rectangle 82"/>
+          <p:cNvSpPr/>
+          <p:nvPr/>
+        </p:nvSpPr>
+        <p:spPr>
+          <a:xfrm>
+            <a:off x="3886200" y="838200"/>
+            <a:ext cx="533400" cy="304800"/>
+          </a:xfrm>
+          <a:prstGeom prst="rect">
+            <a:avLst/>
+          </a:prstGeom>
+        </p:spPr>
+        <p:style>
+          <a:lnRef idx="2">
+            <a:schemeClr val="dk1"/>
+          </a:lnRef>
+          <a:fillRef idx="1">
+            <a:schemeClr val="lt1"/>
+          </a:fillRef>
+          <a:effectRef idx="0">
+            <a:schemeClr val="dk1"/>
+          </a:effectRef>
+          <a:fontRef idx="minor">
+            <a:schemeClr val="dk1"/>
+          </a:fontRef>
+        </p:style>
+        <p:txBody>
+          <a:bodyPr rtlCol="0" anchor="ctr"/>
+          <a:lstStyle/>
+          <a:p>
+            <a:pPr algn="ctr"/>
+            <a:r>
+              <a:rPr lang="en-US" sz="1000" dirty="0" smtClean="0"/>
+              <a:t>Test</a:t>
+            </a:r>
+            <a:endParaRPr lang="en-US" sz="1000" dirty="0"/>
+          </a:p>
+        </p:txBody>
+      </p:sp>
+      <p:cxnSp>
+        <p:nvCxnSpPr>
+          <p:cNvPr id="84" name="Straight Connector 83"/>
+          <p:cNvCxnSpPr/>
+          <p:nvPr/>
+        </p:nvCxnSpPr>
+        <p:spPr>
+          <a:xfrm rot="5400000">
+            <a:off x="3581400" y="990600"/>
+            <a:ext cx="457994" cy="794"/>
+          </a:xfrm>
+          <a:prstGeom prst="line">
+            <a:avLst/>
+          </a:prstGeom>
+          <a:ln w="19050">
+            <a:solidFill>
+              <a:schemeClr val="tx1"/>
+            </a:solidFill>
+          </a:ln>
+        </p:spPr>
+        <p:style>
+          <a:lnRef idx="1">
+            <a:schemeClr val="accent1"/>
+          </a:lnRef>
+          <a:fillRef idx="0">
+            <a:schemeClr val="accent1"/>
+          </a:fillRef>
+          <a:effectRef idx="0">
+            <a:schemeClr val="accent1"/>
+          </a:effectRef>
+          <a:fontRef idx="minor">
+            <a:schemeClr val="tx1"/>
+          </a:fontRef>
+        </p:style>
+      </p:cxnSp>
+      <p:sp>
+        <p:nvSpPr>
+          <p:cNvPr id="85" name="Rectangle 84"/>
+          <p:cNvSpPr/>
+          <p:nvPr/>
+        </p:nvSpPr>
+        <p:spPr>
+          <a:xfrm>
+            <a:off x="457200" y="533400"/>
+            <a:ext cx="8305800" cy="228600"/>
+          </a:xfrm>
+          <a:prstGeom prst="rect">
+            <a:avLst/>
+          </a:prstGeom>
+        </p:spPr>
+        <p:style>
+          <a:lnRef idx="2">
+            <a:schemeClr val="dk1"/>
+          </a:lnRef>
+          <a:fillRef idx="1">
+            <a:schemeClr val="lt1"/>
+          </a:fillRef>
+          <a:effectRef idx="0">
+            <a:schemeClr val="dk1"/>
+          </a:effectRef>
+          <a:fontRef idx="minor">
+            <a:schemeClr val="dk1"/>
+          </a:fontRef>
+        </p:style>
+        <p:txBody>
+          <a:bodyPr rtlCol="0" anchor="ctr"/>
+          <a:lstStyle/>
+          <a:p>
+            <a:endParaRPr lang="en-US" sz="1000" dirty="0"/>
+          </a:p>
+        </p:txBody>
+      </p:sp>
+      <p:sp>
+        <p:nvSpPr>
+          <p:cNvPr id="86" name="Rectangle 85"/>
+          <p:cNvSpPr/>
+          <p:nvPr/>
+        </p:nvSpPr>
+        <p:spPr>
+          <a:xfrm>
+            <a:off x="457200" y="533400"/>
+            <a:ext cx="533400" cy="228600"/>
+          </a:xfrm>
+          <a:prstGeom prst="rect">
+            <a:avLst/>
+          </a:prstGeom>
+        </p:spPr>
+        <p:style>
+          <a:lnRef idx="2">
+            <a:schemeClr val="dk1"/>
+          </a:lnRef>
+          <a:fillRef idx="1">
+            <a:schemeClr val="lt1"/>
+          </a:fillRef>
+          <a:effectRef idx="0">
+            <a:schemeClr val="dk1"/>
+          </a:effectRef>
+          <a:fontRef idx="minor">
+            <a:schemeClr val="dk1"/>
+          </a:fontRef>
+        </p:style>
+        <p:txBody>
+          <a:bodyPr rtlCol="0" anchor="ctr"/>
+          <a:lstStyle/>
+          <a:p>
+            <a:pPr algn="ctr"/>
+            <a:r>
+              <a:rPr lang="en-US" sz="1000" dirty="0" smtClean="0"/>
+              <a:t>File</a:t>
+            </a:r>
+            <a:endParaRPr lang="en-US" sz="1000" dirty="0"/>
+          </a:p>
+        </p:txBody>
+      </p:sp>
+      <p:sp>
+        <p:nvSpPr>
+          <p:cNvPr id="87" name="Rectangle 86"/>
+          <p:cNvSpPr/>
+          <p:nvPr/>
+        </p:nvSpPr>
+        <p:spPr>
+          <a:xfrm>
+            <a:off x="990600" y="533400"/>
+            <a:ext cx="533400" cy="228600"/>
+          </a:xfrm>
+          <a:prstGeom prst="rect">
+            <a:avLst/>
+          </a:prstGeom>
+        </p:spPr>
+        <p:style>
+          <a:lnRef idx="2">
+            <a:schemeClr val="dk1"/>
+          </a:lnRef>
+          <a:fillRef idx="1">
+            <a:schemeClr val="lt1"/>
+          </a:fillRef>
+          <a:effectRef idx="0">
+            <a:schemeClr val="dk1"/>
+          </a:effectRef>
+          <a:fontRef idx="minor">
+            <a:schemeClr val="dk1"/>
+          </a:fontRef>
+        </p:style>
+        <p:txBody>
+          <a:bodyPr rtlCol="0" anchor="ctr"/>
+          <a:lstStyle/>
+          <a:p>
+            <a:pPr algn="ctr"/>
+            <a:r>
+              <a:rPr lang="en-US" sz="1000" dirty="0" smtClean="0"/>
+              <a:t>Tools</a:t>
+            </a:r>
+            <a:endParaRPr lang="en-US" sz="1000" dirty="0"/>
+          </a:p>
+        </p:txBody>
+      </p:sp>
+      <p:sp>
+        <p:nvSpPr>
+          <p:cNvPr id="88" name="Rectangle 87"/>
+          <p:cNvSpPr/>
+          <p:nvPr/>
+        </p:nvSpPr>
+        <p:spPr>
+          <a:xfrm>
+            <a:off x="1524000" y="533400"/>
+            <a:ext cx="533400" cy="228600"/>
+          </a:xfrm>
+          <a:prstGeom prst="rect">
+            <a:avLst/>
+          </a:prstGeom>
+        </p:spPr>
+        <p:style>
+          <a:lnRef idx="2">
+            <a:schemeClr val="dk1"/>
+          </a:lnRef>
+          <a:fillRef idx="1">
+            <a:schemeClr val="lt1"/>
+          </a:fillRef>
+          <a:effectRef idx="0">
+            <a:schemeClr val="dk1"/>
+          </a:effectRef>
+          <a:fontRef idx="minor">
+            <a:schemeClr val="dk1"/>
+          </a:fontRef>
+        </p:style>
+        <p:txBody>
+          <a:bodyPr rtlCol="0" anchor="ctr"/>
+          <a:lstStyle/>
+          <a:p>
+            <a:pPr algn="ctr"/>
+            <a:r>
+              <a:rPr lang="en-US" sz="1000" dirty="0" smtClean="0"/>
+              <a:t>Help</a:t>
+            </a:r>
+            <a:endParaRPr lang="en-US" sz="1000" dirty="0"/>
+          </a:p>
+        </p:txBody>
+      </p:sp>
+      <p:sp>
+        <p:nvSpPr>
+          <p:cNvPr id="99" name="Rectangle 98"/>
+          <p:cNvSpPr/>
+          <p:nvPr/>
+        </p:nvSpPr>
+        <p:spPr>
+          <a:xfrm>
+            <a:off x="685800" y="2133600"/>
+            <a:ext cx="609600" cy="228600"/>
+          </a:xfrm>
+          <a:prstGeom prst="rect">
+            <a:avLst/>
+          </a:prstGeom>
+        </p:spPr>
+        <p:style>
+          <a:lnRef idx="2">
+            <a:schemeClr val="dk1"/>
+          </a:lnRef>
+          <a:fillRef idx="1">
+            <a:schemeClr val="lt1"/>
+          </a:fillRef>
+          <a:effectRef idx="0">
+            <a:schemeClr val="dk1"/>
+          </a:effectRef>
+          <a:fontRef idx="minor">
+            <a:schemeClr val="dk1"/>
+          </a:fontRef>
+        </p:style>
+        <p:txBody>
+          <a:bodyPr rtlCol="0" anchor="ctr"/>
+          <a:lstStyle/>
+          <a:p>
+            <a:pPr algn="ctr"/>
+            <a:r>
+              <a:rPr lang="en-US" sz="1000" dirty="0" smtClean="0"/>
+              <a:t>5</a:t>
+            </a:r>
+            <a:endParaRPr lang="en-US" sz="1000" dirty="0"/>
+          </a:p>
+        </p:txBody>
+      </p:sp>
+      <p:sp>
+        <p:nvSpPr>
+          <p:cNvPr id="100" name="Rectangle 99"/>
+          <p:cNvSpPr/>
+          <p:nvPr/>
+        </p:nvSpPr>
+        <p:spPr>
+          <a:xfrm>
+            <a:off x="685800" y="2743200"/>
+            <a:ext cx="609600" cy="381000"/>
+          </a:xfrm>
+          <a:prstGeom prst="rect">
+            <a:avLst/>
+          </a:prstGeom>
+        </p:spPr>
+        <p:style>
+          <a:lnRef idx="2">
+            <a:schemeClr val="dk1"/>
+          </a:lnRef>
+          <a:fillRef idx="1">
+            <a:schemeClr val="lt1"/>
+          </a:fillRef>
+          <a:effectRef idx="0">
+            <a:schemeClr val="dk1"/>
+          </a:effectRef>
+          <a:fontRef idx="minor">
+            <a:schemeClr val="dk1"/>
+          </a:fontRef>
+        </p:style>
+        <p:txBody>
+          <a:bodyPr rtlCol="0" anchor="ctr"/>
+          <a:lstStyle/>
+          <a:p>
+            <a:pPr algn="ctr"/>
+            <a:r>
+              <a:rPr lang="en-US" sz="1000" dirty="0" err="1" smtClean="0"/>
+              <a:t>Tcoarse</a:t>
+            </a:r>
+            <a:endParaRPr lang="en-US" sz="1000" dirty="0"/>
+          </a:p>
+        </p:txBody>
+      </p:sp>
+      <p:cxnSp>
+        <p:nvCxnSpPr>
+          <p:cNvPr id="101" name="Straight Connector 100"/>
+          <p:cNvCxnSpPr/>
+          <p:nvPr/>
+        </p:nvCxnSpPr>
+        <p:spPr>
+          <a:xfrm rot="5400000">
+            <a:off x="1143000" y="2819400"/>
+            <a:ext cx="76200" cy="76200"/>
+          </a:xfrm>
+          <a:prstGeom prst="line">
+            <a:avLst/>
+          </a:prstGeom>
+          <a:ln w="19050">
+            <a:solidFill>
+              <a:schemeClr val="tx1"/>
+            </a:solidFill>
+          </a:ln>
+        </p:spPr>
+        <p:style>
+          <a:lnRef idx="1">
+            <a:schemeClr val="accent1"/>
+          </a:lnRef>
+          <a:fillRef idx="0">
+            <a:schemeClr val="accent1"/>
+          </a:fillRef>
+          <a:effectRef idx="0">
+            <a:schemeClr val="accent1"/>
+          </a:effectRef>
+          <a:fontRef idx="minor">
+            <a:schemeClr val="tx1"/>
+          </a:fontRef>
+        </p:style>
+      </p:cxnSp>
+      <p:cxnSp>
+        <p:nvCxnSpPr>
+          <p:cNvPr id="102" name="Straight Connector 101"/>
+          <p:cNvCxnSpPr/>
+          <p:nvPr/>
+        </p:nvCxnSpPr>
+        <p:spPr>
+          <a:xfrm rot="16200000" flipH="1">
+            <a:off x="1066800" y="2819400"/>
+            <a:ext cx="76200" cy="76200"/>
+          </a:xfrm>
+          <a:prstGeom prst="line">
+            <a:avLst/>
+          </a:prstGeom>
+          <a:ln w="19050">
+            <a:solidFill>
+              <a:schemeClr val="tx1"/>
+            </a:solidFill>
+          </a:ln>
+        </p:spPr>
+        <p:style>
+          <a:lnRef idx="1">
+            <a:schemeClr val="accent1"/>
+          </a:lnRef>
+          <a:fillRef idx="0">
+            <a:schemeClr val="accent1"/>
+          </a:fillRef>
+          <a:effectRef idx="0">
+            <a:schemeClr val="accent1"/>
+          </a:effectRef>
+          <a:fontRef idx="minor">
+            <a:schemeClr val="tx1"/>
+          </a:fontRef>
+        </p:style>
+      </p:cxnSp>
+      <p:sp>
+        <p:nvSpPr>
+          <p:cNvPr id="103" name="TextBox 102"/>
+          <p:cNvSpPr txBox="1"/>
+          <p:nvPr/>
+        </p:nvSpPr>
+        <p:spPr>
+          <a:xfrm>
+            <a:off x="1295400" y="2100590"/>
+            <a:ext cx="838200" cy="261610"/>
+          </a:xfrm>
+          <a:prstGeom prst="rect">
+            <a:avLst/>
+          </a:prstGeom>
+          <a:noFill/>
+        </p:spPr>
+        <p:txBody>
+          <a:bodyPr wrap="square" rtlCol="0">
+            <a:spAutoFit/>
+          </a:bodyPr>
+          <a:lstStyle/>
+          <a:p>
+            <a:r>
+              <a:rPr lang="en-US" sz="1100" dirty="0" smtClean="0"/>
+              <a:t>Delay [s]</a:t>
+            </a:r>
+            <a:endParaRPr lang="en-US" sz="1100" dirty="0"/>
+          </a:p>
+        </p:txBody>
+      </p:sp>
+      <p:sp>
+        <p:nvSpPr>
+          <p:cNvPr id="104" name="TextBox 103"/>
+          <p:cNvSpPr txBox="1"/>
+          <p:nvPr/>
+        </p:nvSpPr>
+        <p:spPr>
+          <a:xfrm>
+            <a:off x="1295400" y="2819400"/>
+            <a:ext cx="1295400" cy="261610"/>
+          </a:xfrm>
+          <a:prstGeom prst="rect">
+            <a:avLst/>
+          </a:prstGeom>
+          <a:noFill/>
+        </p:spPr>
+        <p:txBody>
+          <a:bodyPr wrap="square" rtlCol="0">
+            <a:spAutoFit/>
+          </a:bodyPr>
+          <a:lstStyle/>
+          <a:p>
+            <a:r>
+              <a:rPr lang="en-US" sz="1100" dirty="0" smtClean="0"/>
+              <a:t>Parameter selector</a:t>
+            </a:r>
+            <a:endParaRPr lang="en-US" sz="1100" dirty="0"/>
+          </a:p>
+        </p:txBody>
+      </p:sp>
+      <p:sp>
+        <p:nvSpPr>
+          <p:cNvPr id="124" name="Rectangle 123"/>
+          <p:cNvSpPr/>
+          <p:nvPr/>
+        </p:nvSpPr>
+        <p:spPr>
+          <a:xfrm>
+            <a:off x="8077200" y="2133600"/>
+            <a:ext cx="76200" cy="1371600"/>
+          </a:xfrm>
+          <a:prstGeom prst="rect">
+            <a:avLst/>
+          </a:prstGeom>
+          <a:gradFill>
+            <a:gsLst>
+              <a:gs pos="0">
+                <a:srgbClr val="FF0000"/>
+              </a:gs>
+              <a:gs pos="50000">
+                <a:schemeClr val="tx2">
+                  <a:lumMod val="60000"/>
+                  <a:lumOff val="40000"/>
+                </a:schemeClr>
+              </a:gs>
+              <a:gs pos="100000">
+                <a:schemeClr val="accent1">
+                  <a:tint val="23500"/>
+                  <a:satMod val="160000"/>
+                </a:schemeClr>
+              </a:gs>
+            </a:gsLst>
+            <a:lin ang="5400000" scaled="0"/>
+          </a:gradFill>
+          <a:ln w="6350"/>
+        </p:spPr>
+        <p:style>
+          <a:lnRef idx="2">
+            <a:schemeClr val="dk1"/>
+          </a:lnRef>
+          <a:fillRef idx="1">
+            <a:schemeClr val="lt1"/>
+          </a:fillRef>
+          <a:effectRef idx="0">
+            <a:schemeClr val="dk1"/>
+          </a:effectRef>
+          <a:fontRef idx="minor">
+            <a:schemeClr val="dk1"/>
+          </a:fontRef>
+        </p:style>
+        <p:txBody>
+          <a:bodyPr rtlCol="0" anchor="ctr"/>
+          <a:lstStyle/>
+          <a:p>
+            <a:pPr algn="ctr"/>
+            <a:endParaRPr lang="en-US"/>
+          </a:p>
+        </p:txBody>
+      </p:sp>
+      <p:cxnSp>
+        <p:nvCxnSpPr>
+          <p:cNvPr id="128" name="Straight Connector 127"/>
+          <p:cNvCxnSpPr/>
+          <p:nvPr/>
+        </p:nvCxnSpPr>
+        <p:spPr>
+          <a:xfrm rot="10800000">
+            <a:off x="8153400" y="2209800"/>
+            <a:ext cx="76200" cy="1588"/>
+          </a:xfrm>
+          <a:prstGeom prst="line">
+            <a:avLst/>
+          </a:prstGeom>
+          <a:ln>
+            <a:solidFill>
+              <a:schemeClr val="tx1"/>
+            </a:solidFill>
+          </a:ln>
+        </p:spPr>
+        <p:style>
+          <a:lnRef idx="1">
+            <a:schemeClr val="accent1"/>
+          </a:lnRef>
+          <a:fillRef idx="0">
+            <a:schemeClr val="accent1"/>
+          </a:fillRef>
+          <a:effectRef idx="0">
+            <a:schemeClr val="accent1"/>
+          </a:effectRef>
+          <a:fontRef idx="minor">
+            <a:schemeClr val="tx1"/>
+          </a:fontRef>
+        </p:style>
+      </p:cxnSp>
+      <p:cxnSp>
+        <p:nvCxnSpPr>
+          <p:cNvPr id="129" name="Straight Connector 128"/>
+          <p:cNvCxnSpPr/>
+          <p:nvPr/>
+        </p:nvCxnSpPr>
+        <p:spPr>
+          <a:xfrm rot="10800000">
+            <a:off x="8153400" y="2360612"/>
+            <a:ext cx="76200" cy="1588"/>
+          </a:xfrm>
+          <a:prstGeom prst="line">
+            <a:avLst/>
+          </a:prstGeom>
+          <a:ln>
+            <a:solidFill>
+              <a:schemeClr val="tx1"/>
+            </a:solidFill>
+          </a:ln>
+        </p:spPr>
+        <p:style>
+          <a:lnRef idx="1">
+            <a:schemeClr val="accent1"/>
+          </a:lnRef>
+          <a:fillRef idx="0">
+            <a:schemeClr val="accent1"/>
+          </a:fillRef>
+          <a:effectRef idx="0">
+            <a:schemeClr val="accent1"/>
+          </a:effectRef>
+          <a:fontRef idx="minor">
+            <a:schemeClr val="tx1"/>
+          </a:fontRef>
+        </p:style>
+      </p:cxnSp>
+      <p:cxnSp>
+        <p:nvCxnSpPr>
+          <p:cNvPr id="130" name="Straight Connector 129"/>
+          <p:cNvCxnSpPr/>
+          <p:nvPr/>
+        </p:nvCxnSpPr>
+        <p:spPr>
+          <a:xfrm rot="10800000">
+            <a:off x="8153400" y="3122612"/>
+            <a:ext cx="76200" cy="1588"/>
+          </a:xfrm>
+          <a:prstGeom prst="line">
+            <a:avLst/>
+          </a:prstGeom>
+          <a:ln>
+            <a:solidFill>
+              <a:schemeClr val="tx1"/>
+            </a:solidFill>
+          </a:ln>
+        </p:spPr>
+        <p:style>
+          <a:lnRef idx="1">
+            <a:schemeClr val="accent1"/>
+          </a:lnRef>
+          <a:fillRef idx="0">
+            <a:schemeClr val="accent1"/>
+          </a:fillRef>
+          <a:effectRef idx="0">
+            <a:schemeClr val="accent1"/>
+          </a:effectRef>
+          <a:fontRef idx="minor">
+            <a:schemeClr val="tx1"/>
+          </a:fontRef>
+        </p:style>
+      </p:cxnSp>
+      <p:cxnSp>
+        <p:nvCxnSpPr>
+          <p:cNvPr id="131" name="Straight Connector 130"/>
+          <p:cNvCxnSpPr/>
+          <p:nvPr/>
+        </p:nvCxnSpPr>
+        <p:spPr>
+          <a:xfrm rot="10800000">
+            <a:off x="8153400" y="2514600"/>
+            <a:ext cx="76200" cy="1588"/>
+          </a:xfrm>
+          <a:prstGeom prst="line">
+            <a:avLst/>
+          </a:prstGeom>
+          <a:ln>
+            <a:solidFill>
+              <a:schemeClr val="tx1"/>
+            </a:solidFill>
+          </a:ln>
+        </p:spPr>
+        <p:style>
+          <a:lnRef idx="1">
+            <a:schemeClr val="accent1"/>
+          </a:lnRef>
+          <a:fillRef idx="0">
+            <a:schemeClr val="accent1"/>
+          </a:fillRef>
+          <a:effectRef idx="0">
+            <a:schemeClr val="accent1"/>
+          </a:effectRef>
+          <a:fontRef idx="minor">
+            <a:schemeClr val="tx1"/>
+          </a:fontRef>
+        </p:style>
+      </p:cxnSp>
+      <p:cxnSp>
+        <p:nvCxnSpPr>
+          <p:cNvPr id="132" name="Straight Connector 131"/>
+          <p:cNvCxnSpPr/>
+          <p:nvPr/>
+        </p:nvCxnSpPr>
+        <p:spPr>
+          <a:xfrm rot="10800000">
+            <a:off x="8153400" y="2665412"/>
+            <a:ext cx="76200" cy="1588"/>
+          </a:xfrm>
+          <a:prstGeom prst="line">
+            <a:avLst/>
+          </a:prstGeom>
+          <a:ln>
+            <a:solidFill>
+              <a:schemeClr val="tx1"/>
+            </a:solidFill>
+          </a:ln>
+        </p:spPr>
+        <p:style>
+          <a:lnRef idx="1">
+            <a:schemeClr val="accent1"/>
+          </a:lnRef>
+          <a:fillRef idx="0">
+            <a:schemeClr val="accent1"/>
+          </a:fillRef>
+          <a:effectRef idx="0">
+            <a:schemeClr val="accent1"/>
+          </a:effectRef>
+          <a:fontRef idx="minor">
+            <a:schemeClr val="tx1"/>
+          </a:fontRef>
+        </p:style>
+      </p:cxnSp>
+      <p:cxnSp>
+        <p:nvCxnSpPr>
+          <p:cNvPr id="136" name="Straight Connector 135"/>
+          <p:cNvCxnSpPr/>
+          <p:nvPr/>
+        </p:nvCxnSpPr>
+        <p:spPr>
+          <a:xfrm rot="10800000">
+            <a:off x="8153400" y="2819400"/>
+            <a:ext cx="76200" cy="1588"/>
+          </a:xfrm>
+          <a:prstGeom prst="line">
+            <a:avLst/>
+          </a:prstGeom>
+          <a:ln>
+            <a:solidFill>
+              <a:schemeClr val="tx1"/>
+            </a:solidFill>
+          </a:ln>
+        </p:spPr>
+        <p:style>
+          <a:lnRef idx="1">
+            <a:schemeClr val="accent1"/>
+          </a:lnRef>
+          <a:fillRef idx="0">
+            <a:schemeClr val="accent1"/>
+          </a:fillRef>
+          <a:effectRef idx="0">
+            <a:schemeClr val="accent1"/>
+          </a:effectRef>
+          <a:fontRef idx="minor">
+            <a:schemeClr val="tx1"/>
+          </a:fontRef>
+        </p:style>
+      </p:cxnSp>
+      <p:cxnSp>
+        <p:nvCxnSpPr>
+          <p:cNvPr id="137" name="Straight Connector 136"/>
+          <p:cNvCxnSpPr/>
+          <p:nvPr/>
+        </p:nvCxnSpPr>
+        <p:spPr>
+          <a:xfrm rot="10800000">
+            <a:off x="8153400" y="2971800"/>
+            <a:ext cx="76200" cy="1588"/>
+          </a:xfrm>
+          <a:prstGeom prst="line">
+            <a:avLst/>
+          </a:prstGeom>
+          <a:ln>
+            <a:solidFill>
+              <a:schemeClr val="tx1"/>
+            </a:solidFill>
+          </a:ln>
+        </p:spPr>
+        <p:style>
+          <a:lnRef idx="1">
+            <a:schemeClr val="accent1"/>
+          </a:lnRef>
+          <a:fillRef idx="0">
+            <a:schemeClr val="accent1"/>
+          </a:fillRef>
+          <a:effectRef idx="0">
+            <a:schemeClr val="accent1"/>
+          </a:effectRef>
+          <a:fontRef idx="minor">
+            <a:schemeClr val="tx1"/>
+          </a:fontRef>
+        </p:style>
+      </p:cxnSp>
+      <p:cxnSp>
+        <p:nvCxnSpPr>
+          <p:cNvPr id="138" name="Straight Connector 137"/>
+          <p:cNvCxnSpPr/>
+          <p:nvPr/>
+        </p:nvCxnSpPr>
+        <p:spPr>
+          <a:xfrm rot="10800000">
+            <a:off x="8153400" y="3275012"/>
+            <a:ext cx="76200" cy="1588"/>
+          </a:xfrm>
+          <a:prstGeom prst="line">
+            <a:avLst/>
+          </a:prstGeom>
+          <a:ln>
+            <a:solidFill>
+              <a:schemeClr val="tx1"/>
+            </a:solidFill>
+          </a:ln>
+        </p:spPr>
+        <p:style>
+          <a:lnRef idx="1">
+            <a:schemeClr val="accent1"/>
+          </a:lnRef>
+          <a:fillRef idx="0">
+            <a:schemeClr val="accent1"/>
+          </a:fillRef>
+          <a:effectRef idx="0">
+            <a:schemeClr val="accent1"/>
+          </a:effectRef>
+          <a:fontRef idx="minor">
+            <a:schemeClr val="tx1"/>
+          </a:fontRef>
+        </p:style>
+      </p:cxnSp>
+      <p:cxnSp>
+        <p:nvCxnSpPr>
+          <p:cNvPr id="139" name="Straight Connector 138"/>
+          <p:cNvCxnSpPr/>
+          <p:nvPr/>
+        </p:nvCxnSpPr>
+        <p:spPr>
+          <a:xfrm rot="10800000">
+            <a:off x="8153400" y="3429000"/>
+            <a:ext cx="76200" cy="1588"/>
+          </a:xfrm>
+          <a:prstGeom prst="line">
+            <a:avLst/>
+          </a:prstGeom>
+          <a:ln>
+            <a:solidFill>
+              <a:schemeClr val="tx1"/>
+            </a:solidFill>
+          </a:ln>
+        </p:spPr>
+        <p:style>
+          <a:lnRef idx="1">
+            <a:schemeClr val="accent1"/>
+          </a:lnRef>
+          <a:fillRef idx="0">
+            <a:schemeClr val="accent1"/>
+          </a:fillRef>
+          <a:effectRef idx="0">
+            <a:schemeClr val="accent1"/>
+          </a:effectRef>
+          <a:fontRef idx="minor">
+            <a:schemeClr val="tx1"/>
+          </a:fontRef>
+        </p:style>
+      </p:cxnSp>
+      <p:sp>
+        <p:nvSpPr>
+          <p:cNvPr id="141" name="Rectangle 140"/>
+          <p:cNvSpPr/>
+          <p:nvPr/>
+        </p:nvSpPr>
+        <p:spPr>
+          <a:xfrm>
+            <a:off x="3048000" y="1981200"/>
+            <a:ext cx="2590800" cy="1905000"/>
+          </a:xfrm>
+          <a:prstGeom prst="rect">
+            <a:avLst/>
+          </a:prstGeom>
+          <a:ln>
+            <a:prstDash val="dash"/>
+          </a:ln>
+        </p:spPr>
+        <p:style>
+          <a:lnRef idx="2">
+            <a:schemeClr val="dk1"/>
+          </a:lnRef>
+          <a:fillRef idx="1">
+            <a:schemeClr val="lt1"/>
+          </a:fillRef>
+          <a:effectRef idx="0">
+            <a:schemeClr val="dk1"/>
+          </a:effectRef>
+          <a:fontRef idx="minor">
+            <a:schemeClr val="dk1"/>
+          </a:fontRef>
+        </p:style>
+        <p:txBody>
+          <a:bodyPr rtlCol="0" anchor="ctr"/>
+          <a:lstStyle/>
+          <a:p>
+            <a:pPr algn="ctr"/>
+            <a:endParaRPr lang="en-US" sz="1400" dirty="0"/>
+          </a:p>
+        </p:txBody>
+      </p:sp>
+      <p:cxnSp>
+        <p:nvCxnSpPr>
+          <p:cNvPr id="142" name="Straight Connector 141"/>
+          <p:cNvCxnSpPr/>
+          <p:nvPr/>
+        </p:nvCxnSpPr>
+        <p:spPr>
+          <a:xfrm rot="10800000">
+            <a:off x="3352800" y="3656012"/>
+            <a:ext cx="2057400" cy="1588"/>
+          </a:xfrm>
+          <a:prstGeom prst="line">
+            <a:avLst/>
+          </a:prstGeom>
+          <a:ln w="12700">
+            <a:solidFill>
+              <a:schemeClr val="tx1"/>
+            </a:solidFill>
+          </a:ln>
+        </p:spPr>
+        <p:style>
+          <a:lnRef idx="1">
+            <a:schemeClr val="accent1"/>
+          </a:lnRef>
+          <a:fillRef idx="0">
+            <a:schemeClr val="accent1"/>
+          </a:fillRef>
+          <a:effectRef idx="0">
+            <a:schemeClr val="accent1"/>
+          </a:effectRef>
+          <a:fontRef idx="minor">
+            <a:schemeClr val="tx1"/>
+          </a:fontRef>
+        </p:style>
+      </p:cxnSp>
+      <p:cxnSp>
+        <p:nvCxnSpPr>
+          <p:cNvPr id="143" name="Straight Connector 142"/>
+          <p:cNvCxnSpPr/>
+          <p:nvPr/>
+        </p:nvCxnSpPr>
+        <p:spPr>
+          <a:xfrm rot="5400000">
+            <a:off x="2552700" y="2857500"/>
+            <a:ext cx="1600200" cy="1588"/>
+          </a:xfrm>
+          <a:prstGeom prst="line">
+            <a:avLst/>
+          </a:prstGeom>
+          <a:ln w="12700">
+            <a:solidFill>
+              <a:schemeClr val="tx1"/>
+            </a:solidFill>
+          </a:ln>
+        </p:spPr>
+        <p:style>
+          <a:lnRef idx="1">
+            <a:schemeClr val="accent1"/>
+          </a:lnRef>
+          <a:fillRef idx="0">
+            <a:schemeClr val="accent1"/>
+          </a:fillRef>
+          <a:effectRef idx="0">
+            <a:schemeClr val="accent1"/>
+          </a:effectRef>
+          <a:fontRef idx="minor">
+            <a:schemeClr val="tx1"/>
+          </a:fontRef>
+        </p:style>
+      </p:cxnSp>
+      <p:sp>
+        <p:nvSpPr>
+          <p:cNvPr id="144" name="TextBox 143"/>
+          <p:cNvSpPr txBox="1"/>
+          <p:nvPr/>
+        </p:nvSpPr>
+        <p:spPr>
+          <a:xfrm rot="16200000">
+            <a:off x="2835906" y="2802895"/>
+            <a:ext cx="685799" cy="261610"/>
+          </a:xfrm>
+          <a:prstGeom prst="rect">
+            <a:avLst/>
+          </a:prstGeom>
+          <a:noFill/>
+        </p:spPr>
+        <p:txBody>
+          <a:bodyPr vert="horz" wrap="square" rtlCol="0">
+            <a:spAutoFit/>
+          </a:bodyPr>
+          <a:lstStyle/>
+          <a:p>
+            <a:pPr algn="r"/>
+            <a:r>
+              <a:rPr lang="en-US" sz="1100" b="1" dirty="0" err="1" smtClean="0"/>
+              <a:t>Tcoarse</a:t>
+            </a:r>
+            <a:endParaRPr lang="en-US" sz="1100" b="1" dirty="0"/>
+          </a:p>
+        </p:txBody>
+      </p:sp>
+      <p:sp>
+        <p:nvSpPr>
+          <p:cNvPr id="145" name="TextBox 144"/>
+          <p:cNvSpPr txBox="1"/>
+          <p:nvPr/>
+        </p:nvSpPr>
+        <p:spPr>
+          <a:xfrm>
+            <a:off x="4038600" y="3657600"/>
+            <a:ext cx="762000" cy="261610"/>
+          </a:xfrm>
+          <a:prstGeom prst="rect">
+            <a:avLst/>
+          </a:prstGeom>
+          <a:noFill/>
+        </p:spPr>
+        <p:txBody>
+          <a:bodyPr vert="horz" wrap="square" rtlCol="0">
+            <a:spAutoFit/>
+          </a:bodyPr>
+          <a:lstStyle/>
+          <a:p>
+            <a:r>
+              <a:rPr lang="en-US" sz="1100" b="1" dirty="0" smtClean="0"/>
+              <a:t>Channels</a:t>
+            </a:r>
+            <a:endParaRPr lang="en-US" sz="1100" b="1" dirty="0"/>
+          </a:p>
+        </p:txBody>
+      </p:sp>
+      <p:cxnSp>
+        <p:nvCxnSpPr>
+          <p:cNvPr id="146" name="Straight Connector 145"/>
+          <p:cNvCxnSpPr/>
+          <p:nvPr/>
+        </p:nvCxnSpPr>
+        <p:spPr>
+          <a:xfrm rot="5400000">
+            <a:off x="2247900" y="2857500"/>
+            <a:ext cx="1600994" cy="794"/>
+          </a:xfrm>
+          <a:prstGeom prst="line">
+            <a:avLst/>
+          </a:prstGeom>
+          <a:ln>
+            <a:prstDash val="dash"/>
+          </a:ln>
+        </p:spPr>
+        <p:style>
+          <a:lnRef idx="1">
+            <a:schemeClr val="accent1"/>
+          </a:lnRef>
+          <a:fillRef idx="0">
+            <a:schemeClr val="accent1"/>
+          </a:fillRef>
+          <a:effectRef idx="0">
+            <a:schemeClr val="accent1"/>
+          </a:effectRef>
+          <a:fontRef idx="minor">
+            <a:schemeClr val="tx1"/>
+          </a:fontRef>
+        </p:style>
+      </p:cxnSp>
+      <p:cxnSp>
+        <p:nvCxnSpPr>
+          <p:cNvPr id="147" name="Straight Connector 146"/>
+          <p:cNvCxnSpPr/>
+          <p:nvPr/>
+        </p:nvCxnSpPr>
+        <p:spPr>
+          <a:xfrm rot="5400000">
+            <a:off x="2857500" y="2857500"/>
+            <a:ext cx="1600994" cy="794"/>
+          </a:xfrm>
+          <a:prstGeom prst="line">
+            <a:avLst/>
+          </a:prstGeom>
+          <a:ln>
+            <a:prstDash val="dash"/>
+          </a:ln>
+        </p:spPr>
+        <p:style>
+          <a:lnRef idx="1">
+            <a:schemeClr val="accent1"/>
+          </a:lnRef>
+          <a:fillRef idx="0">
+            <a:schemeClr val="accent1"/>
+          </a:fillRef>
+          <a:effectRef idx="0">
+            <a:schemeClr val="accent1"/>
+          </a:effectRef>
+          <a:fontRef idx="minor">
+            <a:schemeClr val="tx1"/>
+          </a:fontRef>
+        </p:style>
+      </p:cxnSp>
+      <p:cxnSp>
+        <p:nvCxnSpPr>
+          <p:cNvPr id="148" name="Straight Connector 147"/>
+          <p:cNvCxnSpPr/>
+          <p:nvPr/>
+        </p:nvCxnSpPr>
+        <p:spPr>
+          <a:xfrm rot="5400000">
+            <a:off x="3162300" y="2857500"/>
+            <a:ext cx="1600994" cy="794"/>
+          </a:xfrm>
+          <a:prstGeom prst="line">
+            <a:avLst/>
+          </a:prstGeom>
+          <a:ln>
+            <a:prstDash val="dash"/>
+          </a:ln>
+        </p:spPr>
+        <p:style>
+          <a:lnRef idx="1">
+            <a:schemeClr val="accent1"/>
+          </a:lnRef>
+          <a:fillRef idx="0">
+            <a:schemeClr val="accent1"/>
+          </a:fillRef>
+          <a:effectRef idx="0">
+            <a:schemeClr val="accent1"/>
+          </a:effectRef>
+          <a:fontRef idx="minor">
+            <a:schemeClr val="tx1"/>
+          </a:fontRef>
+        </p:style>
+      </p:cxnSp>
+      <p:cxnSp>
+        <p:nvCxnSpPr>
+          <p:cNvPr id="149" name="Straight Connector 148"/>
+          <p:cNvCxnSpPr/>
+          <p:nvPr/>
+        </p:nvCxnSpPr>
+        <p:spPr>
+          <a:xfrm rot="5400000">
+            <a:off x="3467100" y="2857500"/>
+            <a:ext cx="1600994" cy="794"/>
+          </a:xfrm>
+          <a:prstGeom prst="line">
+            <a:avLst/>
+          </a:prstGeom>
+          <a:ln>
+            <a:prstDash val="dash"/>
+          </a:ln>
+        </p:spPr>
+        <p:style>
+          <a:lnRef idx="1">
+            <a:schemeClr val="accent1"/>
+          </a:lnRef>
+          <a:fillRef idx="0">
+            <a:schemeClr val="accent1"/>
+          </a:fillRef>
+          <a:effectRef idx="0">
+            <a:schemeClr val="accent1"/>
+          </a:effectRef>
+          <a:fontRef idx="minor">
+            <a:schemeClr val="tx1"/>
+          </a:fontRef>
+        </p:style>
+      </p:cxnSp>
+      <p:cxnSp>
+        <p:nvCxnSpPr>
+          <p:cNvPr id="150" name="Straight Connector 149"/>
+          <p:cNvCxnSpPr/>
+          <p:nvPr/>
+        </p:nvCxnSpPr>
+        <p:spPr>
+          <a:xfrm rot="5400000">
+            <a:off x="3771900" y="2857500"/>
+            <a:ext cx="1600994" cy="794"/>
+          </a:xfrm>
+          <a:prstGeom prst="line">
+            <a:avLst/>
+          </a:prstGeom>
+          <a:ln>
+            <a:prstDash val="dash"/>
+          </a:ln>
+        </p:spPr>
+        <p:style>
+          <a:lnRef idx="1">
+            <a:schemeClr val="accent1"/>
+          </a:lnRef>
+          <a:fillRef idx="0">
+            <a:schemeClr val="accent1"/>
+          </a:fillRef>
+          <a:effectRef idx="0">
+            <a:schemeClr val="accent1"/>
+          </a:effectRef>
+          <a:fontRef idx="minor">
+            <a:schemeClr val="tx1"/>
+          </a:fontRef>
+        </p:style>
+      </p:cxnSp>
+      <p:cxnSp>
+        <p:nvCxnSpPr>
+          <p:cNvPr id="151" name="Straight Connector 150"/>
+          <p:cNvCxnSpPr/>
+          <p:nvPr/>
+        </p:nvCxnSpPr>
+        <p:spPr>
+          <a:xfrm rot="5400000">
+            <a:off x="4076700" y="2857500"/>
+            <a:ext cx="1600994" cy="794"/>
+          </a:xfrm>
+          <a:prstGeom prst="line">
+            <a:avLst/>
+          </a:prstGeom>
+          <a:ln>
+            <a:prstDash val="dash"/>
+          </a:ln>
+        </p:spPr>
+        <p:style>
+          <a:lnRef idx="1">
+            <a:schemeClr val="accent1"/>
+          </a:lnRef>
+          <a:fillRef idx="0">
+            <a:schemeClr val="accent1"/>
+          </a:fillRef>
+          <a:effectRef idx="0">
+            <a:schemeClr val="accent1"/>
+          </a:effectRef>
+          <a:fontRef idx="minor">
+            <a:schemeClr val="tx1"/>
+          </a:fontRef>
+        </p:style>
+      </p:cxnSp>
+      <p:cxnSp>
+        <p:nvCxnSpPr>
+          <p:cNvPr id="152" name="Straight Connector 151"/>
+          <p:cNvCxnSpPr/>
+          <p:nvPr/>
+        </p:nvCxnSpPr>
+        <p:spPr>
+          <a:xfrm rot="5400000">
+            <a:off x="4381500" y="2857500"/>
+            <a:ext cx="1600994" cy="794"/>
+          </a:xfrm>
+          <a:prstGeom prst="line">
+            <a:avLst/>
+          </a:prstGeom>
+          <a:ln>
+            <a:prstDash val="dash"/>
+          </a:ln>
+        </p:spPr>
+        <p:style>
+          <a:lnRef idx="1">
+            <a:schemeClr val="accent1"/>
+          </a:lnRef>
+          <a:fillRef idx="0">
+            <a:schemeClr val="accent1"/>
+          </a:fillRef>
+          <a:effectRef idx="0">
+            <a:schemeClr val="accent1"/>
+          </a:effectRef>
+          <a:fontRef idx="minor">
+            <a:schemeClr val="tx1"/>
+          </a:fontRef>
+        </p:style>
+      </p:cxnSp>
+      <p:cxnSp>
+        <p:nvCxnSpPr>
+          <p:cNvPr id="153" name="Straight Connector 152"/>
+          <p:cNvCxnSpPr/>
+          <p:nvPr/>
+        </p:nvCxnSpPr>
+        <p:spPr>
+          <a:xfrm rot="10800000">
+            <a:off x="3352800" y="3352800"/>
+            <a:ext cx="1905000" cy="1588"/>
+          </a:xfrm>
+          <a:prstGeom prst="line">
+            <a:avLst/>
+          </a:prstGeom>
+          <a:ln>
+            <a:prstDash val="dash"/>
+          </a:ln>
+        </p:spPr>
+        <p:style>
+          <a:lnRef idx="1">
+            <a:schemeClr val="accent1"/>
+          </a:lnRef>
+          <a:fillRef idx="0">
+            <a:schemeClr val="accent1"/>
+          </a:fillRef>
+          <a:effectRef idx="0">
+            <a:schemeClr val="accent1"/>
+          </a:effectRef>
+          <a:fontRef idx="minor">
+            <a:schemeClr val="tx1"/>
+          </a:fontRef>
+        </p:style>
+      </p:cxnSp>
+      <p:cxnSp>
+        <p:nvCxnSpPr>
+          <p:cNvPr id="154" name="Straight Connector 153"/>
+          <p:cNvCxnSpPr/>
+          <p:nvPr/>
+        </p:nvCxnSpPr>
+        <p:spPr>
+          <a:xfrm rot="10800000">
+            <a:off x="3352800" y="3048000"/>
+            <a:ext cx="1905000" cy="1588"/>
+          </a:xfrm>
+          <a:prstGeom prst="line">
+            <a:avLst/>
+          </a:prstGeom>
+          <a:ln>
+            <a:prstDash val="dash"/>
+          </a:ln>
+        </p:spPr>
+        <p:style>
+          <a:lnRef idx="1">
+            <a:schemeClr val="accent1"/>
+          </a:lnRef>
+          <a:fillRef idx="0">
+            <a:schemeClr val="accent1"/>
+          </a:fillRef>
+          <a:effectRef idx="0">
+            <a:schemeClr val="accent1"/>
+          </a:effectRef>
+          <a:fontRef idx="minor">
+            <a:schemeClr val="tx1"/>
+          </a:fontRef>
+        </p:style>
+      </p:cxnSp>
+      <p:cxnSp>
+        <p:nvCxnSpPr>
+          <p:cNvPr id="155" name="Straight Connector 154"/>
+          <p:cNvCxnSpPr/>
+          <p:nvPr/>
+        </p:nvCxnSpPr>
+        <p:spPr>
+          <a:xfrm rot="10800000">
+            <a:off x="3352800" y="2743200"/>
+            <a:ext cx="1905000" cy="1588"/>
+          </a:xfrm>
+          <a:prstGeom prst="line">
+            <a:avLst/>
+          </a:prstGeom>
+          <a:ln>
+            <a:prstDash val="dash"/>
+          </a:ln>
+        </p:spPr>
+        <p:style>
+          <a:lnRef idx="1">
+            <a:schemeClr val="accent1"/>
+          </a:lnRef>
+          <a:fillRef idx="0">
+            <a:schemeClr val="accent1"/>
+          </a:fillRef>
+          <a:effectRef idx="0">
+            <a:schemeClr val="accent1"/>
+          </a:effectRef>
+          <a:fontRef idx="minor">
+            <a:schemeClr val="tx1"/>
+          </a:fontRef>
+        </p:style>
+      </p:cxnSp>
+      <p:cxnSp>
+        <p:nvCxnSpPr>
+          <p:cNvPr id="156" name="Straight Connector 155"/>
+          <p:cNvCxnSpPr/>
+          <p:nvPr/>
+        </p:nvCxnSpPr>
+        <p:spPr>
+          <a:xfrm rot="10800000">
+            <a:off x="3352800" y="2438400"/>
+            <a:ext cx="1905000" cy="1588"/>
+          </a:xfrm>
+          <a:prstGeom prst="line">
+            <a:avLst/>
+          </a:prstGeom>
+          <a:ln>
+            <a:prstDash val="dash"/>
+          </a:ln>
+        </p:spPr>
+        <p:style>
+          <a:lnRef idx="1">
+            <a:schemeClr val="accent1"/>
+          </a:lnRef>
+          <a:fillRef idx="0">
+            <a:schemeClr val="accent1"/>
+          </a:fillRef>
+          <a:effectRef idx="0">
+            <a:schemeClr val="accent1"/>
+          </a:effectRef>
+          <a:fontRef idx="minor">
+            <a:schemeClr val="tx1"/>
+          </a:fontRef>
+        </p:style>
+      </p:cxnSp>
+      <p:cxnSp>
+        <p:nvCxnSpPr>
+          <p:cNvPr id="157" name="Straight Connector 156"/>
+          <p:cNvCxnSpPr/>
+          <p:nvPr/>
+        </p:nvCxnSpPr>
+        <p:spPr>
+          <a:xfrm rot="10800000">
+            <a:off x="3352800" y="2133600"/>
+            <a:ext cx="1905000" cy="1588"/>
+          </a:xfrm>
+          <a:prstGeom prst="line">
+            <a:avLst/>
+          </a:prstGeom>
+          <a:ln>
+            <a:prstDash val="dash"/>
+          </a:ln>
+        </p:spPr>
+        <p:style>
+          <a:lnRef idx="1">
+            <a:schemeClr val="accent1"/>
+          </a:lnRef>
+          <a:fillRef idx="0">
+            <a:schemeClr val="accent1"/>
+          </a:fillRef>
+          <a:effectRef idx="0">
+            <a:schemeClr val="accent1"/>
+          </a:effectRef>
+          <a:fontRef idx="minor">
+            <a:schemeClr val="tx1"/>
+          </a:fontRef>
+        </p:style>
+      </p:cxnSp>
+      <p:sp>
+        <p:nvSpPr>
+          <p:cNvPr id="158" name="Rectangle 157"/>
+          <p:cNvSpPr/>
+          <p:nvPr/>
+        </p:nvSpPr>
+        <p:spPr>
+          <a:xfrm>
+            <a:off x="5334000" y="2133600"/>
+            <a:ext cx="76200" cy="1371600"/>
+          </a:xfrm>
+          <a:prstGeom prst="rect">
+            <a:avLst/>
+          </a:prstGeom>
+          <a:gradFill>
+            <a:gsLst>
+              <a:gs pos="0">
+                <a:srgbClr val="FF0000"/>
+              </a:gs>
+              <a:gs pos="50000">
+                <a:schemeClr val="tx2">
+                  <a:lumMod val="60000"/>
+                  <a:lumOff val="40000"/>
+                </a:schemeClr>
+              </a:gs>
+              <a:gs pos="100000">
+                <a:schemeClr val="accent1">
+                  <a:tint val="23500"/>
+                  <a:satMod val="160000"/>
+                </a:schemeClr>
+              </a:gs>
+            </a:gsLst>
+            <a:lin ang="5400000" scaled="0"/>
+          </a:gradFill>
+          <a:ln w="6350"/>
+        </p:spPr>
+        <p:style>
+          <a:lnRef idx="2">
+            <a:schemeClr val="dk1"/>
+          </a:lnRef>
+          <a:fillRef idx="1">
+            <a:schemeClr val="lt1"/>
+          </a:fillRef>
+          <a:effectRef idx="0">
+            <a:schemeClr val="dk1"/>
+          </a:effectRef>
+          <a:fontRef idx="minor">
+            <a:schemeClr val="dk1"/>
+          </a:fontRef>
+        </p:style>
+        <p:txBody>
+          <a:bodyPr rtlCol="0" anchor="ctr"/>
+          <a:lstStyle/>
+          <a:p>
+            <a:pPr algn="ctr"/>
+            <a:endParaRPr lang="en-US"/>
+          </a:p>
+        </p:txBody>
+      </p:sp>
+      <p:cxnSp>
+        <p:nvCxnSpPr>
+          <p:cNvPr id="159" name="Straight Connector 158"/>
+          <p:cNvCxnSpPr/>
+          <p:nvPr/>
+        </p:nvCxnSpPr>
+        <p:spPr>
+          <a:xfrm rot="10800000">
+            <a:off x="5410200" y="2209800"/>
+            <a:ext cx="76200" cy="1588"/>
+          </a:xfrm>
+          <a:prstGeom prst="line">
+            <a:avLst/>
+          </a:prstGeom>
+          <a:ln>
+            <a:solidFill>
+              <a:schemeClr val="tx1"/>
+            </a:solidFill>
+          </a:ln>
+        </p:spPr>
+        <p:style>
+          <a:lnRef idx="1">
+            <a:schemeClr val="accent1"/>
+          </a:lnRef>
+          <a:fillRef idx="0">
+            <a:schemeClr val="accent1"/>
+          </a:fillRef>
+          <a:effectRef idx="0">
+            <a:schemeClr val="accent1"/>
+          </a:effectRef>
+          <a:fontRef idx="minor">
+            <a:schemeClr val="tx1"/>
+          </a:fontRef>
+        </p:style>
+      </p:cxnSp>
+      <p:cxnSp>
+        <p:nvCxnSpPr>
+          <p:cNvPr id="160" name="Straight Connector 159"/>
+          <p:cNvCxnSpPr/>
+          <p:nvPr/>
+        </p:nvCxnSpPr>
+        <p:spPr>
+          <a:xfrm rot="10800000">
+            <a:off x="5410200" y="2360612"/>
+            <a:ext cx="76200" cy="1588"/>
+          </a:xfrm>
+          <a:prstGeom prst="line">
+            <a:avLst/>
+          </a:prstGeom>
+          <a:ln>
+            <a:solidFill>
+              <a:schemeClr val="tx1"/>
+            </a:solidFill>
+          </a:ln>
+        </p:spPr>
+        <p:style>
+          <a:lnRef idx="1">
+            <a:schemeClr val="accent1"/>
+          </a:lnRef>
+          <a:fillRef idx="0">
+            <a:schemeClr val="accent1"/>
+          </a:fillRef>
+          <a:effectRef idx="0">
+            <a:schemeClr val="accent1"/>
+          </a:effectRef>
+          <a:fontRef idx="minor">
+            <a:schemeClr val="tx1"/>
+          </a:fontRef>
+        </p:style>
+      </p:cxnSp>
+      <p:cxnSp>
+        <p:nvCxnSpPr>
+          <p:cNvPr id="161" name="Straight Connector 160"/>
+          <p:cNvCxnSpPr/>
+          <p:nvPr/>
+        </p:nvCxnSpPr>
+        <p:spPr>
+          <a:xfrm rot="10800000">
+            <a:off x="5410200" y="3122612"/>
+            <a:ext cx="76200" cy="1588"/>
+          </a:xfrm>
+          <a:prstGeom prst="line">
+            <a:avLst/>
+          </a:prstGeom>
+          <a:ln>
+            <a:solidFill>
+              <a:schemeClr val="tx1"/>
+            </a:solidFill>
+          </a:ln>
+        </p:spPr>
+        <p:style>
+          <a:lnRef idx="1">
+            <a:schemeClr val="accent1"/>
+          </a:lnRef>
+          <a:fillRef idx="0">
+            <a:schemeClr val="accent1"/>
+          </a:fillRef>
+          <a:effectRef idx="0">
+            <a:schemeClr val="accent1"/>
+          </a:effectRef>
+          <a:fontRef idx="minor">
+            <a:schemeClr val="tx1"/>
+          </a:fontRef>
+        </p:style>
+      </p:cxnSp>
+      <p:cxnSp>
+        <p:nvCxnSpPr>
+          <p:cNvPr id="162" name="Straight Connector 161"/>
+          <p:cNvCxnSpPr/>
+          <p:nvPr/>
+        </p:nvCxnSpPr>
+        <p:spPr>
+          <a:xfrm rot="10800000">
+            <a:off x="5410200" y="2514600"/>
+            <a:ext cx="76200" cy="1588"/>
+          </a:xfrm>
+          <a:prstGeom prst="line">
+            <a:avLst/>
+          </a:prstGeom>
+          <a:ln>
+            <a:solidFill>
+              <a:schemeClr val="tx1"/>
+            </a:solidFill>
+          </a:ln>
+        </p:spPr>
+        <p:style>
+          <a:lnRef idx="1">
+            <a:schemeClr val="accent1"/>
+          </a:lnRef>
+          <a:fillRef idx="0">
+            <a:schemeClr val="accent1"/>
+          </a:fillRef>
+          <a:effectRef idx="0">
+            <a:schemeClr val="accent1"/>
+          </a:effectRef>
+          <a:fontRef idx="minor">
+            <a:schemeClr val="tx1"/>
+          </a:fontRef>
+        </p:style>
+      </p:cxnSp>
+      <p:cxnSp>
+        <p:nvCxnSpPr>
+          <p:cNvPr id="163" name="Straight Connector 162"/>
+          <p:cNvCxnSpPr/>
+          <p:nvPr/>
+        </p:nvCxnSpPr>
+        <p:spPr>
+          <a:xfrm rot="10800000">
+            <a:off x="5410200" y="2665412"/>
+            <a:ext cx="76200" cy="1588"/>
+          </a:xfrm>
+          <a:prstGeom prst="line">
+            <a:avLst/>
+          </a:prstGeom>
+          <a:ln>
+            <a:solidFill>
+              <a:schemeClr val="tx1"/>
+            </a:solidFill>
+          </a:ln>
+        </p:spPr>
+        <p:style>
+          <a:lnRef idx="1">
+            <a:schemeClr val="accent1"/>
+          </a:lnRef>
+          <a:fillRef idx="0">
+            <a:schemeClr val="accent1"/>
+          </a:fillRef>
+          <a:effectRef idx="0">
+            <a:schemeClr val="accent1"/>
+          </a:effectRef>
+          <a:fontRef idx="minor">
+            <a:schemeClr val="tx1"/>
+          </a:fontRef>
+        </p:style>
+      </p:cxnSp>
+      <p:cxnSp>
+        <p:nvCxnSpPr>
+          <p:cNvPr id="164" name="Straight Connector 163"/>
+          <p:cNvCxnSpPr/>
+          <p:nvPr/>
+        </p:nvCxnSpPr>
+        <p:spPr>
+          <a:xfrm rot="10800000">
+            <a:off x="5410200" y="2819400"/>
+            <a:ext cx="76200" cy="1588"/>
+          </a:xfrm>
+          <a:prstGeom prst="line">
+            <a:avLst/>
+          </a:prstGeom>
+          <a:ln>
+            <a:solidFill>
+              <a:schemeClr val="tx1"/>
+            </a:solidFill>
+          </a:ln>
+        </p:spPr>
+        <p:style>
+          <a:lnRef idx="1">
+            <a:schemeClr val="accent1"/>
+          </a:lnRef>
+          <a:fillRef idx="0">
+            <a:schemeClr val="accent1"/>
+          </a:fillRef>
+          <a:effectRef idx="0">
+            <a:schemeClr val="accent1"/>
+          </a:effectRef>
+          <a:fontRef idx="minor">
+            <a:schemeClr val="tx1"/>
+          </a:fontRef>
+        </p:style>
+      </p:cxnSp>
+      <p:cxnSp>
+        <p:nvCxnSpPr>
+          <p:cNvPr id="165" name="Straight Connector 164"/>
+          <p:cNvCxnSpPr/>
+          <p:nvPr/>
+        </p:nvCxnSpPr>
+        <p:spPr>
+          <a:xfrm rot="10800000">
+            <a:off x="5410200" y="2971800"/>
+            <a:ext cx="76200" cy="1588"/>
+          </a:xfrm>
+          <a:prstGeom prst="line">
+            <a:avLst/>
+          </a:prstGeom>
+          <a:ln>
+            <a:solidFill>
+              <a:schemeClr val="tx1"/>
+            </a:solidFill>
+          </a:ln>
+        </p:spPr>
+        <p:style>
+          <a:lnRef idx="1">
+            <a:schemeClr val="accent1"/>
+          </a:lnRef>
+          <a:fillRef idx="0">
+            <a:schemeClr val="accent1"/>
+          </a:fillRef>
+          <a:effectRef idx="0">
+            <a:schemeClr val="accent1"/>
+          </a:effectRef>
+          <a:fontRef idx="minor">
+            <a:schemeClr val="tx1"/>
+          </a:fontRef>
+        </p:style>
+      </p:cxnSp>
+      <p:cxnSp>
+        <p:nvCxnSpPr>
+          <p:cNvPr id="166" name="Straight Connector 165"/>
+          <p:cNvCxnSpPr/>
+          <p:nvPr/>
+        </p:nvCxnSpPr>
+        <p:spPr>
+          <a:xfrm rot="10800000">
+            <a:off x="5410200" y="3275012"/>
+            <a:ext cx="76200" cy="1588"/>
+          </a:xfrm>
+          <a:prstGeom prst="line">
+            <a:avLst/>
+          </a:prstGeom>
+          <a:ln>
+            <a:solidFill>
+              <a:schemeClr val="tx1"/>
+            </a:solidFill>
+          </a:ln>
+        </p:spPr>
+        <p:style>
+          <a:lnRef idx="1">
+            <a:schemeClr val="accent1"/>
+          </a:lnRef>
+          <a:fillRef idx="0">
+            <a:schemeClr val="accent1"/>
+          </a:fillRef>
+          <a:effectRef idx="0">
+            <a:schemeClr val="accent1"/>
+          </a:effectRef>
+          <a:fontRef idx="minor">
+            <a:schemeClr val="tx1"/>
+          </a:fontRef>
+        </p:style>
+      </p:cxnSp>
+      <p:cxnSp>
+        <p:nvCxnSpPr>
+          <p:cNvPr id="167" name="Straight Connector 166"/>
+          <p:cNvCxnSpPr/>
+          <p:nvPr/>
+        </p:nvCxnSpPr>
+        <p:spPr>
+          <a:xfrm rot="10800000">
+            <a:off x="5410200" y="3429000"/>
+            <a:ext cx="76200" cy="1588"/>
+          </a:xfrm>
+          <a:prstGeom prst="line">
+            <a:avLst/>
+          </a:prstGeom>
+          <a:ln>
+            <a:solidFill>
+              <a:schemeClr val="tx1"/>
+            </a:solidFill>
+          </a:ln>
+        </p:spPr>
+        <p:style>
+          <a:lnRef idx="1">
+            <a:schemeClr val="accent1"/>
+          </a:lnRef>
+          <a:fillRef idx="0">
+            <a:schemeClr val="accent1"/>
+          </a:fillRef>
+          <a:effectRef idx="0">
+            <a:schemeClr val="accent1"/>
+          </a:effectRef>
+          <a:fontRef idx="minor">
+            <a:schemeClr val="tx1"/>
+          </a:fontRef>
+        </p:style>
+      </p:cxnSp>
+      <p:sp>
+        <p:nvSpPr>
+          <p:cNvPr id="168" name="Rectangle 167"/>
+          <p:cNvSpPr/>
+          <p:nvPr/>
+        </p:nvSpPr>
+        <p:spPr>
+          <a:xfrm>
+            <a:off x="5791200" y="4081790"/>
+            <a:ext cx="2590800" cy="1905000"/>
+          </a:xfrm>
+          <a:prstGeom prst="rect">
+            <a:avLst/>
+          </a:prstGeom>
+          <a:ln>
+            <a:prstDash val="dash"/>
+          </a:ln>
+        </p:spPr>
+        <p:style>
+          <a:lnRef idx="2">
+            <a:schemeClr val="dk1"/>
+          </a:lnRef>
+          <a:fillRef idx="1">
+            <a:schemeClr val="lt1"/>
+          </a:fillRef>
+          <a:effectRef idx="0">
+            <a:schemeClr val="dk1"/>
+          </a:effectRef>
+          <a:fontRef idx="minor">
+            <a:schemeClr val="dk1"/>
+          </a:fontRef>
+        </p:style>
+        <p:txBody>
+          <a:bodyPr rtlCol="0" anchor="ctr"/>
+          <a:lstStyle/>
+          <a:p>
+            <a:pPr algn="ctr"/>
+            <a:endParaRPr lang="en-US" sz="1400" dirty="0"/>
+          </a:p>
+        </p:txBody>
+      </p:sp>
+      <p:cxnSp>
+        <p:nvCxnSpPr>
+          <p:cNvPr id="169" name="Straight Connector 168"/>
+          <p:cNvCxnSpPr/>
+          <p:nvPr/>
+        </p:nvCxnSpPr>
+        <p:spPr>
+          <a:xfrm rot="10800000">
+            <a:off x="6096000" y="5756602"/>
+            <a:ext cx="2057400" cy="1588"/>
+          </a:xfrm>
+          <a:prstGeom prst="line">
+            <a:avLst/>
+          </a:prstGeom>
+          <a:ln w="12700">
+            <a:solidFill>
+              <a:schemeClr val="tx1"/>
+            </a:solidFill>
+          </a:ln>
+        </p:spPr>
+        <p:style>
+          <a:lnRef idx="1">
+            <a:schemeClr val="accent1"/>
+          </a:lnRef>
+          <a:fillRef idx="0">
+            <a:schemeClr val="accent1"/>
+          </a:fillRef>
+          <a:effectRef idx="0">
+            <a:schemeClr val="accent1"/>
+          </a:effectRef>
+          <a:fontRef idx="minor">
+            <a:schemeClr val="tx1"/>
+          </a:fontRef>
+        </p:style>
+      </p:cxnSp>
+      <p:cxnSp>
+        <p:nvCxnSpPr>
+          <p:cNvPr id="170" name="Straight Connector 169"/>
+          <p:cNvCxnSpPr/>
+          <p:nvPr/>
+        </p:nvCxnSpPr>
+        <p:spPr>
+          <a:xfrm rot="5400000">
+            <a:off x="5295900" y="4958090"/>
+            <a:ext cx="1600200" cy="1588"/>
+          </a:xfrm>
+          <a:prstGeom prst="line">
+            <a:avLst/>
+          </a:prstGeom>
+          <a:ln w="12700">
+            <a:solidFill>
+              <a:schemeClr val="tx1"/>
+            </a:solidFill>
+          </a:ln>
+        </p:spPr>
+        <p:style>
+          <a:lnRef idx="1">
+            <a:schemeClr val="accent1"/>
+          </a:lnRef>
+          <a:fillRef idx="0">
+            <a:schemeClr val="accent1"/>
+          </a:fillRef>
+          <a:effectRef idx="0">
+            <a:schemeClr val="accent1"/>
+          </a:effectRef>
+          <a:fontRef idx="minor">
+            <a:schemeClr val="tx1"/>
+          </a:fontRef>
+        </p:style>
+      </p:cxnSp>
+      <p:sp>
+        <p:nvSpPr>
+          <p:cNvPr id="171" name="TextBox 170"/>
+          <p:cNvSpPr txBox="1"/>
+          <p:nvPr/>
+        </p:nvSpPr>
+        <p:spPr>
+          <a:xfrm rot="16200000">
+            <a:off x="5579106" y="4903485"/>
+            <a:ext cx="685799" cy="261610"/>
+          </a:xfrm>
+          <a:prstGeom prst="rect">
+            <a:avLst/>
+          </a:prstGeom>
+          <a:noFill/>
+        </p:spPr>
+        <p:txBody>
+          <a:bodyPr vert="horz" wrap="square" rtlCol="0">
+            <a:spAutoFit/>
+          </a:bodyPr>
+          <a:lstStyle/>
+          <a:p>
+            <a:pPr algn="r"/>
+            <a:r>
+              <a:rPr lang="en-US" sz="1100" b="1" dirty="0" err="1" smtClean="0"/>
+              <a:t>Efine</a:t>
+            </a:r>
+            <a:endParaRPr lang="en-US" sz="1100" b="1" dirty="0"/>
+          </a:p>
+        </p:txBody>
+      </p:sp>
+      <p:sp>
+        <p:nvSpPr>
+          <p:cNvPr id="172" name="TextBox 171"/>
+          <p:cNvSpPr txBox="1"/>
+          <p:nvPr/>
+        </p:nvSpPr>
+        <p:spPr>
+          <a:xfrm>
+            <a:off x="6781800" y="5758190"/>
+            <a:ext cx="762000" cy="261610"/>
+          </a:xfrm>
+          <a:prstGeom prst="rect">
+            <a:avLst/>
+          </a:prstGeom>
+          <a:noFill/>
+        </p:spPr>
+        <p:txBody>
+          <a:bodyPr vert="horz" wrap="square" rtlCol="0">
+            <a:spAutoFit/>
+          </a:bodyPr>
+          <a:lstStyle/>
+          <a:p>
+            <a:r>
+              <a:rPr lang="en-US" sz="1100" b="1" dirty="0" smtClean="0"/>
+              <a:t>Channels</a:t>
+            </a:r>
+            <a:endParaRPr lang="en-US" sz="1100" b="1" dirty="0"/>
+          </a:p>
+        </p:txBody>
+      </p:sp>
+      <p:cxnSp>
+        <p:nvCxnSpPr>
+          <p:cNvPr id="173" name="Straight Connector 172"/>
+          <p:cNvCxnSpPr/>
+          <p:nvPr/>
+        </p:nvCxnSpPr>
+        <p:spPr>
+          <a:xfrm rot="5400000">
+            <a:off x="4991100" y="4958090"/>
+            <a:ext cx="1600994" cy="794"/>
+          </a:xfrm>
+          <a:prstGeom prst="line">
+            <a:avLst/>
+          </a:prstGeom>
+          <a:ln>
+            <a:prstDash val="dash"/>
+          </a:ln>
+        </p:spPr>
+        <p:style>
+          <a:lnRef idx="1">
+            <a:schemeClr val="accent1"/>
+          </a:lnRef>
+          <a:fillRef idx="0">
+            <a:schemeClr val="accent1"/>
+          </a:fillRef>
+          <a:effectRef idx="0">
+            <a:schemeClr val="accent1"/>
+          </a:effectRef>
+          <a:fontRef idx="minor">
+            <a:schemeClr val="tx1"/>
+          </a:fontRef>
+        </p:style>
+      </p:cxnSp>
+      <p:cxnSp>
+        <p:nvCxnSpPr>
+          <p:cNvPr id="174" name="Straight Connector 173"/>
+          <p:cNvCxnSpPr/>
+          <p:nvPr/>
+        </p:nvCxnSpPr>
+        <p:spPr>
+          <a:xfrm rot="5400000">
+            <a:off x="5600700" y="4958090"/>
+            <a:ext cx="1600994" cy="794"/>
+          </a:xfrm>
+          <a:prstGeom prst="line">
+            <a:avLst/>
+          </a:prstGeom>
+          <a:ln>
+            <a:prstDash val="dash"/>
+          </a:ln>
+        </p:spPr>
+        <p:style>
+          <a:lnRef idx="1">
+            <a:schemeClr val="accent1"/>
+          </a:lnRef>
+          <a:fillRef idx="0">
+            <a:schemeClr val="accent1"/>
+          </a:fillRef>
+          <a:effectRef idx="0">
+            <a:schemeClr val="accent1"/>
+          </a:effectRef>
+          <a:fontRef idx="minor">
+            <a:schemeClr val="tx1"/>
+          </a:fontRef>
+        </p:style>
+      </p:cxnSp>
+      <p:cxnSp>
+        <p:nvCxnSpPr>
+          <p:cNvPr id="175" name="Straight Connector 174"/>
+          <p:cNvCxnSpPr/>
+          <p:nvPr/>
+        </p:nvCxnSpPr>
+        <p:spPr>
+          <a:xfrm rot="5400000">
+            <a:off x="5905500" y="4958090"/>
+            <a:ext cx="1600994" cy="794"/>
+          </a:xfrm>
+          <a:prstGeom prst="line">
+            <a:avLst/>
+          </a:prstGeom>
+          <a:ln>
+            <a:prstDash val="dash"/>
+          </a:ln>
+        </p:spPr>
+        <p:style>
+          <a:lnRef idx="1">
+            <a:schemeClr val="accent1"/>
+          </a:lnRef>
+          <a:fillRef idx="0">
+            <a:schemeClr val="accent1"/>
+          </a:fillRef>
+          <a:effectRef idx="0">
+            <a:schemeClr val="accent1"/>
+          </a:effectRef>
+          <a:fontRef idx="minor">
+            <a:schemeClr val="tx1"/>
+          </a:fontRef>
+        </p:style>
+      </p:cxnSp>
+      <p:cxnSp>
+        <p:nvCxnSpPr>
+          <p:cNvPr id="176" name="Straight Connector 175"/>
+          <p:cNvCxnSpPr/>
+          <p:nvPr/>
+        </p:nvCxnSpPr>
+        <p:spPr>
+          <a:xfrm rot="5400000">
+            <a:off x="6210300" y="4958090"/>
+            <a:ext cx="1600994" cy="794"/>
+          </a:xfrm>
+          <a:prstGeom prst="line">
+            <a:avLst/>
+          </a:prstGeom>
+          <a:ln>
+            <a:prstDash val="dash"/>
+          </a:ln>
+        </p:spPr>
+        <p:style>
+          <a:lnRef idx="1">
+            <a:schemeClr val="accent1"/>
+          </a:lnRef>
+          <a:fillRef idx="0">
+            <a:schemeClr val="accent1"/>
+          </a:fillRef>
+          <a:effectRef idx="0">
+            <a:schemeClr val="accent1"/>
+          </a:effectRef>
+          <a:fontRef idx="minor">
+            <a:schemeClr val="tx1"/>
+          </a:fontRef>
+        </p:style>
+      </p:cxnSp>
+      <p:cxnSp>
+        <p:nvCxnSpPr>
+          <p:cNvPr id="177" name="Straight Connector 176"/>
+          <p:cNvCxnSpPr/>
+          <p:nvPr/>
+        </p:nvCxnSpPr>
+        <p:spPr>
+          <a:xfrm rot="5400000">
+            <a:off x="6515100" y="4958090"/>
+            <a:ext cx="1600994" cy="794"/>
+          </a:xfrm>
+          <a:prstGeom prst="line">
+            <a:avLst/>
+          </a:prstGeom>
+          <a:ln>
+            <a:prstDash val="dash"/>
+          </a:ln>
+        </p:spPr>
+        <p:style>
+          <a:lnRef idx="1">
+            <a:schemeClr val="accent1"/>
+          </a:lnRef>
+          <a:fillRef idx="0">
+            <a:schemeClr val="accent1"/>
+          </a:fillRef>
+          <a:effectRef idx="0">
+            <a:schemeClr val="accent1"/>
+          </a:effectRef>
+          <a:fontRef idx="minor">
+            <a:schemeClr val="tx1"/>
+          </a:fontRef>
+        </p:style>
+      </p:cxnSp>
+      <p:cxnSp>
+        <p:nvCxnSpPr>
+          <p:cNvPr id="178" name="Straight Connector 177"/>
+          <p:cNvCxnSpPr/>
+          <p:nvPr/>
+        </p:nvCxnSpPr>
+        <p:spPr>
+          <a:xfrm rot="5400000">
+            <a:off x="6819900" y="4958090"/>
+            <a:ext cx="1600994" cy="794"/>
+          </a:xfrm>
+          <a:prstGeom prst="line">
+            <a:avLst/>
+          </a:prstGeom>
+          <a:ln>
+            <a:prstDash val="dash"/>
+          </a:ln>
+        </p:spPr>
+        <p:style>
+          <a:lnRef idx="1">
+            <a:schemeClr val="accent1"/>
+          </a:lnRef>
+          <a:fillRef idx="0">
+            <a:schemeClr val="accent1"/>
+          </a:fillRef>
+          <a:effectRef idx="0">
+            <a:schemeClr val="accent1"/>
+          </a:effectRef>
+          <a:fontRef idx="minor">
+            <a:schemeClr val="tx1"/>
+          </a:fontRef>
+        </p:style>
+      </p:cxnSp>
+      <p:cxnSp>
+        <p:nvCxnSpPr>
+          <p:cNvPr id="179" name="Straight Connector 178"/>
+          <p:cNvCxnSpPr/>
+          <p:nvPr/>
+        </p:nvCxnSpPr>
+        <p:spPr>
+          <a:xfrm rot="5400000">
+            <a:off x="7124700" y="4958090"/>
+            <a:ext cx="1600994" cy="794"/>
+          </a:xfrm>
+          <a:prstGeom prst="line">
+            <a:avLst/>
+          </a:prstGeom>
+          <a:ln>
+            <a:prstDash val="dash"/>
+          </a:ln>
+        </p:spPr>
+        <p:style>
+          <a:lnRef idx="1">
+            <a:schemeClr val="accent1"/>
+          </a:lnRef>
+          <a:fillRef idx="0">
+            <a:schemeClr val="accent1"/>
+          </a:fillRef>
+          <a:effectRef idx="0">
+            <a:schemeClr val="accent1"/>
+          </a:effectRef>
+          <a:fontRef idx="minor">
+            <a:schemeClr val="tx1"/>
+          </a:fontRef>
+        </p:style>
+      </p:cxnSp>
+      <p:cxnSp>
+        <p:nvCxnSpPr>
+          <p:cNvPr id="180" name="Straight Connector 179"/>
+          <p:cNvCxnSpPr/>
+          <p:nvPr/>
+        </p:nvCxnSpPr>
+        <p:spPr>
+          <a:xfrm rot="10800000">
+            <a:off x="6096000" y="5453390"/>
+            <a:ext cx="1905000" cy="1588"/>
+          </a:xfrm>
+          <a:prstGeom prst="line">
+            <a:avLst/>
+          </a:prstGeom>
+          <a:ln>
+            <a:prstDash val="dash"/>
+          </a:ln>
+        </p:spPr>
+        <p:style>
+          <a:lnRef idx="1">
+            <a:schemeClr val="accent1"/>
+          </a:lnRef>
+          <a:fillRef idx="0">
+            <a:schemeClr val="accent1"/>
+          </a:fillRef>
+          <a:effectRef idx="0">
+            <a:schemeClr val="accent1"/>
+          </a:effectRef>
+          <a:fontRef idx="minor">
+            <a:schemeClr val="tx1"/>
+          </a:fontRef>
+        </p:style>
+      </p:cxnSp>
+      <p:cxnSp>
+        <p:nvCxnSpPr>
+          <p:cNvPr id="181" name="Straight Connector 180"/>
+          <p:cNvCxnSpPr/>
+          <p:nvPr/>
+        </p:nvCxnSpPr>
+        <p:spPr>
+          <a:xfrm rot="10800000">
+            <a:off x="6096000" y="5148590"/>
+            <a:ext cx="1905000" cy="1588"/>
+          </a:xfrm>
+          <a:prstGeom prst="line">
+            <a:avLst/>
+          </a:prstGeom>
+          <a:ln>
+            <a:prstDash val="dash"/>
+          </a:ln>
+        </p:spPr>
+        <p:style>
+          <a:lnRef idx="1">
+            <a:schemeClr val="accent1"/>
+          </a:lnRef>
+          <a:fillRef idx="0">
+            <a:schemeClr val="accent1"/>
+          </a:fillRef>
+          <a:effectRef idx="0">
+            <a:schemeClr val="accent1"/>
+          </a:effectRef>
+          <a:fontRef idx="minor">
+            <a:schemeClr val="tx1"/>
+          </a:fontRef>
+        </p:style>
+      </p:cxnSp>
+      <p:cxnSp>
+        <p:nvCxnSpPr>
+          <p:cNvPr id="182" name="Straight Connector 181"/>
+          <p:cNvCxnSpPr/>
+          <p:nvPr/>
+        </p:nvCxnSpPr>
+        <p:spPr>
+          <a:xfrm rot="10800000">
+            <a:off x="6096000" y="4843790"/>
+            <a:ext cx="1905000" cy="1588"/>
+          </a:xfrm>
+          <a:prstGeom prst="line">
+            <a:avLst/>
+          </a:prstGeom>
+          <a:ln>
+            <a:prstDash val="dash"/>
+          </a:ln>
+        </p:spPr>
+        <p:style>
+          <a:lnRef idx="1">
+            <a:schemeClr val="accent1"/>
+          </a:lnRef>
+          <a:fillRef idx="0">
+            <a:schemeClr val="accent1"/>
+          </a:fillRef>
+          <a:effectRef idx="0">
+            <a:schemeClr val="accent1"/>
+          </a:effectRef>
+          <a:fontRef idx="minor">
+            <a:schemeClr val="tx1"/>
+          </a:fontRef>
+        </p:style>
+      </p:cxnSp>
+      <p:cxnSp>
+        <p:nvCxnSpPr>
+          <p:cNvPr id="183" name="Straight Connector 182"/>
+          <p:cNvCxnSpPr/>
+          <p:nvPr/>
+        </p:nvCxnSpPr>
+        <p:spPr>
+          <a:xfrm rot="10800000">
+            <a:off x="6096000" y="4538990"/>
+            <a:ext cx="1905000" cy="1588"/>
+          </a:xfrm>
+          <a:prstGeom prst="line">
+            <a:avLst/>
+          </a:prstGeom>
+          <a:ln>
+            <a:prstDash val="dash"/>
+          </a:ln>
+        </p:spPr>
+        <p:style>
+          <a:lnRef idx="1">
+            <a:schemeClr val="accent1"/>
+          </a:lnRef>
+          <a:fillRef idx="0">
+            <a:schemeClr val="accent1"/>
+          </a:fillRef>
+          <a:effectRef idx="0">
+            <a:schemeClr val="accent1"/>
+          </a:effectRef>
+          <a:fontRef idx="minor">
+            <a:schemeClr val="tx1"/>
+          </a:fontRef>
+        </p:style>
+      </p:cxnSp>
+      <p:cxnSp>
+        <p:nvCxnSpPr>
+          <p:cNvPr id="184" name="Straight Connector 183"/>
+          <p:cNvCxnSpPr/>
+          <p:nvPr/>
+        </p:nvCxnSpPr>
+        <p:spPr>
+          <a:xfrm rot="10800000">
+            <a:off x="6096000" y="4234190"/>
+            <a:ext cx="1905000" cy="1588"/>
+          </a:xfrm>
+          <a:prstGeom prst="line">
+            <a:avLst/>
+          </a:prstGeom>
+          <a:ln>
+            <a:prstDash val="dash"/>
+          </a:ln>
+        </p:spPr>
+        <p:style>
+          <a:lnRef idx="1">
+            <a:schemeClr val="accent1"/>
+          </a:lnRef>
+          <a:fillRef idx="0">
+            <a:schemeClr val="accent1"/>
+          </a:fillRef>
+          <a:effectRef idx="0">
+            <a:schemeClr val="accent1"/>
+          </a:effectRef>
+          <a:fontRef idx="minor">
+            <a:schemeClr val="tx1"/>
+          </a:fontRef>
+        </p:style>
+      </p:cxnSp>
+      <p:sp>
+        <p:nvSpPr>
+          <p:cNvPr id="185" name="Rectangle 184"/>
+          <p:cNvSpPr/>
+          <p:nvPr/>
+        </p:nvSpPr>
+        <p:spPr>
+          <a:xfrm>
+            <a:off x="8077200" y="4234190"/>
+            <a:ext cx="76200" cy="1371600"/>
+          </a:xfrm>
+          <a:prstGeom prst="rect">
+            <a:avLst/>
+          </a:prstGeom>
+          <a:gradFill>
+            <a:gsLst>
+              <a:gs pos="0">
+                <a:srgbClr val="FF0000"/>
+              </a:gs>
+              <a:gs pos="50000">
+                <a:schemeClr val="tx2">
+                  <a:lumMod val="60000"/>
+                  <a:lumOff val="40000"/>
+                </a:schemeClr>
+              </a:gs>
+              <a:gs pos="100000">
+                <a:schemeClr val="accent1">
+                  <a:tint val="23500"/>
+                  <a:satMod val="160000"/>
+                </a:schemeClr>
+              </a:gs>
+            </a:gsLst>
+            <a:lin ang="5400000" scaled="0"/>
+          </a:gradFill>
+          <a:ln w="6350"/>
+        </p:spPr>
+        <p:style>
+          <a:lnRef idx="2">
+            <a:schemeClr val="dk1"/>
+          </a:lnRef>
+          <a:fillRef idx="1">
+            <a:schemeClr val="lt1"/>
+          </a:fillRef>
+          <a:effectRef idx="0">
+            <a:schemeClr val="dk1"/>
+          </a:effectRef>
+          <a:fontRef idx="minor">
+            <a:schemeClr val="dk1"/>
+          </a:fontRef>
+        </p:style>
+        <p:txBody>
+          <a:bodyPr rtlCol="0" anchor="ctr"/>
+          <a:lstStyle/>
+          <a:p>
+            <a:pPr algn="ctr"/>
+            <a:endParaRPr lang="en-US"/>
+          </a:p>
+        </p:txBody>
+      </p:sp>
+      <p:cxnSp>
+        <p:nvCxnSpPr>
+          <p:cNvPr id="186" name="Straight Connector 185"/>
+          <p:cNvCxnSpPr/>
+          <p:nvPr/>
+        </p:nvCxnSpPr>
+        <p:spPr>
+          <a:xfrm rot="10800000">
+            <a:off x="8153400" y="4310390"/>
+            <a:ext cx="76200" cy="1588"/>
+          </a:xfrm>
+          <a:prstGeom prst="line">
+            <a:avLst/>
+          </a:prstGeom>
+          <a:ln>
+            <a:solidFill>
+              <a:schemeClr val="tx1"/>
+            </a:solidFill>
+          </a:ln>
+        </p:spPr>
+        <p:style>
+          <a:lnRef idx="1">
+            <a:schemeClr val="accent1"/>
+          </a:lnRef>
+          <a:fillRef idx="0">
+            <a:schemeClr val="accent1"/>
+          </a:fillRef>
+          <a:effectRef idx="0">
+            <a:schemeClr val="accent1"/>
+          </a:effectRef>
+          <a:fontRef idx="minor">
+            <a:schemeClr val="tx1"/>
+          </a:fontRef>
+        </p:style>
+      </p:cxnSp>
+      <p:cxnSp>
+        <p:nvCxnSpPr>
+          <p:cNvPr id="187" name="Straight Connector 186"/>
+          <p:cNvCxnSpPr/>
+          <p:nvPr/>
+        </p:nvCxnSpPr>
+        <p:spPr>
+          <a:xfrm rot="10800000">
+            <a:off x="8153400" y="4461202"/>
+            <a:ext cx="76200" cy="1588"/>
+          </a:xfrm>
+          <a:prstGeom prst="line">
+            <a:avLst/>
+          </a:prstGeom>
+          <a:ln>
+            <a:solidFill>
+              <a:schemeClr val="tx1"/>
+            </a:solidFill>
+          </a:ln>
+        </p:spPr>
+        <p:style>
+          <a:lnRef idx="1">
+            <a:schemeClr val="accent1"/>
+          </a:lnRef>
+          <a:fillRef idx="0">
+            <a:schemeClr val="accent1"/>
+          </a:fillRef>
+          <a:effectRef idx="0">
+            <a:schemeClr val="accent1"/>
+          </a:effectRef>
+          <a:fontRef idx="minor">
+            <a:schemeClr val="tx1"/>
+          </a:fontRef>
+        </p:style>
+      </p:cxnSp>
+      <p:cxnSp>
+        <p:nvCxnSpPr>
+          <p:cNvPr id="188" name="Straight Connector 187"/>
+          <p:cNvCxnSpPr/>
+          <p:nvPr/>
+        </p:nvCxnSpPr>
+        <p:spPr>
+          <a:xfrm rot="10800000">
+            <a:off x="8153400" y="5223202"/>
+            <a:ext cx="76200" cy="1588"/>
+          </a:xfrm>
+          <a:prstGeom prst="line">
+            <a:avLst/>
+          </a:prstGeom>
+          <a:ln>
+            <a:solidFill>
+              <a:schemeClr val="tx1"/>
+            </a:solidFill>
+          </a:ln>
+        </p:spPr>
+        <p:style>
+          <a:lnRef idx="1">
+            <a:schemeClr val="accent1"/>
+          </a:lnRef>
+          <a:fillRef idx="0">
+            <a:schemeClr val="accent1"/>
+          </a:fillRef>
+          <a:effectRef idx="0">
+            <a:schemeClr val="accent1"/>
+          </a:effectRef>
+          <a:fontRef idx="minor">
+            <a:schemeClr val="tx1"/>
+          </a:fontRef>
+        </p:style>
+      </p:cxnSp>
+      <p:cxnSp>
+        <p:nvCxnSpPr>
+          <p:cNvPr id="189" name="Straight Connector 188"/>
+          <p:cNvCxnSpPr/>
+          <p:nvPr/>
+        </p:nvCxnSpPr>
+        <p:spPr>
+          <a:xfrm rot="10800000">
+            <a:off x="8153400" y="4615190"/>
+            <a:ext cx="76200" cy="1588"/>
+          </a:xfrm>
+          <a:prstGeom prst="line">
+            <a:avLst/>
+          </a:prstGeom>
+          <a:ln>
+            <a:solidFill>
+              <a:schemeClr val="tx1"/>
+            </a:solidFill>
+          </a:ln>
+        </p:spPr>
+        <p:style>
+          <a:lnRef idx="1">
+            <a:schemeClr val="accent1"/>
+          </a:lnRef>
+          <a:fillRef idx="0">
+            <a:schemeClr val="accent1"/>
+          </a:fillRef>
+          <a:effectRef idx="0">
+            <a:schemeClr val="accent1"/>
+          </a:effectRef>
+          <a:fontRef idx="minor">
+            <a:schemeClr val="tx1"/>
+          </a:fontRef>
+        </p:style>
+      </p:cxnSp>
+      <p:cxnSp>
+        <p:nvCxnSpPr>
+          <p:cNvPr id="190" name="Straight Connector 189"/>
+          <p:cNvCxnSpPr/>
+          <p:nvPr/>
+        </p:nvCxnSpPr>
+        <p:spPr>
+          <a:xfrm rot="10800000">
+            <a:off x="8153400" y="4766002"/>
+            <a:ext cx="76200" cy="1588"/>
+          </a:xfrm>
+          <a:prstGeom prst="line">
+            <a:avLst/>
+          </a:prstGeom>
+          <a:ln>
+            <a:solidFill>
+              <a:schemeClr val="tx1"/>
+            </a:solidFill>
+          </a:ln>
+        </p:spPr>
+        <p:style>
+          <a:lnRef idx="1">
+            <a:schemeClr val="accent1"/>
+          </a:lnRef>
+          <a:fillRef idx="0">
+            <a:schemeClr val="accent1"/>
+          </a:fillRef>
+          <a:effectRef idx="0">
+            <a:schemeClr val="accent1"/>
+          </a:effectRef>
+          <a:fontRef idx="minor">
+            <a:schemeClr val="tx1"/>
+          </a:fontRef>
+        </p:style>
+      </p:cxnSp>
+      <p:cxnSp>
+        <p:nvCxnSpPr>
+          <p:cNvPr id="191" name="Straight Connector 190"/>
+          <p:cNvCxnSpPr/>
+          <p:nvPr/>
+        </p:nvCxnSpPr>
+        <p:spPr>
+          <a:xfrm rot="10800000">
+            <a:off x="8153400" y="4919990"/>
+            <a:ext cx="76200" cy="1588"/>
+          </a:xfrm>
+          <a:prstGeom prst="line">
+            <a:avLst/>
+          </a:prstGeom>
+          <a:ln>
+            <a:solidFill>
+              <a:schemeClr val="tx1"/>
+            </a:solidFill>
+          </a:ln>
+        </p:spPr>
+        <p:style>
+          <a:lnRef idx="1">
+            <a:schemeClr val="accent1"/>
+          </a:lnRef>
+          <a:fillRef idx="0">
+            <a:schemeClr val="accent1"/>
+          </a:fillRef>
+          <a:effectRef idx="0">
+            <a:schemeClr val="accent1"/>
+          </a:effectRef>
+          <a:fontRef idx="minor">
+            <a:schemeClr val="tx1"/>
+          </a:fontRef>
+        </p:style>
+      </p:cxnSp>
+      <p:cxnSp>
+        <p:nvCxnSpPr>
+          <p:cNvPr id="192" name="Straight Connector 191"/>
+          <p:cNvCxnSpPr/>
+          <p:nvPr/>
+        </p:nvCxnSpPr>
+        <p:spPr>
+          <a:xfrm rot="10800000">
+            <a:off x="8153400" y="5072390"/>
+            <a:ext cx="76200" cy="1588"/>
+          </a:xfrm>
+          <a:prstGeom prst="line">
+            <a:avLst/>
+          </a:prstGeom>
+          <a:ln>
+            <a:solidFill>
+              <a:schemeClr val="tx1"/>
+            </a:solidFill>
+          </a:ln>
+        </p:spPr>
+        <p:style>
+          <a:lnRef idx="1">
+            <a:schemeClr val="accent1"/>
+          </a:lnRef>
+          <a:fillRef idx="0">
+            <a:schemeClr val="accent1"/>
+          </a:fillRef>
+          <a:effectRef idx="0">
+            <a:schemeClr val="accent1"/>
+          </a:effectRef>
+          <a:fontRef idx="minor">
+            <a:schemeClr val="tx1"/>
+          </a:fontRef>
+        </p:style>
+      </p:cxnSp>
+      <p:cxnSp>
+        <p:nvCxnSpPr>
+          <p:cNvPr id="193" name="Straight Connector 192"/>
+          <p:cNvCxnSpPr/>
+          <p:nvPr/>
+        </p:nvCxnSpPr>
+        <p:spPr>
+          <a:xfrm rot="10800000">
+            <a:off x="8153400" y="5375602"/>
+            <a:ext cx="76200" cy="1588"/>
+          </a:xfrm>
+          <a:prstGeom prst="line">
+            <a:avLst/>
+          </a:prstGeom>
+          <a:ln>
+            <a:solidFill>
+              <a:schemeClr val="tx1"/>
+            </a:solidFill>
+          </a:ln>
+        </p:spPr>
+        <p:style>
+          <a:lnRef idx="1">
+            <a:schemeClr val="accent1"/>
+          </a:lnRef>
+          <a:fillRef idx="0">
+            <a:schemeClr val="accent1"/>
+          </a:fillRef>
+          <a:effectRef idx="0">
+            <a:schemeClr val="accent1"/>
+          </a:effectRef>
+          <a:fontRef idx="minor">
+            <a:schemeClr val="tx1"/>
+          </a:fontRef>
+        </p:style>
+      </p:cxnSp>
+      <p:cxnSp>
+        <p:nvCxnSpPr>
+          <p:cNvPr id="194" name="Straight Connector 193"/>
+          <p:cNvCxnSpPr/>
+          <p:nvPr/>
+        </p:nvCxnSpPr>
+        <p:spPr>
+          <a:xfrm rot="10800000">
+            <a:off x="8153400" y="5529590"/>
+            <a:ext cx="76200" cy="1588"/>
+          </a:xfrm>
+          <a:prstGeom prst="line">
+            <a:avLst/>
+          </a:prstGeom>
+          <a:ln>
+            <a:solidFill>
+              <a:schemeClr val="tx1"/>
+            </a:solidFill>
+          </a:ln>
+        </p:spPr>
+        <p:style>
+          <a:lnRef idx="1">
+            <a:schemeClr val="accent1"/>
+          </a:lnRef>
+          <a:fillRef idx="0">
+            <a:schemeClr val="accent1"/>
+          </a:fillRef>
+          <a:effectRef idx="0">
+            <a:schemeClr val="accent1"/>
+          </a:effectRef>
+          <a:fontRef idx="minor">
+            <a:schemeClr val="tx1"/>
+          </a:fontRef>
+        </p:style>
+      </p:cxnSp>
+      <p:sp>
+        <p:nvSpPr>
+          <p:cNvPr id="195" name="Rectangle 194"/>
+          <p:cNvSpPr/>
+          <p:nvPr/>
+        </p:nvSpPr>
+        <p:spPr>
+          <a:xfrm>
+            <a:off x="3048000" y="4081790"/>
+            <a:ext cx="2590800" cy="1905000"/>
+          </a:xfrm>
+          <a:prstGeom prst="rect">
+            <a:avLst/>
+          </a:prstGeom>
+          <a:ln>
+            <a:prstDash val="dash"/>
+          </a:ln>
+        </p:spPr>
+        <p:style>
+          <a:lnRef idx="2">
+            <a:schemeClr val="dk1"/>
+          </a:lnRef>
+          <a:fillRef idx="1">
+            <a:schemeClr val="lt1"/>
+          </a:fillRef>
+          <a:effectRef idx="0">
+            <a:schemeClr val="dk1"/>
+          </a:effectRef>
+          <a:fontRef idx="minor">
+            <a:schemeClr val="dk1"/>
+          </a:fontRef>
+        </p:style>
+        <p:txBody>
+          <a:bodyPr rtlCol="0" anchor="ctr"/>
+          <a:lstStyle/>
+          <a:p>
+            <a:pPr algn="ctr"/>
+            <a:endParaRPr lang="en-US" sz="1400" dirty="0"/>
+          </a:p>
+        </p:txBody>
+      </p:sp>
+      <p:cxnSp>
+        <p:nvCxnSpPr>
+          <p:cNvPr id="196" name="Straight Connector 195"/>
+          <p:cNvCxnSpPr/>
+          <p:nvPr/>
+        </p:nvCxnSpPr>
+        <p:spPr>
+          <a:xfrm rot="10800000">
+            <a:off x="3352800" y="5756602"/>
+            <a:ext cx="2057400" cy="1588"/>
+          </a:xfrm>
+          <a:prstGeom prst="line">
+            <a:avLst/>
+          </a:prstGeom>
+          <a:ln w="12700">
+            <a:solidFill>
+              <a:schemeClr val="tx1"/>
+            </a:solidFill>
+          </a:ln>
+        </p:spPr>
+        <p:style>
+          <a:lnRef idx="1">
+            <a:schemeClr val="accent1"/>
+          </a:lnRef>
+          <a:fillRef idx="0">
+            <a:schemeClr val="accent1"/>
+          </a:fillRef>
+          <a:effectRef idx="0">
+            <a:schemeClr val="accent1"/>
+          </a:effectRef>
+          <a:fontRef idx="minor">
+            <a:schemeClr val="tx1"/>
+          </a:fontRef>
+        </p:style>
+      </p:cxnSp>
+      <p:cxnSp>
+        <p:nvCxnSpPr>
+          <p:cNvPr id="197" name="Straight Connector 196"/>
+          <p:cNvCxnSpPr/>
+          <p:nvPr/>
+        </p:nvCxnSpPr>
+        <p:spPr>
+          <a:xfrm rot="5400000">
+            <a:off x="2552700" y="4958090"/>
+            <a:ext cx="1600200" cy="1588"/>
+          </a:xfrm>
+          <a:prstGeom prst="line">
+            <a:avLst/>
+          </a:prstGeom>
+          <a:ln w="12700">
+            <a:solidFill>
+              <a:schemeClr val="tx1"/>
+            </a:solidFill>
+          </a:ln>
+        </p:spPr>
+        <p:style>
+          <a:lnRef idx="1">
+            <a:schemeClr val="accent1"/>
+          </a:lnRef>
+          <a:fillRef idx="0">
+            <a:schemeClr val="accent1"/>
+          </a:fillRef>
+          <a:effectRef idx="0">
+            <a:schemeClr val="accent1"/>
+          </a:effectRef>
+          <a:fontRef idx="minor">
+            <a:schemeClr val="tx1"/>
+          </a:fontRef>
+        </p:style>
+      </p:cxnSp>
+      <p:sp>
+        <p:nvSpPr>
+          <p:cNvPr id="198" name="TextBox 197"/>
+          <p:cNvSpPr txBox="1"/>
+          <p:nvPr/>
+        </p:nvSpPr>
+        <p:spPr>
+          <a:xfrm rot="16200000">
+            <a:off x="2835906" y="4903485"/>
+            <a:ext cx="685799" cy="261610"/>
+          </a:xfrm>
+          <a:prstGeom prst="rect">
+            <a:avLst/>
+          </a:prstGeom>
+          <a:noFill/>
+        </p:spPr>
+        <p:txBody>
+          <a:bodyPr vert="horz" wrap="square" rtlCol="0">
+            <a:spAutoFit/>
+          </a:bodyPr>
+          <a:lstStyle/>
+          <a:p>
+            <a:pPr algn="r"/>
+            <a:r>
+              <a:rPr lang="en-US" sz="1100" b="1" dirty="0" err="1" smtClean="0"/>
+              <a:t>Tfine</a:t>
+            </a:r>
+            <a:endParaRPr lang="en-US" sz="1100" b="1" dirty="0"/>
+          </a:p>
+        </p:txBody>
+      </p:sp>
+      <p:sp>
+        <p:nvSpPr>
+          <p:cNvPr id="199" name="TextBox 198"/>
+          <p:cNvSpPr txBox="1"/>
+          <p:nvPr/>
+        </p:nvSpPr>
+        <p:spPr>
+          <a:xfrm>
+            <a:off x="4038600" y="5758190"/>
+            <a:ext cx="762000" cy="261610"/>
+          </a:xfrm>
+          <a:prstGeom prst="rect">
+            <a:avLst/>
+          </a:prstGeom>
+          <a:noFill/>
+        </p:spPr>
+        <p:txBody>
+          <a:bodyPr vert="horz" wrap="square" rtlCol="0">
+            <a:spAutoFit/>
+          </a:bodyPr>
+          <a:lstStyle/>
+          <a:p>
+            <a:r>
+              <a:rPr lang="en-US" sz="1100" b="1" dirty="0" smtClean="0"/>
+              <a:t>Channels</a:t>
+            </a:r>
+            <a:endParaRPr lang="en-US" sz="1100" b="1" dirty="0"/>
+          </a:p>
+        </p:txBody>
+      </p:sp>
+      <p:cxnSp>
+        <p:nvCxnSpPr>
+          <p:cNvPr id="200" name="Straight Connector 199"/>
+          <p:cNvCxnSpPr/>
+          <p:nvPr/>
+        </p:nvCxnSpPr>
+        <p:spPr>
+          <a:xfrm rot="5400000">
+            <a:off x="2247900" y="4958090"/>
+            <a:ext cx="1600994" cy="794"/>
+          </a:xfrm>
+          <a:prstGeom prst="line">
+            <a:avLst/>
+          </a:prstGeom>
+          <a:ln>
+            <a:prstDash val="dash"/>
+          </a:ln>
+        </p:spPr>
+        <p:style>
+          <a:lnRef idx="1">
+            <a:schemeClr val="accent1"/>
+          </a:lnRef>
+          <a:fillRef idx="0">
+            <a:schemeClr val="accent1"/>
+          </a:fillRef>
+          <a:effectRef idx="0">
+            <a:schemeClr val="accent1"/>
+          </a:effectRef>
+          <a:fontRef idx="minor">
+            <a:schemeClr val="tx1"/>
+          </a:fontRef>
+        </p:style>
+      </p:cxnSp>
+      <p:cxnSp>
+        <p:nvCxnSpPr>
+          <p:cNvPr id="201" name="Straight Connector 200"/>
+          <p:cNvCxnSpPr/>
+          <p:nvPr/>
+        </p:nvCxnSpPr>
+        <p:spPr>
+          <a:xfrm rot="5400000">
+            <a:off x="2857500" y="4958090"/>
+            <a:ext cx="1600994" cy="794"/>
+          </a:xfrm>
+          <a:prstGeom prst="line">
+            <a:avLst/>
+          </a:prstGeom>
+          <a:ln>
+            <a:prstDash val="dash"/>
+          </a:ln>
+        </p:spPr>
+        <p:style>
+          <a:lnRef idx="1">
+            <a:schemeClr val="accent1"/>
+          </a:lnRef>
+          <a:fillRef idx="0">
+            <a:schemeClr val="accent1"/>
+          </a:fillRef>
+          <a:effectRef idx="0">
+            <a:schemeClr val="accent1"/>
+          </a:effectRef>
+          <a:fontRef idx="minor">
+            <a:schemeClr val="tx1"/>
+          </a:fontRef>
+        </p:style>
+      </p:cxnSp>
+      <p:cxnSp>
+        <p:nvCxnSpPr>
+          <p:cNvPr id="202" name="Straight Connector 201"/>
+          <p:cNvCxnSpPr/>
+          <p:nvPr/>
+        </p:nvCxnSpPr>
+        <p:spPr>
+          <a:xfrm rot="5400000">
+            <a:off x="3162300" y="4958090"/>
+            <a:ext cx="1600994" cy="794"/>
+          </a:xfrm>
+          <a:prstGeom prst="line">
+            <a:avLst/>
+          </a:prstGeom>
+          <a:ln>
+            <a:prstDash val="dash"/>
+          </a:ln>
+        </p:spPr>
+        <p:style>
+          <a:lnRef idx="1">
+            <a:schemeClr val="accent1"/>
+          </a:lnRef>
+          <a:fillRef idx="0">
+            <a:schemeClr val="accent1"/>
+          </a:fillRef>
+          <a:effectRef idx="0">
+            <a:schemeClr val="accent1"/>
+          </a:effectRef>
+          <a:fontRef idx="minor">
+            <a:schemeClr val="tx1"/>
+          </a:fontRef>
+        </p:style>
+      </p:cxnSp>
+      <p:cxnSp>
+        <p:nvCxnSpPr>
+          <p:cNvPr id="203" name="Straight Connector 202"/>
+          <p:cNvCxnSpPr/>
+          <p:nvPr/>
+        </p:nvCxnSpPr>
+        <p:spPr>
+          <a:xfrm rot="5400000">
+            <a:off x="3467100" y="4958090"/>
+            <a:ext cx="1600994" cy="794"/>
+          </a:xfrm>
+          <a:prstGeom prst="line">
+            <a:avLst/>
+          </a:prstGeom>
+          <a:ln>
+            <a:prstDash val="dash"/>
+          </a:ln>
+        </p:spPr>
+        <p:style>
+          <a:lnRef idx="1">
+            <a:schemeClr val="accent1"/>
+          </a:lnRef>
+          <a:fillRef idx="0">
+            <a:schemeClr val="accent1"/>
+          </a:fillRef>
+          <a:effectRef idx="0">
+            <a:schemeClr val="accent1"/>
+          </a:effectRef>
+          <a:fontRef idx="minor">
+            <a:schemeClr val="tx1"/>
+          </a:fontRef>
+        </p:style>
+      </p:cxnSp>
+      <p:cxnSp>
+        <p:nvCxnSpPr>
+          <p:cNvPr id="204" name="Straight Connector 203"/>
+          <p:cNvCxnSpPr/>
+          <p:nvPr/>
+        </p:nvCxnSpPr>
+        <p:spPr>
+          <a:xfrm rot="5400000">
+            <a:off x="3771900" y="4958090"/>
+            <a:ext cx="1600994" cy="794"/>
+          </a:xfrm>
+          <a:prstGeom prst="line">
+            <a:avLst/>
+          </a:prstGeom>
+          <a:ln>
+            <a:prstDash val="dash"/>
+          </a:ln>
+        </p:spPr>
+        <p:style>
+          <a:lnRef idx="1">
+            <a:schemeClr val="accent1"/>
+          </a:lnRef>
+          <a:fillRef idx="0">
+            <a:schemeClr val="accent1"/>
+          </a:fillRef>
+          <a:effectRef idx="0">
+            <a:schemeClr val="accent1"/>
+          </a:effectRef>
+          <a:fontRef idx="minor">
+            <a:schemeClr val="tx1"/>
+          </a:fontRef>
+        </p:style>
+      </p:cxnSp>
+      <p:cxnSp>
+        <p:nvCxnSpPr>
+          <p:cNvPr id="205" name="Straight Connector 204"/>
+          <p:cNvCxnSpPr/>
+          <p:nvPr/>
+        </p:nvCxnSpPr>
+        <p:spPr>
+          <a:xfrm rot="5400000">
+            <a:off x="4076700" y="4958090"/>
+            <a:ext cx="1600994" cy="794"/>
+          </a:xfrm>
+          <a:prstGeom prst="line">
+            <a:avLst/>
+          </a:prstGeom>
+          <a:ln>
+            <a:prstDash val="dash"/>
+          </a:ln>
+        </p:spPr>
+        <p:style>
+          <a:lnRef idx="1">
+            <a:schemeClr val="accent1"/>
+          </a:lnRef>
+          <a:fillRef idx="0">
+            <a:schemeClr val="accent1"/>
+          </a:fillRef>
+          <a:effectRef idx="0">
+            <a:schemeClr val="accent1"/>
+          </a:effectRef>
+          <a:fontRef idx="minor">
+            <a:schemeClr val="tx1"/>
+          </a:fontRef>
+        </p:style>
+      </p:cxnSp>
+      <p:cxnSp>
+        <p:nvCxnSpPr>
+          <p:cNvPr id="206" name="Straight Connector 205"/>
+          <p:cNvCxnSpPr/>
+          <p:nvPr/>
+        </p:nvCxnSpPr>
+        <p:spPr>
+          <a:xfrm rot="5400000">
+            <a:off x="4381500" y="4958090"/>
+            <a:ext cx="1600994" cy="794"/>
+          </a:xfrm>
+          <a:prstGeom prst="line">
+            <a:avLst/>
+          </a:prstGeom>
+          <a:ln>
+            <a:prstDash val="dash"/>
+          </a:ln>
+        </p:spPr>
+        <p:style>
+          <a:lnRef idx="1">
+            <a:schemeClr val="accent1"/>
+          </a:lnRef>
+          <a:fillRef idx="0">
+            <a:schemeClr val="accent1"/>
+          </a:fillRef>
+          <a:effectRef idx="0">
+            <a:schemeClr val="accent1"/>
+          </a:effectRef>
+          <a:fontRef idx="minor">
+            <a:schemeClr val="tx1"/>
+          </a:fontRef>
+        </p:style>
+      </p:cxnSp>
+      <p:cxnSp>
+        <p:nvCxnSpPr>
+          <p:cNvPr id="207" name="Straight Connector 206"/>
+          <p:cNvCxnSpPr/>
+          <p:nvPr/>
+        </p:nvCxnSpPr>
+        <p:spPr>
+          <a:xfrm rot="10800000">
+            <a:off x="3352800" y="5453390"/>
+            <a:ext cx="1905000" cy="1588"/>
+          </a:xfrm>
+          <a:prstGeom prst="line">
+            <a:avLst/>
+          </a:prstGeom>
+          <a:ln>
+            <a:prstDash val="dash"/>
+          </a:ln>
+        </p:spPr>
+        <p:style>
+          <a:lnRef idx="1">
+            <a:schemeClr val="accent1"/>
+          </a:lnRef>
+          <a:fillRef idx="0">
+            <a:schemeClr val="accent1"/>
+          </a:fillRef>
+          <a:effectRef idx="0">
+            <a:schemeClr val="accent1"/>
+          </a:effectRef>
+          <a:fontRef idx="minor">
+            <a:schemeClr val="tx1"/>
+          </a:fontRef>
+        </p:style>
+      </p:cxnSp>
+      <p:cxnSp>
+        <p:nvCxnSpPr>
+          <p:cNvPr id="208" name="Straight Connector 207"/>
+          <p:cNvCxnSpPr/>
+          <p:nvPr/>
+        </p:nvCxnSpPr>
+        <p:spPr>
+          <a:xfrm rot="10800000">
+            <a:off x="3352800" y="5148590"/>
+            <a:ext cx="1905000" cy="1588"/>
+          </a:xfrm>
+          <a:prstGeom prst="line">
+            <a:avLst/>
+          </a:prstGeom>
+          <a:ln>
+            <a:prstDash val="dash"/>
+          </a:ln>
+        </p:spPr>
+        <p:style>
+          <a:lnRef idx="1">
+            <a:schemeClr val="accent1"/>
+          </a:lnRef>
+          <a:fillRef idx="0">
+            <a:schemeClr val="accent1"/>
+          </a:fillRef>
+          <a:effectRef idx="0">
+            <a:schemeClr val="accent1"/>
+          </a:effectRef>
+          <a:fontRef idx="minor">
+            <a:schemeClr val="tx1"/>
+          </a:fontRef>
+        </p:style>
+      </p:cxnSp>
+      <p:cxnSp>
+        <p:nvCxnSpPr>
+          <p:cNvPr id="209" name="Straight Connector 208"/>
+          <p:cNvCxnSpPr/>
+          <p:nvPr/>
+        </p:nvCxnSpPr>
+        <p:spPr>
+          <a:xfrm rot="10800000">
+            <a:off x="3352800" y="4843790"/>
+            <a:ext cx="1905000" cy="1588"/>
+          </a:xfrm>
+          <a:prstGeom prst="line">
+            <a:avLst/>
+          </a:prstGeom>
+          <a:ln>
+            <a:prstDash val="dash"/>
+          </a:ln>
+        </p:spPr>
+        <p:style>
+          <a:lnRef idx="1">
+            <a:schemeClr val="accent1"/>
+          </a:lnRef>
+          <a:fillRef idx="0">
+            <a:schemeClr val="accent1"/>
+          </a:fillRef>
+          <a:effectRef idx="0">
+            <a:schemeClr val="accent1"/>
+          </a:effectRef>
+          <a:fontRef idx="minor">
+            <a:schemeClr val="tx1"/>
+          </a:fontRef>
+        </p:style>
+      </p:cxnSp>
+      <p:cxnSp>
+        <p:nvCxnSpPr>
+          <p:cNvPr id="210" name="Straight Connector 209"/>
+          <p:cNvCxnSpPr/>
+          <p:nvPr/>
+        </p:nvCxnSpPr>
+        <p:spPr>
+          <a:xfrm rot="10800000">
+            <a:off x="3352800" y="4538990"/>
+            <a:ext cx="1905000" cy="1588"/>
+          </a:xfrm>
+          <a:prstGeom prst="line">
+            <a:avLst/>
+          </a:prstGeom>
+          <a:ln>
+            <a:prstDash val="dash"/>
+          </a:ln>
+        </p:spPr>
+        <p:style>
+          <a:lnRef idx="1">
+            <a:schemeClr val="accent1"/>
+          </a:lnRef>
+          <a:fillRef idx="0">
+            <a:schemeClr val="accent1"/>
+          </a:fillRef>
+          <a:effectRef idx="0">
+            <a:schemeClr val="accent1"/>
+          </a:effectRef>
+          <a:fontRef idx="minor">
+            <a:schemeClr val="tx1"/>
+          </a:fontRef>
+        </p:style>
+      </p:cxnSp>
+      <p:cxnSp>
+        <p:nvCxnSpPr>
+          <p:cNvPr id="211" name="Straight Connector 210"/>
+          <p:cNvCxnSpPr/>
+          <p:nvPr/>
+        </p:nvCxnSpPr>
+        <p:spPr>
+          <a:xfrm rot="10800000">
+            <a:off x="3352800" y="4234190"/>
+            <a:ext cx="1905000" cy="1588"/>
+          </a:xfrm>
+          <a:prstGeom prst="line">
+            <a:avLst/>
+          </a:prstGeom>
+          <a:ln>
+            <a:prstDash val="dash"/>
+          </a:ln>
+        </p:spPr>
+        <p:style>
+          <a:lnRef idx="1">
+            <a:schemeClr val="accent1"/>
+          </a:lnRef>
+          <a:fillRef idx="0">
+            <a:schemeClr val="accent1"/>
+          </a:fillRef>
+          <a:effectRef idx="0">
+            <a:schemeClr val="accent1"/>
+          </a:effectRef>
+          <a:fontRef idx="minor">
+            <a:schemeClr val="tx1"/>
+          </a:fontRef>
+        </p:style>
+      </p:cxnSp>
+      <p:sp>
+        <p:nvSpPr>
+          <p:cNvPr id="212" name="Rectangle 211"/>
+          <p:cNvSpPr/>
+          <p:nvPr/>
+        </p:nvSpPr>
+        <p:spPr>
+          <a:xfrm>
+            <a:off x="5334000" y="4234190"/>
+            <a:ext cx="76200" cy="1371600"/>
+          </a:xfrm>
+          <a:prstGeom prst="rect">
+            <a:avLst/>
+          </a:prstGeom>
+          <a:gradFill>
+            <a:gsLst>
+              <a:gs pos="0">
+                <a:srgbClr val="FF0000"/>
+              </a:gs>
+              <a:gs pos="50000">
+                <a:schemeClr val="tx2">
+                  <a:lumMod val="60000"/>
+                  <a:lumOff val="40000"/>
+                </a:schemeClr>
+              </a:gs>
+              <a:gs pos="100000">
+                <a:schemeClr val="accent1">
+                  <a:tint val="23500"/>
+                  <a:satMod val="160000"/>
+                </a:schemeClr>
+              </a:gs>
+            </a:gsLst>
+            <a:lin ang="5400000" scaled="0"/>
+          </a:gradFill>
+          <a:ln w="6350"/>
+        </p:spPr>
+        <p:style>
+          <a:lnRef idx="2">
+            <a:schemeClr val="dk1"/>
+          </a:lnRef>
+          <a:fillRef idx="1">
+            <a:schemeClr val="lt1"/>
+          </a:fillRef>
+          <a:effectRef idx="0">
+            <a:schemeClr val="dk1"/>
+          </a:effectRef>
+          <a:fontRef idx="minor">
+            <a:schemeClr val="dk1"/>
+          </a:fontRef>
+        </p:style>
+        <p:txBody>
+          <a:bodyPr rtlCol="0" anchor="ctr"/>
+          <a:lstStyle/>
+          <a:p>
+            <a:pPr algn="ctr"/>
+            <a:endParaRPr lang="en-US"/>
+          </a:p>
+        </p:txBody>
+      </p:sp>
+      <p:cxnSp>
+        <p:nvCxnSpPr>
+          <p:cNvPr id="213" name="Straight Connector 212"/>
+          <p:cNvCxnSpPr/>
+          <p:nvPr/>
+        </p:nvCxnSpPr>
+        <p:spPr>
+          <a:xfrm rot="10800000">
+            <a:off x="5410200" y="4310390"/>
+            <a:ext cx="76200" cy="1588"/>
+          </a:xfrm>
+          <a:prstGeom prst="line">
+            <a:avLst/>
+          </a:prstGeom>
+          <a:ln>
+            <a:solidFill>
+              <a:schemeClr val="tx1"/>
+            </a:solidFill>
+          </a:ln>
+        </p:spPr>
+        <p:style>
+          <a:lnRef idx="1">
+            <a:schemeClr val="accent1"/>
+          </a:lnRef>
+          <a:fillRef idx="0">
+            <a:schemeClr val="accent1"/>
+          </a:fillRef>
+          <a:effectRef idx="0">
+            <a:schemeClr val="accent1"/>
+          </a:effectRef>
+          <a:fontRef idx="minor">
+            <a:schemeClr val="tx1"/>
+          </a:fontRef>
+        </p:style>
+      </p:cxnSp>
+      <p:cxnSp>
+        <p:nvCxnSpPr>
+          <p:cNvPr id="214" name="Straight Connector 213"/>
+          <p:cNvCxnSpPr/>
+          <p:nvPr/>
+        </p:nvCxnSpPr>
+        <p:spPr>
+          <a:xfrm rot="10800000">
+            <a:off x="5410200" y="4461202"/>
+            <a:ext cx="76200" cy="1588"/>
+          </a:xfrm>
+          <a:prstGeom prst="line">
+            <a:avLst/>
+          </a:prstGeom>
+          <a:ln>
+            <a:solidFill>
+              <a:schemeClr val="tx1"/>
+            </a:solidFill>
+          </a:ln>
+        </p:spPr>
+        <p:style>
+          <a:lnRef idx="1">
+            <a:schemeClr val="accent1"/>
+          </a:lnRef>
+          <a:fillRef idx="0">
+            <a:schemeClr val="accent1"/>
+          </a:fillRef>
+          <a:effectRef idx="0">
+            <a:schemeClr val="accent1"/>
+          </a:effectRef>
+          <a:fontRef idx="minor">
+            <a:schemeClr val="tx1"/>
+          </a:fontRef>
+        </p:style>
+      </p:cxnSp>
+      <p:cxnSp>
+        <p:nvCxnSpPr>
+          <p:cNvPr id="215" name="Straight Connector 214"/>
+          <p:cNvCxnSpPr/>
+          <p:nvPr/>
+        </p:nvCxnSpPr>
+        <p:spPr>
+          <a:xfrm rot="10800000">
+            <a:off x="5410200" y="5223202"/>
+            <a:ext cx="76200" cy="1588"/>
+          </a:xfrm>
+          <a:prstGeom prst="line">
+            <a:avLst/>
+          </a:prstGeom>
+          <a:ln>
+            <a:solidFill>
+              <a:schemeClr val="tx1"/>
+            </a:solidFill>
+          </a:ln>
+        </p:spPr>
+        <p:style>
+          <a:lnRef idx="1">
+            <a:schemeClr val="accent1"/>
+          </a:lnRef>
+          <a:fillRef idx="0">
+            <a:schemeClr val="accent1"/>
+          </a:fillRef>
+          <a:effectRef idx="0">
+            <a:schemeClr val="accent1"/>
+          </a:effectRef>
+          <a:fontRef idx="minor">
+            <a:schemeClr val="tx1"/>
+          </a:fontRef>
+        </p:style>
+      </p:cxnSp>
+      <p:cxnSp>
+        <p:nvCxnSpPr>
+          <p:cNvPr id="216" name="Straight Connector 215"/>
+          <p:cNvCxnSpPr/>
+          <p:nvPr/>
+        </p:nvCxnSpPr>
+        <p:spPr>
+          <a:xfrm rot="10800000">
+            <a:off x="5410200" y="4615190"/>
+            <a:ext cx="76200" cy="1588"/>
+          </a:xfrm>
+          <a:prstGeom prst="line">
+            <a:avLst/>
+          </a:prstGeom>
+          <a:ln>
+            <a:solidFill>
+              <a:schemeClr val="tx1"/>
+            </a:solidFill>
+          </a:ln>
+        </p:spPr>
+        <p:style>
+          <a:lnRef idx="1">
+            <a:schemeClr val="accent1"/>
+          </a:lnRef>
+          <a:fillRef idx="0">
+            <a:schemeClr val="accent1"/>
+          </a:fillRef>
+          <a:effectRef idx="0">
+            <a:schemeClr val="accent1"/>
+          </a:effectRef>
+          <a:fontRef idx="minor">
+            <a:schemeClr val="tx1"/>
+          </a:fontRef>
+        </p:style>
+      </p:cxnSp>
+      <p:cxnSp>
+        <p:nvCxnSpPr>
+          <p:cNvPr id="217" name="Straight Connector 216"/>
+          <p:cNvCxnSpPr/>
+          <p:nvPr/>
+        </p:nvCxnSpPr>
+        <p:spPr>
+          <a:xfrm rot="10800000">
+            <a:off x="5410200" y="4766002"/>
+            <a:ext cx="76200" cy="1588"/>
+          </a:xfrm>
+          <a:prstGeom prst="line">
+            <a:avLst/>
+          </a:prstGeom>
+          <a:ln>
+            <a:solidFill>
+              <a:schemeClr val="tx1"/>
+            </a:solidFill>
+          </a:ln>
+        </p:spPr>
+        <p:style>
+          <a:lnRef idx="1">
+            <a:schemeClr val="accent1"/>
+          </a:lnRef>
+          <a:fillRef idx="0">
+            <a:schemeClr val="accent1"/>
+          </a:fillRef>
+          <a:effectRef idx="0">
+            <a:schemeClr val="accent1"/>
+          </a:effectRef>
+          <a:fontRef idx="minor">
+            <a:schemeClr val="tx1"/>
+          </a:fontRef>
+        </p:style>
+      </p:cxnSp>
+      <p:cxnSp>
+        <p:nvCxnSpPr>
+          <p:cNvPr id="218" name="Straight Connector 217"/>
+          <p:cNvCxnSpPr/>
+          <p:nvPr/>
+        </p:nvCxnSpPr>
+        <p:spPr>
+          <a:xfrm rot="10800000">
+            <a:off x="5410200" y="4919990"/>
+            <a:ext cx="76200" cy="1588"/>
+          </a:xfrm>
+          <a:prstGeom prst="line">
+            <a:avLst/>
+          </a:prstGeom>
+          <a:ln>
+            <a:solidFill>
+              <a:schemeClr val="tx1"/>
+            </a:solidFill>
+          </a:ln>
+        </p:spPr>
+        <p:style>
+          <a:lnRef idx="1">
+            <a:schemeClr val="accent1"/>
+          </a:lnRef>
+          <a:fillRef idx="0">
+            <a:schemeClr val="accent1"/>
+          </a:fillRef>
+          <a:effectRef idx="0">
+            <a:schemeClr val="accent1"/>
+          </a:effectRef>
+          <a:fontRef idx="minor">
+            <a:schemeClr val="tx1"/>
+          </a:fontRef>
+        </p:style>
+      </p:cxnSp>
+      <p:cxnSp>
+        <p:nvCxnSpPr>
+          <p:cNvPr id="219" name="Straight Connector 218"/>
+          <p:cNvCxnSpPr/>
+          <p:nvPr/>
+        </p:nvCxnSpPr>
+        <p:spPr>
+          <a:xfrm rot="10800000">
+            <a:off x="5410200" y="5072390"/>
+            <a:ext cx="76200" cy="1588"/>
+          </a:xfrm>
+          <a:prstGeom prst="line">
+            <a:avLst/>
+          </a:prstGeom>
+          <a:ln>
+            <a:solidFill>
+              <a:schemeClr val="tx1"/>
+            </a:solidFill>
+          </a:ln>
+        </p:spPr>
+        <p:style>
+          <a:lnRef idx="1">
+            <a:schemeClr val="accent1"/>
+          </a:lnRef>
+          <a:fillRef idx="0">
+            <a:schemeClr val="accent1"/>
+          </a:fillRef>
+          <a:effectRef idx="0">
+            <a:schemeClr val="accent1"/>
+          </a:effectRef>
+          <a:fontRef idx="minor">
+            <a:schemeClr val="tx1"/>
+          </a:fontRef>
+        </p:style>
+      </p:cxnSp>
+      <p:cxnSp>
+        <p:nvCxnSpPr>
+          <p:cNvPr id="220" name="Straight Connector 219"/>
+          <p:cNvCxnSpPr/>
+          <p:nvPr/>
+        </p:nvCxnSpPr>
+        <p:spPr>
+          <a:xfrm rot="10800000">
+            <a:off x="5410200" y="5375602"/>
+            <a:ext cx="76200" cy="1588"/>
+          </a:xfrm>
+          <a:prstGeom prst="line">
+            <a:avLst/>
+          </a:prstGeom>
+          <a:ln>
+            <a:solidFill>
+              <a:schemeClr val="tx1"/>
+            </a:solidFill>
+          </a:ln>
+        </p:spPr>
+        <p:style>
+          <a:lnRef idx="1">
+            <a:schemeClr val="accent1"/>
+          </a:lnRef>
+          <a:fillRef idx="0">
+            <a:schemeClr val="accent1"/>
+          </a:fillRef>
+          <a:effectRef idx="0">
+            <a:schemeClr val="accent1"/>
+          </a:effectRef>
+          <a:fontRef idx="minor">
+            <a:schemeClr val="tx1"/>
+          </a:fontRef>
+        </p:style>
+      </p:cxnSp>
+      <p:cxnSp>
+        <p:nvCxnSpPr>
+          <p:cNvPr id="221" name="Straight Connector 220"/>
+          <p:cNvCxnSpPr/>
+          <p:nvPr/>
+        </p:nvCxnSpPr>
+        <p:spPr>
+          <a:xfrm rot="10800000">
+            <a:off x="5410200" y="5529590"/>
+            <a:ext cx="76200" cy="1588"/>
+          </a:xfrm>
+          <a:prstGeom prst="line">
+            <a:avLst/>
+          </a:prstGeom>
+          <a:ln>
+            <a:solidFill>
+              <a:schemeClr val="tx1"/>
+            </a:solidFill>
+          </a:ln>
+        </p:spPr>
+        <p:style>
+          <a:lnRef idx="1">
+            <a:schemeClr val="accent1"/>
+          </a:lnRef>
+          <a:fillRef idx="0">
+            <a:schemeClr val="accent1"/>
+          </a:fillRef>
+          <a:effectRef idx="0">
+            <a:schemeClr val="accent1"/>
+          </a:effectRef>
+          <a:fontRef idx="minor">
+            <a:schemeClr val="tx1"/>
+          </a:fontRef>
+        </p:style>
+      </p:cxnSp>
     </p:spTree>
   </p:cSld>
   <p:clrMapOvr>
